--- a/Sales Prediction - Final Project (1).pptx
+++ b/Sales Prediction - Final Project (1).pptx
@@ -1,42 +1,42 @@
 
 <file path=ppt/presentation.xml><?xml version="1.0" encoding="utf-8"?>
-<p:presentation xmlns:a="http://schemas.openxmlformats.org/drawingml/2006/main" xmlns:r="http://schemas.openxmlformats.org/officeDocument/2006/relationships" xmlns:mc="http://schemas.openxmlformats.org/markup-compatibility/2006" xmlns:mv="urn:schemas-microsoft-com:mac:vml" xmlns:p="http://schemas.openxmlformats.org/presentationml/2006/main" xmlns:c="http://schemas.openxmlformats.org/drawingml/2006/chart" xmlns:dgm="http://schemas.openxmlformats.org/drawingml/2006/diagram" xmlns:o="urn:schemas-microsoft-com:office:office" xmlns:v="urn:schemas-microsoft-com:vml" xmlns:pvml="urn:schemas-microsoft-com:office:powerpoint" xmlns:com="http://schemas.openxmlformats.org/drawingml/2006/compatibility" xmlns:p14="http://schemas.microsoft.com/office/powerpoint/2010/main" xmlns:p15="http://schemas.microsoft.com/office/powerpoint/2012/main" xmlns:ahyp="http://schemas.microsoft.com/office/drawing/2018/hyperlinkcolor" autoCompressPictures="0" embedTrueTypeFonts="1" strictFirstAndLastChars="0" saveSubsetFonts="1">
+<p:presentation xmlns:a="http://schemas.openxmlformats.org/drawingml/2006/main" xmlns:r="http://schemas.openxmlformats.org/officeDocument/2006/relationships" xmlns:p="http://schemas.openxmlformats.org/presentationml/2006/main" strictFirstAndLastChars="0" embedTrueTypeFonts="1" saveSubsetFonts="1" autoCompressPictures="0">
   <p:sldMasterIdLst>
-    <p:sldMasterId id="2147483659" r:id="rId4"/>
+    <p:sldMasterId id="2147483659" r:id="rId1"/>
   </p:sldMasterIdLst>
   <p:notesMasterIdLst>
-    <p:notesMasterId r:id="rId5"/>
+    <p:notesMasterId r:id="rId12"/>
   </p:notesMasterIdLst>
   <p:sldIdLst>
-    <p:sldId id="256" r:id="rId6"/>
-    <p:sldId id="257" r:id="rId7"/>
-    <p:sldId id="258" r:id="rId8"/>
-    <p:sldId id="259" r:id="rId9"/>
-    <p:sldId id="260" r:id="rId10"/>
-    <p:sldId id="261" r:id="rId11"/>
-    <p:sldId id="262" r:id="rId12"/>
-    <p:sldId id="263" r:id="rId13"/>
-    <p:sldId id="264" r:id="rId14"/>
-    <p:sldId id="265" r:id="rId15"/>
+    <p:sldId id="256" r:id="rId2"/>
+    <p:sldId id="257" r:id="rId3"/>
+    <p:sldId id="258" r:id="rId4"/>
+    <p:sldId id="259" r:id="rId5"/>
+    <p:sldId id="260" r:id="rId6"/>
+    <p:sldId id="261" r:id="rId7"/>
+    <p:sldId id="262" r:id="rId8"/>
+    <p:sldId id="263" r:id="rId9"/>
+    <p:sldId id="264" r:id="rId10"/>
+    <p:sldId id="265" r:id="rId11"/>
   </p:sldIdLst>
-  <p:sldSz cy="5143500" cx="9144000"/>
+  <p:sldSz cx="9144000" cy="5143500" type="screen16x9"/>
   <p:notesSz cx="6858000" cy="9144000"/>
   <p:embeddedFontLst>
     <p:embeddedFont>
-      <p:font typeface="PT Sans Narrow"/>
-      <p:regular r:id="rId16"/>
-      <p:bold r:id="rId17"/>
+      <p:font typeface="Open Sans" panose="020B0606030504020204" pitchFamily="34" charset="0"/>
+      <p:regular r:id="rId13"/>
+      <p:bold r:id="rId14"/>
+      <p:italic r:id="rId15"/>
+      <p:boldItalic r:id="rId16"/>
     </p:embeddedFont>
     <p:embeddedFont>
-      <p:font typeface="Open Sans"/>
-      <p:regular r:id="rId18"/>
-      <p:bold r:id="rId19"/>
-      <p:italic r:id="rId20"/>
-      <p:boldItalic r:id="rId21"/>
+      <p:font typeface="PT Sans Narrow" panose="020B0604020202020204" charset="0"/>
+      <p:regular r:id="rId17"/>
+      <p:bold r:id="rId18"/>
     </p:embeddedFont>
   </p:embeddedFontLst>
   <p:defaultTextStyle>
-    <a:defPPr lvl="0" marR="0" rtl="0" algn="l">
+    <a:defPPr marR="0" lvl="0" algn="l" rtl="0">
       <a:lnSpc>
         <a:spcPct val="100000"/>
       </a:lnSpc>
@@ -47,7 +47,7 @@
         <a:spcPts val="0"/>
       </a:spcAft>
     </a:defPPr>
-    <a:lvl1pPr lvl="0" marR="0" rtl="0" algn="l">
+    <a:lvl1pPr marR="0" lvl="0" algn="l" rtl="0">
       <a:lnSpc>
         <a:spcPct val="100000"/>
       </a:lnSpc>
@@ -61,7 +61,7 @@
         <a:srgbClr val="000000"/>
       </a:buClr>
       <a:buFont typeface="Arial"/>
-      <a:defRPr b="0" i="0" sz="1400" u="none" cap="none" strike="noStrike">
+      <a:defRPr sz="1400" b="0" i="0" u="none" strike="noStrike" cap="none">
         <a:solidFill>
           <a:srgbClr val="000000"/>
         </a:solidFill>
@@ -71,7 +71,7 @@
         <a:sym typeface="Arial"/>
       </a:defRPr>
     </a:lvl1pPr>
-    <a:lvl2pPr lvl="1" marR="0" rtl="0" algn="l">
+    <a:lvl2pPr marR="0" lvl="1" algn="l" rtl="0">
       <a:lnSpc>
         <a:spcPct val="100000"/>
       </a:lnSpc>
@@ -85,7 +85,7 @@
         <a:srgbClr val="000000"/>
       </a:buClr>
       <a:buFont typeface="Arial"/>
-      <a:defRPr b="0" i="0" sz="1400" u="none" cap="none" strike="noStrike">
+      <a:defRPr sz="1400" b="0" i="0" u="none" strike="noStrike" cap="none">
         <a:solidFill>
           <a:srgbClr val="000000"/>
         </a:solidFill>
@@ -95,7 +95,7 @@
         <a:sym typeface="Arial"/>
       </a:defRPr>
     </a:lvl2pPr>
-    <a:lvl3pPr lvl="2" marR="0" rtl="0" algn="l">
+    <a:lvl3pPr marR="0" lvl="2" algn="l" rtl="0">
       <a:lnSpc>
         <a:spcPct val="100000"/>
       </a:lnSpc>
@@ -109,7 +109,7 @@
         <a:srgbClr val="000000"/>
       </a:buClr>
       <a:buFont typeface="Arial"/>
-      <a:defRPr b="0" i="0" sz="1400" u="none" cap="none" strike="noStrike">
+      <a:defRPr sz="1400" b="0" i="0" u="none" strike="noStrike" cap="none">
         <a:solidFill>
           <a:srgbClr val="000000"/>
         </a:solidFill>
@@ -119,7 +119,7 @@
         <a:sym typeface="Arial"/>
       </a:defRPr>
     </a:lvl3pPr>
-    <a:lvl4pPr lvl="3" marR="0" rtl="0" algn="l">
+    <a:lvl4pPr marR="0" lvl="3" algn="l" rtl="0">
       <a:lnSpc>
         <a:spcPct val="100000"/>
       </a:lnSpc>
@@ -133,7 +133,7 @@
         <a:srgbClr val="000000"/>
       </a:buClr>
       <a:buFont typeface="Arial"/>
-      <a:defRPr b="0" i="0" sz="1400" u="none" cap="none" strike="noStrike">
+      <a:defRPr sz="1400" b="0" i="0" u="none" strike="noStrike" cap="none">
         <a:solidFill>
           <a:srgbClr val="000000"/>
         </a:solidFill>
@@ -143,7 +143,7 @@
         <a:sym typeface="Arial"/>
       </a:defRPr>
     </a:lvl4pPr>
-    <a:lvl5pPr lvl="4" marR="0" rtl="0" algn="l">
+    <a:lvl5pPr marR="0" lvl="4" algn="l" rtl="0">
       <a:lnSpc>
         <a:spcPct val="100000"/>
       </a:lnSpc>
@@ -157,7 +157,7 @@
         <a:srgbClr val="000000"/>
       </a:buClr>
       <a:buFont typeface="Arial"/>
-      <a:defRPr b="0" i="0" sz="1400" u="none" cap="none" strike="noStrike">
+      <a:defRPr sz="1400" b="0" i="0" u="none" strike="noStrike" cap="none">
         <a:solidFill>
           <a:srgbClr val="000000"/>
         </a:solidFill>
@@ -167,7 +167,7 @@
         <a:sym typeface="Arial"/>
       </a:defRPr>
     </a:lvl5pPr>
-    <a:lvl6pPr lvl="5" marR="0" rtl="0" algn="l">
+    <a:lvl6pPr marR="0" lvl="5" algn="l" rtl="0">
       <a:lnSpc>
         <a:spcPct val="100000"/>
       </a:lnSpc>
@@ -181,7 +181,7 @@
         <a:srgbClr val="000000"/>
       </a:buClr>
       <a:buFont typeface="Arial"/>
-      <a:defRPr b="0" i="0" sz="1400" u="none" cap="none" strike="noStrike">
+      <a:defRPr sz="1400" b="0" i="0" u="none" strike="noStrike" cap="none">
         <a:solidFill>
           <a:srgbClr val="000000"/>
         </a:solidFill>
@@ -191,7 +191,7 @@
         <a:sym typeface="Arial"/>
       </a:defRPr>
     </a:lvl6pPr>
-    <a:lvl7pPr lvl="6" marR="0" rtl="0" algn="l">
+    <a:lvl7pPr marR="0" lvl="6" algn="l" rtl="0">
       <a:lnSpc>
         <a:spcPct val="100000"/>
       </a:lnSpc>
@@ -205,7 +205,7 @@
         <a:srgbClr val="000000"/>
       </a:buClr>
       <a:buFont typeface="Arial"/>
-      <a:defRPr b="0" i="0" sz="1400" u="none" cap="none" strike="noStrike">
+      <a:defRPr sz="1400" b="0" i="0" u="none" strike="noStrike" cap="none">
         <a:solidFill>
           <a:srgbClr val="000000"/>
         </a:solidFill>
@@ -215,7 +215,7 @@
         <a:sym typeface="Arial"/>
       </a:defRPr>
     </a:lvl7pPr>
-    <a:lvl8pPr lvl="7" marR="0" rtl="0" algn="l">
+    <a:lvl8pPr marR="0" lvl="7" algn="l" rtl="0">
       <a:lnSpc>
         <a:spcPct val="100000"/>
       </a:lnSpc>
@@ -229,7 +229,7 @@
         <a:srgbClr val="000000"/>
       </a:buClr>
       <a:buFont typeface="Arial"/>
-      <a:defRPr b="0" i="0" sz="1400" u="none" cap="none" strike="noStrike">
+      <a:defRPr sz="1400" b="0" i="0" u="none" strike="noStrike" cap="none">
         <a:solidFill>
           <a:srgbClr val="000000"/>
         </a:solidFill>
@@ -239,7 +239,7 @@
         <a:sym typeface="Arial"/>
       </a:defRPr>
     </a:lvl8pPr>
-    <a:lvl9pPr lvl="8" marR="0" rtl="0" algn="l">
+    <a:lvl9pPr marR="0" lvl="8" algn="l" rtl="0">
       <a:lnSpc>
         <a:spcPct val="100000"/>
       </a:lnSpc>
@@ -253,7 +253,7 @@
         <a:srgbClr val="000000"/>
       </a:buClr>
       <a:buFont typeface="Arial"/>
-      <a:defRPr b="0" i="0" sz="1400" u="none" cap="none" strike="noStrike">
+      <a:defRPr sz="1400" b="0" i="0" u="none" strike="noStrike" cap="none">
         <a:solidFill>
           <a:srgbClr val="000000"/>
         </a:solidFill>
@@ -266,7 +266,7 @@
   </p:defaultTextStyle>
   <p:extLst>
     <p:ext uri="{EFAFB233-063F-42B5-8137-9DF3F51BA10A}">
-      <p15:sldGuideLst>
+      <p15:sldGuideLst xmlns:p15="http://schemas.microsoft.com/office/powerpoint/2012/main">
         <p15:guide id="1" orient="horz" pos="1620">
           <p15:clr>
             <a:srgbClr val="A4A3A4"/>
@@ -284,11 +284,16 @@
 </file>
 
 <file path=ppt/notesMasters/notesMaster1.xml><?xml version="1.0" encoding="utf-8"?>
-<p:notesMaster xmlns:a="http://schemas.openxmlformats.org/drawingml/2006/main" xmlns:r="http://schemas.openxmlformats.org/officeDocument/2006/relationships" xmlns:mc="http://schemas.openxmlformats.org/markup-compatibility/2006" xmlns:mv="urn:schemas-microsoft-com:mac:vml" xmlns:p="http://schemas.openxmlformats.org/presentationml/2006/main" xmlns:c="http://schemas.openxmlformats.org/drawingml/2006/chart" xmlns:dgm="http://schemas.openxmlformats.org/drawingml/2006/diagram" xmlns:o="urn:schemas-microsoft-com:office:office" xmlns:v="urn:schemas-microsoft-com:vml" xmlns:pvml="urn:schemas-microsoft-com:office:powerpoint" xmlns:com="http://schemas.openxmlformats.org/drawingml/2006/compatibility" xmlns:p14="http://schemas.microsoft.com/office/powerpoint/2010/main" xmlns:p15="http://schemas.microsoft.com/office/powerpoint/2012/main" xmlns:ahyp="http://schemas.microsoft.com/office/drawing/2018/hyperlinkcolor">
+<p:notesMaster xmlns:a="http://schemas.openxmlformats.org/drawingml/2006/main" xmlns:r="http://schemas.openxmlformats.org/officeDocument/2006/relationships" xmlns:p="http://schemas.openxmlformats.org/presentationml/2006/main">
   <p:cSld>
+    <p:bg>
+      <p:bgRef idx="1001">
+        <a:schemeClr val="bg1"/>
+      </p:bgRef>
+    </p:bg>
     <p:spTree>
       <p:nvGrpSpPr>
-        <p:cNvPr id="2" name="Shape 2"/>
+        <p:cNvPr id="1" name="Shape 2"/>
         <p:cNvGrpSpPr/>
         <p:nvPr/>
       </p:nvGrpSpPr>
@@ -303,9 +308,11 @@
       <p:sp>
         <p:nvSpPr>
           <p:cNvPr id="3" name="Google Shape;3;n"/>
-          <p:cNvSpPr/>
+          <p:cNvSpPr>
+            <a:spLocks noGrp="1" noRot="1" noChangeAspect="1"/>
+          </p:cNvSpPr>
           <p:nvPr>
-            <p:ph idx="2" type="sldImg"/>
+            <p:ph type="sldImg" idx="2"/>
           </p:nvPr>
         </p:nvSpPr>
         <p:spPr>
@@ -314,9 +321,13 @@
             <a:ext cx="6096075" cy="3429000"/>
           </a:xfrm>
           <a:custGeom>
-            <a:rect b="b" l="l" r="r" t="t"/>
+            <a:avLst/>
+            <a:gdLst/>
+            <a:ahLst/>
+            <a:cxnLst/>
+            <a:rect l="l" t="t" r="r" b="b"/>
             <a:pathLst>
-              <a:path extrusionOk="0" h="120000" w="120000">
+              <a:path w="120000" h="120000" extrusionOk="0">
                 <a:moveTo>
                   <a:pt x="0" y="0"/>
                 </a:moveTo>
@@ -334,23 +345,25 @@
             </a:pathLst>
           </a:custGeom>
           <a:noFill/>
-          <a:ln cap="flat" cmpd="sng" w="9525">
+          <a:ln w="9525" cap="flat" cmpd="sng">
             <a:solidFill>
               <a:srgbClr val="000000"/>
             </a:solidFill>
             <a:prstDash val="solid"/>
             <a:round/>
-            <a:headEnd len="sm" w="sm" type="none"/>
-            <a:tailEnd len="sm" w="sm" type="none"/>
+            <a:headEnd type="none" w="sm" len="sm"/>
+            <a:tailEnd type="none" w="sm" len="sm"/>
           </a:ln>
         </p:spPr>
       </p:sp>
       <p:sp>
         <p:nvSpPr>
           <p:cNvPr id="4" name="Google Shape;4;n"/>
-          <p:cNvSpPr txBox="1"/>
+          <p:cNvSpPr txBox="1">
+            <a:spLocks noGrp="1"/>
+          </p:cNvSpPr>
           <p:nvPr>
-            <p:ph idx="1" type="body"/>
+            <p:ph type="body" idx="1"/>
           </p:nvPr>
         </p:nvSpPr>
         <p:spPr>
@@ -367,11 +380,11 @@
           </a:ln>
         </p:spPr>
         <p:txBody>
-          <a:bodyPr anchorCtr="0" anchor="t" bIns="91425" lIns="91425" spcFirstLastPara="1" rIns="91425" wrap="square" tIns="91425">
+          <a:bodyPr spcFirstLastPara="1" wrap="square" lIns="91425" tIns="91425" rIns="91425" bIns="91425" anchor="t" anchorCtr="0">
             <a:noAutofit/>
           </a:bodyPr>
           <a:lstStyle>
-            <a:lvl1pPr indent="-298450" lvl="0" marL="457200">
+            <a:lvl1pPr marL="457200" lvl="0" indent="-298450">
               <a:spcBef>
                 <a:spcPts val="0"/>
               </a:spcBef>
@@ -382,7 +395,7 @@
               <a:buChar char="●"/>
               <a:defRPr sz="1100"/>
             </a:lvl1pPr>
-            <a:lvl2pPr indent="-298450" lvl="1" marL="914400">
+            <a:lvl2pPr marL="914400" lvl="1" indent="-298450">
               <a:spcBef>
                 <a:spcPts val="0"/>
               </a:spcBef>
@@ -393,7 +406,7 @@
               <a:buChar char="○"/>
               <a:defRPr sz="1100"/>
             </a:lvl2pPr>
-            <a:lvl3pPr indent="-298450" lvl="2" marL="1371600">
+            <a:lvl3pPr marL="1371600" lvl="2" indent="-298450">
               <a:spcBef>
                 <a:spcPts val="0"/>
               </a:spcBef>
@@ -404,7 +417,7 @@
               <a:buChar char="■"/>
               <a:defRPr sz="1100"/>
             </a:lvl3pPr>
-            <a:lvl4pPr indent="-298450" lvl="3" marL="1828800">
+            <a:lvl4pPr marL="1828800" lvl="3" indent="-298450">
               <a:spcBef>
                 <a:spcPts val="0"/>
               </a:spcBef>
@@ -415,7 +428,7 @@
               <a:buChar char="●"/>
               <a:defRPr sz="1100"/>
             </a:lvl4pPr>
-            <a:lvl5pPr indent="-298450" lvl="4" marL="2286000">
+            <a:lvl5pPr marL="2286000" lvl="4" indent="-298450">
               <a:spcBef>
                 <a:spcPts val="0"/>
               </a:spcBef>
@@ -426,7 +439,7 @@
               <a:buChar char="○"/>
               <a:defRPr sz="1100"/>
             </a:lvl5pPr>
-            <a:lvl6pPr indent="-298450" lvl="5" marL="2743200">
+            <a:lvl6pPr marL="2743200" lvl="5" indent="-298450">
               <a:spcBef>
                 <a:spcPts val="0"/>
               </a:spcBef>
@@ -437,7 +450,7 @@
               <a:buChar char="■"/>
               <a:defRPr sz="1100"/>
             </a:lvl6pPr>
-            <a:lvl7pPr indent="-298450" lvl="6" marL="3200400">
+            <a:lvl7pPr marL="3200400" lvl="6" indent="-298450">
               <a:spcBef>
                 <a:spcPts val="0"/>
               </a:spcBef>
@@ -448,7 +461,7 @@
               <a:buChar char="●"/>
               <a:defRPr sz="1100"/>
             </a:lvl7pPr>
-            <a:lvl8pPr indent="-298450" lvl="7" marL="3657600">
+            <a:lvl8pPr marL="3657600" lvl="7" indent="-298450">
               <a:spcBef>
                 <a:spcPts val="0"/>
               </a:spcBef>
@@ -459,7 +472,7 @@
               <a:buChar char="○"/>
               <a:defRPr sz="1100"/>
             </a:lvl8pPr>
-            <a:lvl9pPr indent="-298450" lvl="8" marL="4114800">
+            <a:lvl9pPr marL="4114800" lvl="8" indent="-298450">
               <a:spcBef>
                 <a:spcPts val="0"/>
               </a:spcBef>
@@ -471,14 +484,16 @@
               <a:defRPr sz="1100"/>
             </a:lvl9pPr>
           </a:lstStyle>
-          <a:p/>
+          <a:p>
+            <a:endParaRPr/>
+          </a:p>
         </p:txBody>
       </p:sp>
     </p:spTree>
   </p:cSld>
-  <p:clrMap accent1="accent1" accent2="accent2" accent3="accent3" accent4="accent4" accent5="accent5" accent6="accent6" bg1="lt1" bg2="dk2" tx1="dk1" tx2="lt2" folHlink="folHlink" hlink="hlink"/>
+  <p:clrMap bg1="lt1" tx1="dk1" bg2="dk2" tx2="lt2" accent1="accent1" accent2="accent2" accent3="accent3" accent4="accent4" accent5="accent5" accent6="accent6" hlink="hlink" folHlink="folHlink"/>
   <p:notesStyle>
-    <a:defPPr lvl="0" marR="0" rtl="0" algn="l">
+    <a:defPPr marR="0" lvl="0" algn="l" rtl="0">
       <a:lnSpc>
         <a:spcPct val="100000"/>
       </a:lnSpc>
@@ -489,7 +504,7 @@
         <a:spcPts val="0"/>
       </a:spcAft>
     </a:defPPr>
-    <a:lvl1pPr lvl="0" marR="0" rtl="0" algn="l">
+    <a:lvl1pPr marR="0" lvl="0" algn="l" rtl="0">
       <a:lnSpc>
         <a:spcPct val="100000"/>
       </a:lnSpc>
@@ -503,7 +518,7 @@
         <a:srgbClr val="000000"/>
       </a:buClr>
       <a:buFont typeface="Arial"/>
-      <a:defRPr b="0" i="0" sz="1400" u="none" cap="none" strike="noStrike">
+      <a:defRPr sz="1400" b="0" i="0" u="none" strike="noStrike" cap="none">
         <a:solidFill>
           <a:srgbClr val="000000"/>
         </a:solidFill>
@@ -513,7 +528,7 @@
         <a:sym typeface="Arial"/>
       </a:defRPr>
     </a:lvl1pPr>
-    <a:lvl2pPr lvl="1" marR="0" rtl="0" algn="l">
+    <a:lvl2pPr marR="0" lvl="1" algn="l" rtl="0">
       <a:lnSpc>
         <a:spcPct val="100000"/>
       </a:lnSpc>
@@ -527,7 +542,7 @@
         <a:srgbClr val="000000"/>
       </a:buClr>
       <a:buFont typeface="Arial"/>
-      <a:defRPr b="0" i="0" sz="1400" u="none" cap="none" strike="noStrike">
+      <a:defRPr sz="1400" b="0" i="0" u="none" strike="noStrike" cap="none">
         <a:solidFill>
           <a:srgbClr val="000000"/>
         </a:solidFill>
@@ -537,7 +552,7 @@
         <a:sym typeface="Arial"/>
       </a:defRPr>
     </a:lvl2pPr>
-    <a:lvl3pPr lvl="2" marR="0" rtl="0" algn="l">
+    <a:lvl3pPr marR="0" lvl="2" algn="l" rtl="0">
       <a:lnSpc>
         <a:spcPct val="100000"/>
       </a:lnSpc>
@@ -551,7 +566,7 @@
         <a:srgbClr val="000000"/>
       </a:buClr>
       <a:buFont typeface="Arial"/>
-      <a:defRPr b="0" i="0" sz="1400" u="none" cap="none" strike="noStrike">
+      <a:defRPr sz="1400" b="0" i="0" u="none" strike="noStrike" cap="none">
         <a:solidFill>
           <a:srgbClr val="000000"/>
         </a:solidFill>
@@ -561,7 +576,7 @@
         <a:sym typeface="Arial"/>
       </a:defRPr>
     </a:lvl3pPr>
-    <a:lvl4pPr lvl="3" marR="0" rtl="0" algn="l">
+    <a:lvl4pPr marR="0" lvl="3" algn="l" rtl="0">
       <a:lnSpc>
         <a:spcPct val="100000"/>
       </a:lnSpc>
@@ -575,7 +590,7 @@
         <a:srgbClr val="000000"/>
       </a:buClr>
       <a:buFont typeface="Arial"/>
-      <a:defRPr b="0" i="0" sz="1400" u="none" cap="none" strike="noStrike">
+      <a:defRPr sz="1400" b="0" i="0" u="none" strike="noStrike" cap="none">
         <a:solidFill>
           <a:srgbClr val="000000"/>
         </a:solidFill>
@@ -585,7 +600,7 @@
         <a:sym typeface="Arial"/>
       </a:defRPr>
     </a:lvl4pPr>
-    <a:lvl5pPr lvl="4" marR="0" rtl="0" algn="l">
+    <a:lvl5pPr marR="0" lvl="4" algn="l" rtl="0">
       <a:lnSpc>
         <a:spcPct val="100000"/>
       </a:lnSpc>
@@ -599,7 +614,7 @@
         <a:srgbClr val="000000"/>
       </a:buClr>
       <a:buFont typeface="Arial"/>
-      <a:defRPr b="0" i="0" sz="1400" u="none" cap="none" strike="noStrike">
+      <a:defRPr sz="1400" b="0" i="0" u="none" strike="noStrike" cap="none">
         <a:solidFill>
           <a:srgbClr val="000000"/>
         </a:solidFill>
@@ -609,7 +624,7 @@
         <a:sym typeface="Arial"/>
       </a:defRPr>
     </a:lvl5pPr>
-    <a:lvl6pPr lvl="5" marR="0" rtl="0" algn="l">
+    <a:lvl6pPr marR="0" lvl="5" algn="l" rtl="0">
       <a:lnSpc>
         <a:spcPct val="100000"/>
       </a:lnSpc>
@@ -623,7 +638,7 @@
         <a:srgbClr val="000000"/>
       </a:buClr>
       <a:buFont typeface="Arial"/>
-      <a:defRPr b="0" i="0" sz="1400" u="none" cap="none" strike="noStrike">
+      <a:defRPr sz="1400" b="0" i="0" u="none" strike="noStrike" cap="none">
         <a:solidFill>
           <a:srgbClr val="000000"/>
         </a:solidFill>
@@ -633,7 +648,7 @@
         <a:sym typeface="Arial"/>
       </a:defRPr>
     </a:lvl6pPr>
-    <a:lvl7pPr lvl="6" marR="0" rtl="0" algn="l">
+    <a:lvl7pPr marR="0" lvl="6" algn="l" rtl="0">
       <a:lnSpc>
         <a:spcPct val="100000"/>
       </a:lnSpc>
@@ -647,7 +662,7 @@
         <a:srgbClr val="000000"/>
       </a:buClr>
       <a:buFont typeface="Arial"/>
-      <a:defRPr b="0" i="0" sz="1400" u="none" cap="none" strike="noStrike">
+      <a:defRPr sz="1400" b="0" i="0" u="none" strike="noStrike" cap="none">
         <a:solidFill>
           <a:srgbClr val="000000"/>
         </a:solidFill>
@@ -657,7 +672,7 @@
         <a:sym typeface="Arial"/>
       </a:defRPr>
     </a:lvl7pPr>
-    <a:lvl8pPr lvl="7" marR="0" rtl="0" algn="l">
+    <a:lvl8pPr marR="0" lvl="7" algn="l" rtl="0">
       <a:lnSpc>
         <a:spcPct val="100000"/>
       </a:lnSpc>
@@ -671,7 +686,7 @@
         <a:srgbClr val="000000"/>
       </a:buClr>
       <a:buFont typeface="Arial"/>
-      <a:defRPr b="0" i="0" sz="1400" u="none" cap="none" strike="noStrike">
+      <a:defRPr sz="1400" b="0" i="0" u="none" strike="noStrike" cap="none">
         <a:solidFill>
           <a:srgbClr val="000000"/>
         </a:solidFill>
@@ -681,7 +696,7 @@
         <a:sym typeface="Arial"/>
       </a:defRPr>
     </a:lvl8pPr>
-    <a:lvl9pPr lvl="8" marR="0" rtl="0" algn="l">
+    <a:lvl9pPr marR="0" lvl="8" algn="l" rtl="0">
       <a:lnSpc>
         <a:spcPct val="100000"/>
       </a:lnSpc>
@@ -695,7 +710,7 @@
         <a:srgbClr val="000000"/>
       </a:buClr>
       <a:buFont typeface="Arial"/>
-      <a:defRPr b="0" i="0" sz="1400" u="none" cap="none" strike="noStrike">
+      <a:defRPr sz="1400" b="0" i="0" u="none" strike="noStrike" cap="none">
         <a:solidFill>
           <a:srgbClr val="000000"/>
         </a:solidFill>
@@ -710,11 +725,11 @@
 </file>
 
 <file path=ppt/notesSlides/notesSlide1.xml><?xml version="1.0" encoding="utf-8"?>
-<p:notes xmlns:a="http://schemas.openxmlformats.org/drawingml/2006/main" xmlns:r="http://schemas.openxmlformats.org/officeDocument/2006/relationships" xmlns:mc="http://schemas.openxmlformats.org/markup-compatibility/2006" xmlns:mv="urn:schemas-microsoft-com:mac:vml" xmlns:p="http://schemas.openxmlformats.org/presentationml/2006/main" xmlns:c="http://schemas.openxmlformats.org/drawingml/2006/chart" xmlns:dgm="http://schemas.openxmlformats.org/drawingml/2006/diagram" xmlns:o="urn:schemas-microsoft-com:office:office" xmlns:v="urn:schemas-microsoft-com:vml" xmlns:pvml="urn:schemas-microsoft-com:office:powerpoint" xmlns:com="http://schemas.openxmlformats.org/drawingml/2006/compatibility" xmlns:p14="http://schemas.microsoft.com/office/powerpoint/2010/main" xmlns:p15="http://schemas.microsoft.com/office/powerpoint/2012/main" xmlns:ahyp="http://schemas.microsoft.com/office/drawing/2018/hyperlinkcolor" showMasterPhAnim="0" showMasterSp="0">
+<p:notes xmlns:a="http://schemas.openxmlformats.org/drawingml/2006/main" xmlns:r="http://schemas.openxmlformats.org/officeDocument/2006/relationships" xmlns:p="http://schemas.openxmlformats.org/presentationml/2006/main" showMasterSp="0" showMasterPhAnim="0">
   <p:cSld>
     <p:spTree>
       <p:nvGrpSpPr>
-        <p:cNvPr id="62" name="Shape 62"/>
+        <p:cNvPr id="1" name="Shape 62"/>
         <p:cNvGrpSpPr/>
         <p:nvPr/>
       </p:nvGrpSpPr>
@@ -729,9 +744,11 @@
       <p:sp>
         <p:nvSpPr>
           <p:cNvPr id="63" name="Google Shape;63;p:notes"/>
-          <p:cNvSpPr/>
+          <p:cNvSpPr>
+            <a:spLocks noGrp="1" noRot="1" noChangeAspect="1"/>
+          </p:cNvSpPr>
           <p:nvPr>
-            <p:ph idx="2" type="sldImg"/>
+            <p:ph type="sldImg" idx="2"/>
           </p:nvPr>
         </p:nvSpPr>
         <p:spPr>
@@ -740,9 +757,13 @@
             <a:ext cx="6096075" cy="3429000"/>
           </a:xfrm>
           <a:custGeom>
-            <a:rect b="b" l="l" r="r" t="t"/>
+            <a:avLst/>
+            <a:gdLst/>
+            <a:ahLst/>
+            <a:cxnLst/>
+            <a:rect l="l" t="t" r="r" b="b"/>
             <a:pathLst>
-              <a:path extrusionOk="0" h="120000" w="120000">
+              <a:path w="120000" h="120000" extrusionOk="0">
                 <a:moveTo>
                   <a:pt x="0" y="0"/>
                 </a:moveTo>
@@ -764,9 +785,11 @@
       <p:sp>
         <p:nvSpPr>
           <p:cNvPr id="64" name="Google Shape;64;p:notes"/>
-          <p:cNvSpPr txBox="1"/>
+          <p:cNvSpPr txBox="1">
+            <a:spLocks noGrp="1"/>
+          </p:cNvSpPr>
           <p:nvPr>
-            <p:ph idx="1" type="body"/>
+            <p:ph type="body" idx="1"/>
           </p:nvPr>
         </p:nvSpPr>
         <p:spPr>
@@ -779,12 +802,12 @@
           </a:prstGeom>
         </p:spPr>
         <p:txBody>
-          <a:bodyPr anchorCtr="0" anchor="t" bIns="91425" lIns="91425" spcFirstLastPara="1" rIns="91425" wrap="square" tIns="91425">
+          <a:bodyPr spcFirstLastPara="1" wrap="square" lIns="91425" tIns="91425" rIns="91425" bIns="91425" anchor="t" anchorCtr="0">
             <a:noAutofit/>
           </a:bodyPr>
           <a:lstStyle/>
           <a:p>
-            <a:pPr indent="0" lvl="0" marL="0" rtl="0" algn="l">
+            <a:pPr marL="0" lvl="0" indent="0" algn="l" rtl="0">
               <a:spcBef>
                 <a:spcPts val="0"/>
               </a:spcBef>
@@ -793,9 +816,6 @@
               </a:spcAft>
               <a:buNone/>
             </a:pPr>
-            <a:r>
-              <a:t/>
-            </a:r>
             <a:endParaRPr/>
           </a:p>
         </p:txBody>
@@ -809,11 +829,11 @@
 </file>
 
 <file path=ppt/notesSlides/notesSlide10.xml><?xml version="1.0" encoding="utf-8"?>
-<p:notes xmlns:a="http://schemas.openxmlformats.org/drawingml/2006/main" xmlns:r="http://schemas.openxmlformats.org/officeDocument/2006/relationships" xmlns:mc="http://schemas.openxmlformats.org/markup-compatibility/2006" xmlns:mv="urn:schemas-microsoft-com:mac:vml" xmlns:p="http://schemas.openxmlformats.org/presentationml/2006/main" xmlns:c="http://schemas.openxmlformats.org/drawingml/2006/chart" xmlns:dgm="http://schemas.openxmlformats.org/drawingml/2006/diagram" xmlns:o="urn:schemas-microsoft-com:office:office" xmlns:v="urn:schemas-microsoft-com:vml" xmlns:pvml="urn:schemas-microsoft-com:office:powerpoint" xmlns:com="http://schemas.openxmlformats.org/drawingml/2006/compatibility" xmlns:p14="http://schemas.microsoft.com/office/powerpoint/2010/main" xmlns:p15="http://schemas.microsoft.com/office/powerpoint/2012/main" xmlns:ahyp="http://schemas.microsoft.com/office/drawing/2018/hyperlinkcolor" showMasterPhAnim="0" showMasterSp="0">
+<p:notes xmlns:a="http://schemas.openxmlformats.org/drawingml/2006/main" xmlns:r="http://schemas.openxmlformats.org/officeDocument/2006/relationships" xmlns:p="http://schemas.openxmlformats.org/presentationml/2006/main" showMasterSp="0" showMasterPhAnim="0">
   <p:cSld>
     <p:spTree>
       <p:nvGrpSpPr>
-        <p:cNvPr id="137" name="Shape 137"/>
+        <p:cNvPr id="1" name="Shape 137"/>
         <p:cNvGrpSpPr/>
         <p:nvPr/>
       </p:nvGrpSpPr>
@@ -828,9 +848,11 @@
       <p:sp>
         <p:nvSpPr>
           <p:cNvPr id="138" name="Google Shape;138;gaf69b0316b_0_517:notes"/>
-          <p:cNvSpPr/>
+          <p:cNvSpPr>
+            <a:spLocks noGrp="1" noRot="1" noChangeAspect="1"/>
+          </p:cNvSpPr>
           <p:nvPr>
-            <p:ph idx="2" type="sldImg"/>
+            <p:ph type="sldImg" idx="2"/>
           </p:nvPr>
         </p:nvSpPr>
         <p:spPr>
@@ -839,9 +861,13 @@
             <a:ext cx="6096000" cy="3429000"/>
           </a:xfrm>
           <a:custGeom>
-            <a:rect b="b" l="l" r="r" t="t"/>
+            <a:avLst/>
+            <a:gdLst/>
+            <a:ahLst/>
+            <a:cxnLst/>
+            <a:rect l="l" t="t" r="r" b="b"/>
             <a:pathLst>
-              <a:path extrusionOk="0" h="120000" w="120000">
+              <a:path w="120000" h="120000" extrusionOk="0">
                 <a:moveTo>
                   <a:pt x="0" y="0"/>
                 </a:moveTo>
@@ -863,9 +889,11 @@
       <p:sp>
         <p:nvSpPr>
           <p:cNvPr id="139" name="Google Shape;139;gaf69b0316b_0_517:notes"/>
-          <p:cNvSpPr txBox="1"/>
+          <p:cNvSpPr txBox="1">
+            <a:spLocks noGrp="1"/>
+          </p:cNvSpPr>
           <p:nvPr>
-            <p:ph idx="1" type="body"/>
+            <p:ph type="body" idx="1"/>
           </p:nvPr>
         </p:nvSpPr>
         <p:spPr>
@@ -878,12 +906,12 @@
           </a:prstGeom>
         </p:spPr>
         <p:txBody>
-          <a:bodyPr anchorCtr="0" anchor="t" bIns="91425" lIns="91425" spcFirstLastPara="1" rIns="91425" wrap="square" tIns="91425">
+          <a:bodyPr spcFirstLastPara="1" wrap="square" lIns="91425" tIns="91425" rIns="91425" bIns="91425" anchor="t" anchorCtr="0">
             <a:noAutofit/>
           </a:bodyPr>
           <a:lstStyle/>
           <a:p>
-            <a:pPr indent="0" lvl="0" marL="0" rtl="0" algn="l">
+            <a:pPr marL="0" lvl="0" indent="0" algn="l" rtl="0">
               <a:spcBef>
                 <a:spcPts val="0"/>
               </a:spcBef>
@@ -892,9 +920,6 @@
               </a:spcAft>
               <a:buNone/>
             </a:pPr>
-            <a:r>
-              <a:t/>
-            </a:r>
             <a:endParaRPr/>
           </a:p>
         </p:txBody>
@@ -908,11 +933,11 @@
 </file>
 
 <file path=ppt/notesSlides/notesSlide2.xml><?xml version="1.0" encoding="utf-8"?>
-<p:notes xmlns:a="http://schemas.openxmlformats.org/drawingml/2006/main" xmlns:r="http://schemas.openxmlformats.org/officeDocument/2006/relationships" xmlns:mc="http://schemas.openxmlformats.org/markup-compatibility/2006" xmlns:mv="urn:schemas-microsoft-com:mac:vml" xmlns:p="http://schemas.openxmlformats.org/presentationml/2006/main" xmlns:c="http://schemas.openxmlformats.org/drawingml/2006/chart" xmlns:dgm="http://schemas.openxmlformats.org/drawingml/2006/diagram" xmlns:o="urn:schemas-microsoft-com:office:office" xmlns:v="urn:schemas-microsoft-com:vml" xmlns:pvml="urn:schemas-microsoft-com:office:powerpoint" xmlns:com="http://schemas.openxmlformats.org/drawingml/2006/compatibility" xmlns:p14="http://schemas.microsoft.com/office/powerpoint/2010/main" xmlns:p15="http://schemas.microsoft.com/office/powerpoint/2012/main" xmlns:ahyp="http://schemas.microsoft.com/office/drawing/2018/hyperlinkcolor" showMasterPhAnim="0" showMasterSp="0">
+<p:notes xmlns:a="http://schemas.openxmlformats.org/drawingml/2006/main" xmlns:r="http://schemas.openxmlformats.org/officeDocument/2006/relationships" xmlns:p="http://schemas.openxmlformats.org/presentationml/2006/main" showMasterSp="0" showMasterPhAnim="0">
   <p:cSld>
     <p:spTree>
       <p:nvGrpSpPr>
-        <p:cNvPr id="69" name="Shape 69"/>
+        <p:cNvPr id="1" name="Shape 69"/>
         <p:cNvGrpSpPr/>
         <p:nvPr/>
       </p:nvGrpSpPr>
@@ -927,20 +952,26 @@
       <p:sp>
         <p:nvSpPr>
           <p:cNvPr id="70" name="Google Shape;70;gaf69b0316b_0_268:notes"/>
-          <p:cNvSpPr/>
+          <p:cNvSpPr>
+            <a:spLocks noGrp="1" noRot="1" noChangeAspect="1"/>
+          </p:cNvSpPr>
           <p:nvPr>
-            <p:ph idx="2" type="sldImg"/>
+            <p:ph type="sldImg" idx="2"/>
           </p:nvPr>
         </p:nvSpPr>
         <p:spPr>
           <a:xfrm>
-            <a:off x="381300" y="685800"/>
+            <a:off x="381000" y="685800"/>
             <a:ext cx="6096000" cy="3429000"/>
           </a:xfrm>
           <a:custGeom>
-            <a:rect b="b" l="l" r="r" t="t"/>
+            <a:avLst/>
+            <a:gdLst/>
+            <a:ahLst/>
+            <a:cxnLst/>
+            <a:rect l="l" t="t" r="r" b="b"/>
             <a:pathLst>
-              <a:path extrusionOk="0" h="120000" w="120000">
+              <a:path w="120000" h="120000" extrusionOk="0">
                 <a:moveTo>
                   <a:pt x="0" y="0"/>
                 </a:moveTo>
@@ -962,9 +993,11 @@
       <p:sp>
         <p:nvSpPr>
           <p:cNvPr id="71" name="Google Shape;71;gaf69b0316b_0_268:notes"/>
-          <p:cNvSpPr txBox="1"/>
+          <p:cNvSpPr txBox="1">
+            <a:spLocks noGrp="1"/>
+          </p:cNvSpPr>
           <p:nvPr>
-            <p:ph idx="1" type="body"/>
+            <p:ph type="body" idx="1"/>
           </p:nvPr>
         </p:nvSpPr>
         <p:spPr>
@@ -977,12 +1010,12 @@
           </a:prstGeom>
         </p:spPr>
         <p:txBody>
-          <a:bodyPr anchorCtr="0" anchor="t" bIns="91425" lIns="91425" spcFirstLastPara="1" rIns="91425" wrap="square" tIns="91425">
+          <a:bodyPr spcFirstLastPara="1" wrap="square" lIns="91425" tIns="91425" rIns="91425" bIns="91425" anchor="t" anchorCtr="0">
             <a:noAutofit/>
           </a:bodyPr>
           <a:lstStyle/>
           <a:p>
-            <a:pPr indent="0" lvl="0" marL="0" rtl="0" algn="l">
+            <a:pPr marL="0" lvl="0" indent="0" algn="l" rtl="0">
               <a:spcBef>
                 <a:spcPts val="0"/>
               </a:spcBef>
@@ -991,9 +1024,6 @@
               </a:spcAft>
               <a:buNone/>
             </a:pPr>
-            <a:r>
-              <a:t/>
-            </a:r>
             <a:endParaRPr/>
           </a:p>
         </p:txBody>
@@ -1007,11 +1037,11 @@
 </file>
 
 <file path=ppt/notesSlides/notesSlide3.xml><?xml version="1.0" encoding="utf-8"?>
-<p:notes xmlns:a="http://schemas.openxmlformats.org/drawingml/2006/main" xmlns:r="http://schemas.openxmlformats.org/officeDocument/2006/relationships" xmlns:mc="http://schemas.openxmlformats.org/markup-compatibility/2006" xmlns:mv="urn:schemas-microsoft-com:mac:vml" xmlns:p="http://schemas.openxmlformats.org/presentationml/2006/main" xmlns:c="http://schemas.openxmlformats.org/drawingml/2006/chart" xmlns:dgm="http://schemas.openxmlformats.org/drawingml/2006/diagram" xmlns:o="urn:schemas-microsoft-com:office:office" xmlns:v="urn:schemas-microsoft-com:vml" xmlns:pvml="urn:schemas-microsoft-com:office:powerpoint" xmlns:com="http://schemas.openxmlformats.org/drawingml/2006/compatibility" xmlns:p14="http://schemas.microsoft.com/office/powerpoint/2010/main" xmlns:p15="http://schemas.microsoft.com/office/powerpoint/2012/main" xmlns:ahyp="http://schemas.microsoft.com/office/drawing/2018/hyperlinkcolor" showMasterPhAnim="0" showMasterSp="0">
+<p:notes xmlns:a="http://schemas.openxmlformats.org/drawingml/2006/main" xmlns:r="http://schemas.openxmlformats.org/officeDocument/2006/relationships" xmlns:p="http://schemas.openxmlformats.org/presentationml/2006/main" showMasterSp="0" showMasterPhAnim="0">
   <p:cSld>
     <p:spTree>
       <p:nvGrpSpPr>
-        <p:cNvPr id="81" name="Shape 81"/>
+        <p:cNvPr id="1" name="Shape 81"/>
         <p:cNvGrpSpPr/>
         <p:nvPr/>
       </p:nvGrpSpPr>
@@ -1026,9 +1056,11 @@
       <p:sp>
         <p:nvSpPr>
           <p:cNvPr id="82" name="Google Shape;82;gaf69b0316b_0_343:notes"/>
-          <p:cNvSpPr/>
+          <p:cNvSpPr>
+            <a:spLocks noGrp="1" noRot="1" noChangeAspect="1"/>
+          </p:cNvSpPr>
           <p:nvPr>
-            <p:ph idx="2" type="sldImg"/>
+            <p:ph type="sldImg" idx="2"/>
           </p:nvPr>
         </p:nvSpPr>
         <p:spPr>
@@ -1037,9 +1069,13 @@
             <a:ext cx="6096000" cy="3429000"/>
           </a:xfrm>
           <a:custGeom>
-            <a:rect b="b" l="l" r="r" t="t"/>
+            <a:avLst/>
+            <a:gdLst/>
+            <a:ahLst/>
+            <a:cxnLst/>
+            <a:rect l="l" t="t" r="r" b="b"/>
             <a:pathLst>
-              <a:path extrusionOk="0" h="120000" w="120000">
+              <a:path w="120000" h="120000" extrusionOk="0">
                 <a:moveTo>
                   <a:pt x="0" y="0"/>
                 </a:moveTo>
@@ -1061,9 +1097,11 @@
       <p:sp>
         <p:nvSpPr>
           <p:cNvPr id="83" name="Google Shape;83;gaf69b0316b_0_343:notes"/>
-          <p:cNvSpPr txBox="1"/>
+          <p:cNvSpPr txBox="1">
+            <a:spLocks noGrp="1"/>
+          </p:cNvSpPr>
           <p:nvPr>
-            <p:ph idx="1" type="body"/>
+            <p:ph type="body" idx="1"/>
           </p:nvPr>
         </p:nvSpPr>
         <p:spPr>
@@ -1076,12 +1114,12 @@
           </a:prstGeom>
         </p:spPr>
         <p:txBody>
-          <a:bodyPr anchorCtr="0" anchor="t" bIns="91425" lIns="91425" spcFirstLastPara="1" rIns="91425" wrap="square" tIns="91425">
+          <a:bodyPr spcFirstLastPara="1" wrap="square" lIns="91425" tIns="91425" rIns="91425" bIns="91425" anchor="t" anchorCtr="0">
             <a:noAutofit/>
           </a:bodyPr>
           <a:lstStyle/>
           <a:p>
-            <a:pPr indent="0" lvl="0" marL="0" rtl="0" algn="l">
+            <a:pPr marL="0" lvl="0" indent="0" algn="l" rtl="0">
               <a:spcBef>
                 <a:spcPts val="0"/>
               </a:spcBef>
@@ -1090,9 +1128,6 @@
               </a:spcAft>
               <a:buNone/>
             </a:pPr>
-            <a:r>
-              <a:t/>
-            </a:r>
             <a:endParaRPr/>
           </a:p>
         </p:txBody>
@@ -1106,11 +1141,11 @@
 </file>
 
 <file path=ppt/notesSlides/notesSlide4.xml><?xml version="1.0" encoding="utf-8"?>
-<p:notes xmlns:a="http://schemas.openxmlformats.org/drawingml/2006/main" xmlns:r="http://schemas.openxmlformats.org/officeDocument/2006/relationships" xmlns:mc="http://schemas.openxmlformats.org/markup-compatibility/2006" xmlns:mv="urn:schemas-microsoft-com:mac:vml" xmlns:p="http://schemas.openxmlformats.org/presentationml/2006/main" xmlns:c="http://schemas.openxmlformats.org/drawingml/2006/chart" xmlns:dgm="http://schemas.openxmlformats.org/drawingml/2006/diagram" xmlns:o="urn:schemas-microsoft-com:office:office" xmlns:v="urn:schemas-microsoft-com:vml" xmlns:pvml="urn:schemas-microsoft-com:office:powerpoint" xmlns:com="http://schemas.openxmlformats.org/drawingml/2006/compatibility" xmlns:p14="http://schemas.microsoft.com/office/powerpoint/2010/main" xmlns:p15="http://schemas.microsoft.com/office/powerpoint/2012/main" xmlns:ahyp="http://schemas.microsoft.com/office/drawing/2018/hyperlinkcolor" showMasterPhAnim="0" showMasterSp="0">
+<p:notes xmlns:a="http://schemas.openxmlformats.org/drawingml/2006/main" xmlns:r="http://schemas.openxmlformats.org/officeDocument/2006/relationships" xmlns:p="http://schemas.openxmlformats.org/presentationml/2006/main" showMasterSp="0" showMasterPhAnim="0">
   <p:cSld>
     <p:spTree>
       <p:nvGrpSpPr>
-        <p:cNvPr id="92" name="Shape 92"/>
+        <p:cNvPr id="1" name="Shape 92"/>
         <p:cNvGrpSpPr/>
         <p:nvPr/>
       </p:nvGrpSpPr>
@@ -1125,9 +1160,11 @@
       <p:sp>
         <p:nvSpPr>
           <p:cNvPr id="93" name="Google Shape;93;gaf69b0316b_0_463:notes"/>
-          <p:cNvSpPr/>
+          <p:cNvSpPr>
+            <a:spLocks noGrp="1" noRot="1" noChangeAspect="1"/>
+          </p:cNvSpPr>
           <p:nvPr>
-            <p:ph idx="2" type="sldImg"/>
+            <p:ph type="sldImg" idx="2"/>
           </p:nvPr>
         </p:nvSpPr>
         <p:spPr>
@@ -1136,9 +1173,13 @@
             <a:ext cx="6096000" cy="3429000"/>
           </a:xfrm>
           <a:custGeom>
-            <a:rect b="b" l="l" r="r" t="t"/>
+            <a:avLst/>
+            <a:gdLst/>
+            <a:ahLst/>
+            <a:cxnLst/>
+            <a:rect l="l" t="t" r="r" b="b"/>
             <a:pathLst>
-              <a:path extrusionOk="0" h="120000" w="120000">
+              <a:path w="120000" h="120000" extrusionOk="0">
                 <a:moveTo>
                   <a:pt x="0" y="0"/>
                 </a:moveTo>
@@ -1160,9 +1201,11 @@
       <p:sp>
         <p:nvSpPr>
           <p:cNvPr id="94" name="Google Shape;94;gaf69b0316b_0_463:notes"/>
-          <p:cNvSpPr txBox="1"/>
+          <p:cNvSpPr txBox="1">
+            <a:spLocks noGrp="1"/>
+          </p:cNvSpPr>
           <p:nvPr>
-            <p:ph idx="1" type="body"/>
+            <p:ph type="body" idx="1"/>
           </p:nvPr>
         </p:nvSpPr>
         <p:spPr>
@@ -1175,12 +1218,12 @@
           </a:prstGeom>
         </p:spPr>
         <p:txBody>
-          <a:bodyPr anchorCtr="0" anchor="t" bIns="91425" lIns="91425" spcFirstLastPara="1" rIns="91425" wrap="square" tIns="91425">
+          <a:bodyPr spcFirstLastPara="1" wrap="square" lIns="91425" tIns="91425" rIns="91425" bIns="91425" anchor="t" anchorCtr="0">
             <a:noAutofit/>
           </a:bodyPr>
           <a:lstStyle/>
           <a:p>
-            <a:pPr indent="0" lvl="0" marL="0" rtl="0" algn="l">
+            <a:pPr marL="0" lvl="0" indent="0" algn="l" rtl="0">
               <a:spcBef>
                 <a:spcPts val="0"/>
               </a:spcBef>
@@ -1189,9 +1232,6 @@
               </a:spcAft>
               <a:buNone/>
             </a:pPr>
-            <a:r>
-              <a:t/>
-            </a:r>
             <a:endParaRPr/>
           </a:p>
         </p:txBody>
@@ -1205,11 +1245,11 @@
 </file>
 
 <file path=ppt/notesSlides/notesSlide5.xml><?xml version="1.0" encoding="utf-8"?>
-<p:notes xmlns:a="http://schemas.openxmlformats.org/drawingml/2006/main" xmlns:r="http://schemas.openxmlformats.org/officeDocument/2006/relationships" xmlns:mc="http://schemas.openxmlformats.org/markup-compatibility/2006" xmlns:mv="urn:schemas-microsoft-com:mac:vml" xmlns:p="http://schemas.openxmlformats.org/presentationml/2006/main" xmlns:c="http://schemas.openxmlformats.org/drawingml/2006/chart" xmlns:dgm="http://schemas.openxmlformats.org/drawingml/2006/diagram" xmlns:o="urn:schemas-microsoft-com:office:office" xmlns:v="urn:schemas-microsoft-com:vml" xmlns:pvml="urn:schemas-microsoft-com:office:powerpoint" xmlns:com="http://schemas.openxmlformats.org/drawingml/2006/compatibility" xmlns:p14="http://schemas.microsoft.com/office/powerpoint/2010/main" xmlns:p15="http://schemas.microsoft.com/office/powerpoint/2012/main" xmlns:ahyp="http://schemas.microsoft.com/office/drawing/2018/hyperlinkcolor" showMasterPhAnim="0" showMasterSp="0">
+<p:notes xmlns:a="http://schemas.openxmlformats.org/drawingml/2006/main" xmlns:r="http://schemas.openxmlformats.org/officeDocument/2006/relationships" xmlns:p="http://schemas.openxmlformats.org/presentationml/2006/main" showMasterSp="0" showMasterPhAnim="0">
   <p:cSld>
     <p:spTree>
       <p:nvGrpSpPr>
-        <p:cNvPr id="100" name="Shape 100"/>
+        <p:cNvPr id="1" name="Shape 100"/>
         <p:cNvGrpSpPr/>
         <p:nvPr/>
       </p:nvGrpSpPr>
@@ -1224,20 +1264,26 @@
       <p:sp>
         <p:nvSpPr>
           <p:cNvPr id="101" name="Google Shape;101;gaf69b0316b_0_470:notes"/>
-          <p:cNvSpPr/>
+          <p:cNvSpPr>
+            <a:spLocks noGrp="1" noRot="1" noChangeAspect="1"/>
+          </p:cNvSpPr>
           <p:nvPr>
-            <p:ph idx="2" type="sldImg"/>
+            <p:ph type="sldImg" idx="2"/>
           </p:nvPr>
         </p:nvSpPr>
         <p:spPr>
           <a:xfrm>
-            <a:off x="381300" y="685800"/>
+            <a:off x="381000" y="685800"/>
             <a:ext cx="6096000" cy="3429000"/>
           </a:xfrm>
           <a:custGeom>
-            <a:rect b="b" l="l" r="r" t="t"/>
+            <a:avLst/>
+            <a:gdLst/>
+            <a:ahLst/>
+            <a:cxnLst/>
+            <a:rect l="l" t="t" r="r" b="b"/>
             <a:pathLst>
-              <a:path extrusionOk="0" h="120000" w="120000">
+              <a:path w="120000" h="120000" extrusionOk="0">
                 <a:moveTo>
                   <a:pt x="0" y="0"/>
                 </a:moveTo>
@@ -1259,9 +1305,11 @@
       <p:sp>
         <p:nvSpPr>
           <p:cNvPr id="102" name="Google Shape;102;gaf69b0316b_0_470:notes"/>
-          <p:cNvSpPr txBox="1"/>
+          <p:cNvSpPr txBox="1">
+            <a:spLocks noGrp="1"/>
+          </p:cNvSpPr>
           <p:nvPr>
-            <p:ph idx="1" type="body"/>
+            <p:ph type="body" idx="1"/>
           </p:nvPr>
         </p:nvSpPr>
         <p:spPr>
@@ -1274,12 +1322,12 @@
           </a:prstGeom>
         </p:spPr>
         <p:txBody>
-          <a:bodyPr anchorCtr="0" anchor="t" bIns="91425" lIns="91425" spcFirstLastPara="1" rIns="91425" wrap="square" tIns="91425">
+          <a:bodyPr spcFirstLastPara="1" wrap="square" lIns="91425" tIns="91425" rIns="91425" bIns="91425" anchor="t" anchorCtr="0">
             <a:noAutofit/>
           </a:bodyPr>
           <a:lstStyle/>
           <a:p>
-            <a:pPr indent="0" lvl="0" marL="0" rtl="0" algn="l">
+            <a:pPr marL="0" lvl="0" indent="0" algn="l" rtl="0">
               <a:spcBef>
                 <a:spcPts val="0"/>
               </a:spcBef>
@@ -1288,9 +1336,6 @@
               </a:spcAft>
               <a:buNone/>
             </a:pPr>
-            <a:r>
-              <a:t/>
-            </a:r>
             <a:endParaRPr/>
           </a:p>
         </p:txBody>
@@ -1304,11 +1349,11 @@
 </file>
 
 <file path=ppt/notesSlides/notesSlide6.xml><?xml version="1.0" encoding="utf-8"?>
-<p:notes xmlns:a="http://schemas.openxmlformats.org/drawingml/2006/main" xmlns:r="http://schemas.openxmlformats.org/officeDocument/2006/relationships" xmlns:mc="http://schemas.openxmlformats.org/markup-compatibility/2006" xmlns:mv="urn:schemas-microsoft-com:mac:vml" xmlns:p="http://schemas.openxmlformats.org/presentationml/2006/main" xmlns:c="http://schemas.openxmlformats.org/drawingml/2006/chart" xmlns:dgm="http://schemas.openxmlformats.org/drawingml/2006/diagram" xmlns:o="urn:schemas-microsoft-com:office:office" xmlns:v="urn:schemas-microsoft-com:vml" xmlns:pvml="urn:schemas-microsoft-com:office:powerpoint" xmlns:com="http://schemas.openxmlformats.org/drawingml/2006/compatibility" xmlns:p14="http://schemas.microsoft.com/office/powerpoint/2010/main" xmlns:p15="http://schemas.microsoft.com/office/powerpoint/2012/main" xmlns:ahyp="http://schemas.microsoft.com/office/drawing/2018/hyperlinkcolor" showMasterPhAnim="0" showMasterSp="0">
+<p:notes xmlns:a="http://schemas.openxmlformats.org/drawingml/2006/main" xmlns:r="http://schemas.openxmlformats.org/officeDocument/2006/relationships" xmlns:p="http://schemas.openxmlformats.org/presentationml/2006/main" showMasterSp="0" showMasterPhAnim="0">
   <p:cSld>
     <p:spTree>
       <p:nvGrpSpPr>
-        <p:cNvPr id="107" name="Shape 107"/>
+        <p:cNvPr id="1" name="Shape 107"/>
         <p:cNvGrpSpPr/>
         <p:nvPr/>
       </p:nvGrpSpPr>
@@ -1323,9 +1368,11 @@
       <p:sp>
         <p:nvSpPr>
           <p:cNvPr id="108" name="Google Shape;108;gaf69b0316b_0_476:notes"/>
-          <p:cNvSpPr/>
+          <p:cNvSpPr>
+            <a:spLocks noGrp="1" noRot="1" noChangeAspect="1"/>
+          </p:cNvSpPr>
           <p:nvPr>
-            <p:ph idx="2" type="sldImg"/>
+            <p:ph type="sldImg" idx="2"/>
           </p:nvPr>
         </p:nvSpPr>
         <p:spPr>
@@ -1334,9 +1381,13 @@
             <a:ext cx="6096000" cy="3429000"/>
           </a:xfrm>
           <a:custGeom>
-            <a:rect b="b" l="l" r="r" t="t"/>
+            <a:avLst/>
+            <a:gdLst/>
+            <a:ahLst/>
+            <a:cxnLst/>
+            <a:rect l="l" t="t" r="r" b="b"/>
             <a:pathLst>
-              <a:path extrusionOk="0" h="120000" w="120000">
+              <a:path w="120000" h="120000" extrusionOk="0">
                 <a:moveTo>
                   <a:pt x="0" y="0"/>
                 </a:moveTo>
@@ -1358,9 +1409,11 @@
       <p:sp>
         <p:nvSpPr>
           <p:cNvPr id="109" name="Google Shape;109;gaf69b0316b_0_476:notes"/>
-          <p:cNvSpPr txBox="1"/>
+          <p:cNvSpPr txBox="1">
+            <a:spLocks noGrp="1"/>
+          </p:cNvSpPr>
           <p:nvPr>
-            <p:ph idx="1" type="body"/>
+            <p:ph type="body" idx="1"/>
           </p:nvPr>
         </p:nvSpPr>
         <p:spPr>
@@ -1373,12 +1426,12 @@
           </a:prstGeom>
         </p:spPr>
         <p:txBody>
-          <a:bodyPr anchorCtr="0" anchor="t" bIns="91425" lIns="91425" spcFirstLastPara="1" rIns="91425" wrap="square" tIns="91425">
+          <a:bodyPr spcFirstLastPara="1" wrap="square" lIns="91425" tIns="91425" rIns="91425" bIns="91425" anchor="t" anchorCtr="0">
             <a:noAutofit/>
           </a:bodyPr>
           <a:lstStyle/>
           <a:p>
-            <a:pPr indent="0" lvl="0" marL="0" rtl="0" algn="l">
+            <a:pPr marL="0" lvl="0" indent="0" algn="l" rtl="0">
               <a:spcBef>
                 <a:spcPts val="0"/>
               </a:spcBef>
@@ -1387,9 +1440,6 @@
               </a:spcAft>
               <a:buNone/>
             </a:pPr>
-            <a:r>
-              <a:t/>
-            </a:r>
             <a:endParaRPr/>
           </a:p>
         </p:txBody>
@@ -1403,11 +1453,11 @@
 </file>
 
 <file path=ppt/notesSlides/notesSlide7.xml><?xml version="1.0" encoding="utf-8"?>
-<p:notes xmlns:a="http://schemas.openxmlformats.org/drawingml/2006/main" xmlns:r="http://schemas.openxmlformats.org/officeDocument/2006/relationships" xmlns:mc="http://schemas.openxmlformats.org/markup-compatibility/2006" xmlns:mv="urn:schemas-microsoft-com:mac:vml" xmlns:p="http://schemas.openxmlformats.org/presentationml/2006/main" xmlns:c="http://schemas.openxmlformats.org/drawingml/2006/chart" xmlns:dgm="http://schemas.openxmlformats.org/drawingml/2006/diagram" xmlns:o="urn:schemas-microsoft-com:office:office" xmlns:v="urn:schemas-microsoft-com:vml" xmlns:pvml="urn:schemas-microsoft-com:office:powerpoint" xmlns:com="http://schemas.openxmlformats.org/drawingml/2006/compatibility" xmlns:p14="http://schemas.microsoft.com/office/powerpoint/2010/main" xmlns:p15="http://schemas.microsoft.com/office/powerpoint/2012/main" xmlns:ahyp="http://schemas.microsoft.com/office/drawing/2018/hyperlinkcolor" showMasterPhAnim="0" showMasterSp="0">
+<p:notes xmlns:a="http://schemas.openxmlformats.org/drawingml/2006/main" xmlns:r="http://schemas.openxmlformats.org/officeDocument/2006/relationships" xmlns:p="http://schemas.openxmlformats.org/presentationml/2006/main" showMasterSp="0" showMasterPhAnim="0">
   <p:cSld>
     <p:spTree>
       <p:nvGrpSpPr>
-        <p:cNvPr id="115" name="Shape 115"/>
+        <p:cNvPr id="1" name="Shape 115"/>
         <p:cNvGrpSpPr/>
         <p:nvPr/>
       </p:nvGrpSpPr>
@@ -1422,20 +1472,26 @@
       <p:sp>
         <p:nvSpPr>
           <p:cNvPr id="116" name="Google Shape;116;gaf69b0316b_0_482:notes"/>
-          <p:cNvSpPr/>
+          <p:cNvSpPr>
+            <a:spLocks noGrp="1" noRot="1" noChangeAspect="1"/>
+          </p:cNvSpPr>
           <p:nvPr>
-            <p:ph idx="2" type="sldImg"/>
+            <p:ph type="sldImg" idx="2"/>
           </p:nvPr>
         </p:nvSpPr>
         <p:spPr>
           <a:xfrm>
-            <a:off x="381300" y="685800"/>
+            <a:off x="381000" y="685800"/>
             <a:ext cx="6096000" cy="3429000"/>
           </a:xfrm>
           <a:custGeom>
-            <a:rect b="b" l="l" r="r" t="t"/>
+            <a:avLst/>
+            <a:gdLst/>
+            <a:ahLst/>
+            <a:cxnLst/>
+            <a:rect l="l" t="t" r="r" b="b"/>
             <a:pathLst>
-              <a:path extrusionOk="0" h="120000" w="120000">
+              <a:path w="120000" h="120000" extrusionOk="0">
                 <a:moveTo>
                   <a:pt x="0" y="0"/>
                 </a:moveTo>
@@ -1457,9 +1513,11 @@
       <p:sp>
         <p:nvSpPr>
           <p:cNvPr id="117" name="Google Shape;117;gaf69b0316b_0_482:notes"/>
-          <p:cNvSpPr txBox="1"/>
+          <p:cNvSpPr txBox="1">
+            <a:spLocks noGrp="1"/>
+          </p:cNvSpPr>
           <p:nvPr>
-            <p:ph idx="1" type="body"/>
+            <p:ph type="body" idx="1"/>
           </p:nvPr>
         </p:nvSpPr>
         <p:spPr>
@@ -1472,12 +1530,12 @@
           </a:prstGeom>
         </p:spPr>
         <p:txBody>
-          <a:bodyPr anchorCtr="0" anchor="t" bIns="91425" lIns="91425" spcFirstLastPara="1" rIns="91425" wrap="square" tIns="91425">
+          <a:bodyPr spcFirstLastPara="1" wrap="square" lIns="91425" tIns="91425" rIns="91425" bIns="91425" anchor="t" anchorCtr="0">
             <a:noAutofit/>
           </a:bodyPr>
           <a:lstStyle/>
           <a:p>
-            <a:pPr indent="0" lvl="0" marL="0" rtl="0" algn="l">
+            <a:pPr marL="0" lvl="0" indent="0" algn="l" rtl="0">
               <a:spcBef>
                 <a:spcPts val="0"/>
               </a:spcBef>
@@ -1486,9 +1544,6 @@
               </a:spcAft>
               <a:buNone/>
             </a:pPr>
-            <a:r>
-              <a:t/>
-            </a:r>
             <a:endParaRPr/>
           </a:p>
         </p:txBody>
@@ -1502,11 +1557,11 @@
 </file>
 
 <file path=ppt/notesSlides/notesSlide8.xml><?xml version="1.0" encoding="utf-8"?>
-<p:notes xmlns:a="http://schemas.openxmlformats.org/drawingml/2006/main" xmlns:r="http://schemas.openxmlformats.org/officeDocument/2006/relationships" xmlns:mc="http://schemas.openxmlformats.org/markup-compatibility/2006" xmlns:mv="urn:schemas-microsoft-com:mac:vml" xmlns:p="http://schemas.openxmlformats.org/presentationml/2006/main" xmlns:c="http://schemas.openxmlformats.org/drawingml/2006/chart" xmlns:dgm="http://schemas.openxmlformats.org/drawingml/2006/diagram" xmlns:o="urn:schemas-microsoft-com:office:office" xmlns:v="urn:schemas-microsoft-com:vml" xmlns:pvml="urn:schemas-microsoft-com:office:powerpoint" xmlns:com="http://schemas.openxmlformats.org/drawingml/2006/compatibility" xmlns:p14="http://schemas.microsoft.com/office/powerpoint/2010/main" xmlns:p15="http://schemas.microsoft.com/office/powerpoint/2012/main" xmlns:ahyp="http://schemas.microsoft.com/office/drawing/2018/hyperlinkcolor" showMasterPhAnim="0" showMasterSp="0">
+<p:notes xmlns:a="http://schemas.openxmlformats.org/drawingml/2006/main" xmlns:r="http://schemas.openxmlformats.org/officeDocument/2006/relationships" xmlns:p="http://schemas.openxmlformats.org/presentationml/2006/main" showMasterSp="0" showMasterPhAnim="0">
   <p:cSld>
     <p:spTree>
       <p:nvGrpSpPr>
-        <p:cNvPr id="122" name="Shape 122"/>
+        <p:cNvPr id="1" name="Shape 122"/>
         <p:cNvGrpSpPr/>
         <p:nvPr/>
       </p:nvGrpSpPr>
@@ -1521,20 +1576,26 @@
       <p:sp>
         <p:nvSpPr>
           <p:cNvPr id="123" name="Google Shape;123;gaf69b0316b_0_488:notes"/>
-          <p:cNvSpPr/>
+          <p:cNvSpPr>
+            <a:spLocks noGrp="1" noRot="1" noChangeAspect="1"/>
+          </p:cNvSpPr>
           <p:nvPr>
-            <p:ph idx="2" type="sldImg"/>
+            <p:ph type="sldImg" idx="2"/>
           </p:nvPr>
         </p:nvSpPr>
         <p:spPr>
           <a:xfrm>
-            <a:off x="381300" y="685800"/>
+            <a:off x="381000" y="685800"/>
             <a:ext cx="6096000" cy="3429000"/>
           </a:xfrm>
           <a:custGeom>
-            <a:rect b="b" l="l" r="r" t="t"/>
+            <a:avLst/>
+            <a:gdLst/>
+            <a:ahLst/>
+            <a:cxnLst/>
+            <a:rect l="l" t="t" r="r" b="b"/>
             <a:pathLst>
-              <a:path extrusionOk="0" h="120000" w="120000">
+              <a:path w="120000" h="120000" extrusionOk="0">
                 <a:moveTo>
                   <a:pt x="0" y="0"/>
                 </a:moveTo>
@@ -1556,9 +1617,11 @@
       <p:sp>
         <p:nvSpPr>
           <p:cNvPr id="124" name="Google Shape;124;gaf69b0316b_0_488:notes"/>
-          <p:cNvSpPr txBox="1"/>
+          <p:cNvSpPr txBox="1">
+            <a:spLocks noGrp="1"/>
+          </p:cNvSpPr>
           <p:nvPr>
-            <p:ph idx="1" type="body"/>
+            <p:ph type="body" idx="1"/>
           </p:nvPr>
         </p:nvSpPr>
         <p:spPr>
@@ -1571,12 +1634,12 @@
           </a:prstGeom>
         </p:spPr>
         <p:txBody>
-          <a:bodyPr anchorCtr="0" anchor="t" bIns="91425" lIns="91425" spcFirstLastPara="1" rIns="91425" wrap="square" tIns="91425">
+          <a:bodyPr spcFirstLastPara="1" wrap="square" lIns="91425" tIns="91425" rIns="91425" bIns="91425" anchor="t" anchorCtr="0">
             <a:noAutofit/>
           </a:bodyPr>
           <a:lstStyle/>
           <a:p>
-            <a:pPr indent="0" lvl="0" marL="0" rtl="0" algn="l">
+            <a:pPr marL="0" lvl="0" indent="0" algn="l" rtl="0">
               <a:spcBef>
                 <a:spcPts val="0"/>
               </a:spcBef>
@@ -1585,9 +1648,6 @@
               </a:spcAft>
               <a:buNone/>
             </a:pPr>
-            <a:r>
-              <a:t/>
-            </a:r>
             <a:endParaRPr/>
           </a:p>
         </p:txBody>
@@ -1601,11 +1661,11 @@
 </file>
 
 <file path=ppt/notesSlides/notesSlide9.xml><?xml version="1.0" encoding="utf-8"?>
-<p:notes xmlns:a="http://schemas.openxmlformats.org/drawingml/2006/main" xmlns:r="http://schemas.openxmlformats.org/officeDocument/2006/relationships" xmlns:mc="http://schemas.openxmlformats.org/markup-compatibility/2006" xmlns:mv="urn:schemas-microsoft-com:mac:vml" xmlns:p="http://schemas.openxmlformats.org/presentationml/2006/main" xmlns:c="http://schemas.openxmlformats.org/drawingml/2006/chart" xmlns:dgm="http://schemas.openxmlformats.org/drawingml/2006/diagram" xmlns:o="urn:schemas-microsoft-com:office:office" xmlns:v="urn:schemas-microsoft-com:vml" xmlns:pvml="urn:schemas-microsoft-com:office:powerpoint" xmlns:com="http://schemas.openxmlformats.org/drawingml/2006/compatibility" xmlns:p14="http://schemas.microsoft.com/office/powerpoint/2010/main" xmlns:p15="http://schemas.microsoft.com/office/powerpoint/2012/main" xmlns:ahyp="http://schemas.microsoft.com/office/drawing/2018/hyperlinkcolor" showMasterPhAnim="0" showMasterSp="0">
+<p:notes xmlns:a="http://schemas.openxmlformats.org/drawingml/2006/main" xmlns:r="http://schemas.openxmlformats.org/officeDocument/2006/relationships" xmlns:p="http://schemas.openxmlformats.org/presentationml/2006/main" showMasterSp="0" showMasterPhAnim="0">
   <p:cSld>
     <p:spTree>
       <p:nvGrpSpPr>
-        <p:cNvPr id="130" name="Shape 130"/>
+        <p:cNvPr id="1" name="Shape 130"/>
         <p:cNvGrpSpPr/>
         <p:nvPr/>
       </p:nvGrpSpPr>
@@ -1620,20 +1680,26 @@
       <p:sp>
         <p:nvSpPr>
           <p:cNvPr id="131" name="Google Shape;131;gaf69b0316b_0_511:notes"/>
-          <p:cNvSpPr/>
+          <p:cNvSpPr>
+            <a:spLocks noGrp="1" noRot="1" noChangeAspect="1"/>
+          </p:cNvSpPr>
           <p:nvPr>
-            <p:ph idx="2" type="sldImg"/>
+            <p:ph type="sldImg" idx="2"/>
           </p:nvPr>
         </p:nvSpPr>
         <p:spPr>
           <a:xfrm>
-            <a:off x="381300" y="685800"/>
+            <a:off x="381000" y="685800"/>
             <a:ext cx="6096000" cy="3429000"/>
           </a:xfrm>
           <a:custGeom>
-            <a:rect b="b" l="l" r="r" t="t"/>
+            <a:avLst/>
+            <a:gdLst/>
+            <a:ahLst/>
+            <a:cxnLst/>
+            <a:rect l="l" t="t" r="r" b="b"/>
             <a:pathLst>
-              <a:path extrusionOk="0" h="120000" w="120000">
+              <a:path w="120000" h="120000" extrusionOk="0">
                 <a:moveTo>
                   <a:pt x="0" y="0"/>
                 </a:moveTo>
@@ -1655,9 +1721,11 @@
       <p:sp>
         <p:nvSpPr>
           <p:cNvPr id="132" name="Google Shape;132;gaf69b0316b_0_511:notes"/>
-          <p:cNvSpPr txBox="1"/>
+          <p:cNvSpPr txBox="1">
+            <a:spLocks noGrp="1"/>
+          </p:cNvSpPr>
           <p:nvPr>
-            <p:ph idx="1" type="body"/>
+            <p:ph type="body" idx="1"/>
           </p:nvPr>
         </p:nvSpPr>
         <p:spPr>
@@ -1670,12 +1738,12 @@
           </a:prstGeom>
         </p:spPr>
         <p:txBody>
-          <a:bodyPr anchorCtr="0" anchor="t" bIns="91425" lIns="91425" spcFirstLastPara="1" rIns="91425" wrap="square" tIns="91425">
+          <a:bodyPr spcFirstLastPara="1" wrap="square" lIns="91425" tIns="91425" rIns="91425" bIns="91425" anchor="t" anchorCtr="0">
             <a:noAutofit/>
           </a:bodyPr>
           <a:lstStyle/>
           <a:p>
-            <a:pPr indent="0" lvl="0" marL="0" rtl="0" algn="l">
+            <a:pPr marL="0" lvl="0" indent="0" algn="l" rtl="0">
               <a:spcBef>
                 <a:spcPts val="0"/>
               </a:spcBef>
@@ -1684,9 +1752,6 @@
               </a:spcAft>
               <a:buNone/>
             </a:pPr>
-            <a:r>
-              <a:t/>
-            </a:r>
             <a:endParaRPr/>
           </a:p>
         </p:txBody>
@@ -1700,11 +1765,11 @@
 </file>
 
 <file path=ppt/slideLayouts/slideLayout1.xml><?xml version="1.0" encoding="utf-8"?>
-<p:sldLayout xmlns:a="http://schemas.openxmlformats.org/drawingml/2006/main" xmlns:r="http://schemas.openxmlformats.org/officeDocument/2006/relationships" xmlns:mc="http://schemas.openxmlformats.org/markup-compatibility/2006" xmlns:mv="urn:schemas-microsoft-com:mac:vml" xmlns:p="http://schemas.openxmlformats.org/presentationml/2006/main" xmlns:c="http://schemas.openxmlformats.org/drawingml/2006/chart" xmlns:dgm="http://schemas.openxmlformats.org/drawingml/2006/diagram" xmlns:o="urn:schemas-microsoft-com:office:office" xmlns:v="urn:schemas-microsoft-com:vml" xmlns:pvml="urn:schemas-microsoft-com:office:powerpoint" xmlns:com="http://schemas.openxmlformats.org/drawingml/2006/compatibility" xmlns:p14="http://schemas.microsoft.com/office/powerpoint/2010/main" xmlns:p15="http://schemas.microsoft.com/office/powerpoint/2012/main" xmlns:ahyp="http://schemas.microsoft.com/office/drawing/2018/hyperlinkcolor" matchingName="Title slide" type="title">
+<p:sldLayout xmlns:a="http://schemas.openxmlformats.org/drawingml/2006/main" xmlns:r="http://schemas.openxmlformats.org/officeDocument/2006/relationships" xmlns:p="http://schemas.openxmlformats.org/presentationml/2006/main" matchingName="Title slide" type="title">
   <p:cSld name="TITLE">
     <p:spTree>
       <p:nvGrpSpPr>
-        <p:cNvPr id="9" name="Shape 9"/>
+        <p:cNvPr id="1" name="Shape 9"/>
         <p:cNvGrpSpPr/>
         <p:nvPr/>
       </p:nvGrpSpPr>
@@ -1731,14 +1796,14 @@
             <a:avLst/>
           </a:prstGeom>
           <a:noFill/>
-          <a:ln cap="flat" cmpd="sng" w="76200">
+          <a:ln w="76200" cap="flat" cmpd="sng">
             <a:solidFill>
               <a:schemeClr val="lt2"/>
             </a:solidFill>
             <a:prstDash val="solid"/>
             <a:round/>
-            <a:headEnd len="sm" w="sm" type="none"/>
-            <a:tailEnd len="sm" w="sm" type="none"/>
+            <a:headEnd type="none" w="sm" len="sm"/>
+            <a:tailEnd type="none" w="sm" len="sm"/>
           </a:ln>
         </p:spPr>
       </p:cxnSp>
@@ -1757,14 +1822,14 @@
             <a:avLst/>
           </a:prstGeom>
           <a:noFill/>
-          <a:ln cap="flat" cmpd="sng" w="76200">
+          <a:ln w="76200" cap="flat" cmpd="sng">
             <a:solidFill>
               <a:schemeClr val="lt2"/>
             </a:solidFill>
             <a:prstDash val="solid"/>
             <a:round/>
-            <a:headEnd len="sm" w="sm" type="none"/>
-            <a:tailEnd len="sm" w="sm" type="none"/>
+            <a:headEnd type="none" w="sm" len="sm"/>
+            <a:tailEnd type="none" w="sm" len="sm"/>
           </a:ln>
         </p:spPr>
       </p:cxnSp>
@@ -1797,14 +1862,14 @@
               <a:avLst/>
             </a:prstGeom>
             <a:noFill/>
-            <a:ln cap="flat" cmpd="sng" w="76200">
+            <a:ln w="76200" cap="flat" cmpd="sng">
               <a:solidFill>
                 <a:schemeClr val="accent3"/>
               </a:solidFill>
               <a:prstDash val="solid"/>
               <a:round/>
-              <a:headEnd len="sm" w="sm" type="none"/>
-              <a:tailEnd len="sm" w="sm" type="none"/>
+              <a:headEnd type="none" w="sm" len="sm"/>
+              <a:tailEnd type="none" w="sm" len="sm"/>
             </a:ln>
           </p:spPr>
         </p:cxnSp>
@@ -1823,14 +1888,14 @@
               <a:avLst/>
             </a:prstGeom>
             <a:noFill/>
-            <a:ln cap="flat" cmpd="sng" w="9525">
+            <a:ln w="9525" cap="flat" cmpd="sng">
               <a:solidFill>
                 <a:schemeClr val="accent3"/>
               </a:solidFill>
               <a:prstDash val="solid"/>
               <a:round/>
-              <a:headEnd len="sm" w="sm" type="none"/>
-              <a:tailEnd len="sm" w="sm" type="none"/>
+              <a:headEnd type="none" w="sm" len="sm"/>
+              <a:tailEnd type="none" w="sm" len="sm"/>
             </a:ln>
           </p:spPr>
         </p:cxnSp>
@@ -1864,14 +1929,14 @@
               <a:avLst/>
             </a:prstGeom>
             <a:noFill/>
-            <a:ln cap="flat" cmpd="sng" w="76200">
+            <a:ln w="76200" cap="flat" cmpd="sng">
               <a:solidFill>
                 <a:schemeClr val="accent3"/>
               </a:solidFill>
               <a:prstDash val="solid"/>
               <a:round/>
-              <a:headEnd len="sm" w="sm" type="none"/>
-              <a:tailEnd len="sm" w="sm" type="none"/>
+              <a:headEnd type="none" w="sm" len="sm"/>
+              <a:tailEnd type="none" w="sm" len="sm"/>
             </a:ln>
           </p:spPr>
         </p:cxnSp>
@@ -1890,14 +1955,14 @@
               <a:avLst/>
             </a:prstGeom>
             <a:noFill/>
-            <a:ln cap="flat" cmpd="sng" w="9525">
+            <a:ln w="9525" cap="flat" cmpd="sng">
               <a:solidFill>
                 <a:schemeClr val="accent3"/>
               </a:solidFill>
               <a:prstDash val="solid"/>
               <a:round/>
-              <a:headEnd len="sm" w="sm" type="none"/>
-              <a:tailEnd len="sm" w="sm" type="none"/>
+              <a:headEnd type="none" w="sm" len="sm"/>
+              <a:tailEnd type="none" w="sm" len="sm"/>
             </a:ln>
           </p:spPr>
         </p:cxnSp>
@@ -1905,7 +1970,9 @@
       <p:sp>
         <p:nvSpPr>
           <p:cNvPr id="18" name="Google Shape;18;p2"/>
-          <p:cNvSpPr txBox="1"/>
+          <p:cNvSpPr txBox="1">
+            <a:spLocks noGrp="1"/>
+          </p:cNvSpPr>
           <p:nvPr>
             <p:ph type="ctrTitle"/>
           </p:nvPr>
@@ -1920,7 +1987,7 @@
           </a:prstGeom>
         </p:spPr>
         <p:txBody>
-          <a:bodyPr anchorCtr="0" anchor="b" bIns="91425" lIns="91425" spcFirstLastPara="1" rIns="91425" wrap="square" tIns="91425">
+          <a:bodyPr spcFirstLastPara="1" wrap="square" lIns="91425" tIns="91425" rIns="91425" bIns="91425" anchor="b" anchorCtr="0">
             <a:noAutofit/>
           </a:bodyPr>
           <a:lstStyle>
@@ -2024,15 +2091,19 @@
               <a:defRPr sz="5400"/>
             </a:lvl9pPr>
           </a:lstStyle>
-          <a:p/>
+          <a:p>
+            <a:endParaRPr/>
+          </a:p>
         </p:txBody>
       </p:sp>
       <p:sp>
         <p:nvSpPr>
           <p:cNvPr id="19" name="Google Shape;19;p2"/>
-          <p:cNvSpPr txBox="1"/>
+          <p:cNvSpPr txBox="1">
+            <a:spLocks noGrp="1"/>
+          </p:cNvSpPr>
           <p:nvPr>
-            <p:ph idx="1" type="subTitle"/>
+            <p:ph type="subTitle" idx="1"/>
           </p:nvPr>
         </p:nvSpPr>
         <p:spPr>
@@ -2045,7 +2116,7 @@
           </a:prstGeom>
         </p:spPr>
         <p:txBody>
-          <a:bodyPr anchorCtr="0" anchor="t" bIns="91425" lIns="91425" spcFirstLastPara="1" rIns="91425" wrap="square" tIns="91425">
+          <a:bodyPr spcFirstLastPara="1" wrap="square" lIns="91425" tIns="91425" rIns="91425" bIns="91425" anchor="t" anchorCtr="0">
             <a:noAutofit/>
           </a:bodyPr>
           <a:lstStyle>
@@ -2176,15 +2247,19 @@
               <a:defRPr sz="2400"/>
             </a:lvl9pPr>
           </a:lstStyle>
-          <a:p/>
+          <a:p>
+            <a:endParaRPr/>
+          </a:p>
         </p:txBody>
       </p:sp>
       <p:sp>
         <p:nvSpPr>
           <p:cNvPr id="20" name="Google Shape;20;p2"/>
-          <p:cNvSpPr txBox="1"/>
+          <p:cNvSpPr txBox="1">
+            <a:spLocks noGrp="1"/>
+          </p:cNvSpPr>
           <p:nvPr>
-            <p:ph idx="12" type="sldNum"/>
+            <p:ph type="sldNum" idx="12"/>
           </p:nvPr>
         </p:nvSpPr>
         <p:spPr>
@@ -2197,7 +2272,7 @@
           </a:prstGeom>
         </p:spPr>
         <p:txBody>
-          <a:bodyPr anchorCtr="0" anchor="ctr" bIns="91425" lIns="91425" spcFirstLastPara="1" rIns="91425" wrap="square" tIns="91425">
+          <a:bodyPr spcFirstLastPara="1" wrap="square" lIns="91425" tIns="91425" rIns="91425" bIns="91425" anchor="ctr" anchorCtr="0">
             <a:noAutofit/>
           </a:bodyPr>
           <a:lstStyle>
@@ -2239,7 +2314,7 @@
             </a:lvl9pPr>
           </a:lstStyle>
           <a:p>
-            <a:pPr indent="0" lvl="0" marL="0" rtl="0" algn="r">
+            <a:pPr marL="0" lvl="0" indent="0" algn="r" rtl="0">
               <a:spcBef>
                 <a:spcPts val="0"/>
               </a:spcBef>
@@ -2250,7 +2325,7 @@
             </a:pPr>
             <a:fld id="{00000000-1234-1234-1234-123412341234}" type="slidenum">
               <a:rPr lang="en"/>
-              <a:t>‹#›</a:t>
+              <a:t>‹Nº›</a:t>
             </a:fld>
             <a:endParaRPr/>
           </a:p>
@@ -2265,11 +2340,11 @@
 </file>
 
 <file path=ppt/slideLayouts/slideLayout10.xml><?xml version="1.0" encoding="utf-8"?>
-<p:sldLayout xmlns:a="http://schemas.openxmlformats.org/drawingml/2006/main" xmlns:r="http://schemas.openxmlformats.org/officeDocument/2006/relationships" xmlns:mc="http://schemas.openxmlformats.org/markup-compatibility/2006" xmlns:mv="urn:schemas-microsoft-com:mac:vml" xmlns:p="http://schemas.openxmlformats.org/presentationml/2006/main" xmlns:c="http://schemas.openxmlformats.org/drawingml/2006/chart" xmlns:dgm="http://schemas.openxmlformats.org/drawingml/2006/diagram" xmlns:o="urn:schemas-microsoft-com:office:office" xmlns:v="urn:schemas-microsoft-com:vml" xmlns:pvml="urn:schemas-microsoft-com:office:powerpoint" xmlns:com="http://schemas.openxmlformats.org/drawingml/2006/compatibility" xmlns:p14="http://schemas.microsoft.com/office/powerpoint/2010/main" xmlns:p15="http://schemas.microsoft.com/office/powerpoint/2012/main" xmlns:ahyp="http://schemas.microsoft.com/office/drawing/2018/hyperlinkcolor" matchingName="Big number">
+<p:sldLayout xmlns:a="http://schemas.openxmlformats.org/drawingml/2006/main" xmlns:r="http://schemas.openxmlformats.org/officeDocument/2006/relationships" xmlns:p="http://schemas.openxmlformats.org/presentationml/2006/main" matchingName="Big number">
   <p:cSld name="BIG_NUMBER">
     <p:spTree>
       <p:nvGrpSpPr>
-        <p:cNvPr id="55" name="Shape 55"/>
+        <p:cNvPr id="1" name="Shape 55"/>
         <p:cNvGrpSpPr/>
         <p:nvPr/>
       </p:nvGrpSpPr>
@@ -2303,12 +2378,12 @@
           </a:ln>
         </p:spPr>
         <p:txBody>
-          <a:bodyPr anchorCtr="0" anchor="ctr" bIns="91425" lIns="91425" spcFirstLastPara="1" rIns="91425" wrap="square" tIns="91425">
+          <a:bodyPr spcFirstLastPara="1" wrap="square" lIns="91425" tIns="91425" rIns="91425" bIns="91425" anchor="ctr" anchorCtr="0">
             <a:noAutofit/>
           </a:bodyPr>
           <a:lstStyle/>
           <a:p>
-            <a:pPr indent="0" lvl="0" marL="0" rtl="0" algn="l">
+            <a:pPr marL="0" lvl="0" indent="0" algn="l" rtl="0">
               <a:spcBef>
                 <a:spcPts val="0"/>
               </a:spcBef>
@@ -2317,9 +2392,6 @@
               </a:spcAft>
               <a:buNone/>
             </a:pPr>
-            <a:r>
-              <a:t/>
-            </a:r>
             <a:endParaRPr/>
           </a:p>
         </p:txBody>
@@ -2327,9 +2399,11 @@
       <p:sp>
         <p:nvSpPr>
           <p:cNvPr id="57" name="Google Shape;57;p11"/>
-          <p:cNvSpPr txBox="1"/>
+          <p:cNvSpPr txBox="1">
+            <a:spLocks noGrp="1"/>
+          </p:cNvSpPr>
           <p:nvPr>
-            <p:ph hasCustomPrompt="1" type="title"/>
+            <p:ph type="title" hasCustomPrompt="1"/>
           </p:nvPr>
         </p:nvSpPr>
         <p:spPr>
@@ -2342,7 +2416,7 @@
           </a:prstGeom>
         </p:spPr>
         <p:txBody>
-          <a:bodyPr anchorCtr="0" anchor="ctr" bIns="91425" lIns="91425" spcFirstLastPara="1" rIns="91425" wrap="square" tIns="91425">
+          <a:bodyPr spcFirstLastPara="1" wrap="square" lIns="91425" tIns="91425" rIns="91425" bIns="91425" anchor="ctr" anchorCtr="0">
             <a:noAutofit/>
           </a:bodyPr>
           <a:lstStyle>
@@ -2519,9 +2593,11 @@
       <p:sp>
         <p:nvSpPr>
           <p:cNvPr id="58" name="Google Shape;58;p11"/>
-          <p:cNvSpPr txBox="1"/>
+          <p:cNvSpPr txBox="1">
+            <a:spLocks noGrp="1"/>
+          </p:cNvSpPr>
           <p:nvPr>
-            <p:ph idx="1" type="body"/>
+            <p:ph type="body" idx="1"/>
           </p:nvPr>
         </p:nvSpPr>
         <p:spPr>
@@ -2534,11 +2610,11 @@
           </a:prstGeom>
         </p:spPr>
         <p:txBody>
-          <a:bodyPr anchorCtr="0" anchor="t" bIns="91425" lIns="91425" spcFirstLastPara="1" rIns="91425" wrap="square" tIns="91425">
+          <a:bodyPr spcFirstLastPara="1" wrap="square" lIns="91425" tIns="91425" rIns="91425" bIns="91425" anchor="t" anchorCtr="0">
             <a:noAutofit/>
           </a:bodyPr>
           <a:lstStyle>
-            <a:lvl1pPr indent="-342900" lvl="0" marL="457200" algn="ctr">
+            <a:lvl1pPr marL="457200" lvl="0" indent="-342900" algn="ctr">
               <a:spcBef>
                 <a:spcPts val="0"/>
               </a:spcBef>
@@ -2549,7 +2625,7 @@
               <a:buChar char="●"/>
               <a:defRPr/>
             </a:lvl1pPr>
-            <a:lvl2pPr indent="-317500" lvl="1" marL="914400" algn="ctr">
+            <a:lvl2pPr marL="914400" lvl="1" indent="-317500" algn="ctr">
               <a:spcBef>
                 <a:spcPts val="1600"/>
               </a:spcBef>
@@ -2560,7 +2636,7 @@
               <a:buChar char="○"/>
               <a:defRPr/>
             </a:lvl2pPr>
-            <a:lvl3pPr indent="-317500" lvl="2" marL="1371600" algn="ctr">
+            <a:lvl3pPr marL="1371600" lvl="2" indent="-317500" algn="ctr">
               <a:spcBef>
                 <a:spcPts val="1600"/>
               </a:spcBef>
@@ -2571,7 +2647,7 @@
               <a:buChar char="■"/>
               <a:defRPr/>
             </a:lvl3pPr>
-            <a:lvl4pPr indent="-317500" lvl="3" marL="1828800" algn="ctr">
+            <a:lvl4pPr marL="1828800" lvl="3" indent="-317500" algn="ctr">
               <a:spcBef>
                 <a:spcPts val="1600"/>
               </a:spcBef>
@@ -2582,7 +2658,7 @@
               <a:buChar char="●"/>
               <a:defRPr/>
             </a:lvl4pPr>
-            <a:lvl5pPr indent="-317500" lvl="4" marL="2286000" algn="ctr">
+            <a:lvl5pPr marL="2286000" lvl="4" indent="-317500" algn="ctr">
               <a:spcBef>
                 <a:spcPts val="1600"/>
               </a:spcBef>
@@ -2593,7 +2669,7 @@
               <a:buChar char="○"/>
               <a:defRPr/>
             </a:lvl5pPr>
-            <a:lvl6pPr indent="-317500" lvl="5" marL="2743200" algn="ctr">
+            <a:lvl6pPr marL="2743200" lvl="5" indent="-317500" algn="ctr">
               <a:spcBef>
                 <a:spcPts val="1600"/>
               </a:spcBef>
@@ -2604,7 +2680,7 @@
               <a:buChar char="■"/>
               <a:defRPr/>
             </a:lvl6pPr>
-            <a:lvl7pPr indent="-317500" lvl="6" marL="3200400" algn="ctr">
+            <a:lvl7pPr marL="3200400" lvl="6" indent="-317500" algn="ctr">
               <a:spcBef>
                 <a:spcPts val="1600"/>
               </a:spcBef>
@@ -2615,7 +2691,7 @@
               <a:buChar char="●"/>
               <a:defRPr/>
             </a:lvl7pPr>
-            <a:lvl8pPr indent="-317500" lvl="7" marL="3657600" algn="ctr">
+            <a:lvl8pPr marL="3657600" lvl="7" indent="-317500" algn="ctr">
               <a:spcBef>
                 <a:spcPts val="1600"/>
               </a:spcBef>
@@ -2626,7 +2702,7 @@
               <a:buChar char="○"/>
               <a:defRPr/>
             </a:lvl8pPr>
-            <a:lvl9pPr indent="-317500" lvl="8" marL="4114800" algn="ctr">
+            <a:lvl9pPr marL="4114800" lvl="8" indent="-317500" algn="ctr">
               <a:spcBef>
                 <a:spcPts val="1600"/>
               </a:spcBef>
@@ -2638,15 +2714,19 @@
               <a:defRPr/>
             </a:lvl9pPr>
           </a:lstStyle>
-          <a:p/>
+          <a:p>
+            <a:endParaRPr/>
+          </a:p>
         </p:txBody>
       </p:sp>
       <p:sp>
         <p:nvSpPr>
           <p:cNvPr id="59" name="Google Shape;59;p11"/>
-          <p:cNvSpPr txBox="1"/>
+          <p:cNvSpPr txBox="1">
+            <a:spLocks noGrp="1"/>
+          </p:cNvSpPr>
           <p:nvPr>
-            <p:ph idx="12" type="sldNum"/>
+            <p:ph type="sldNum" idx="12"/>
           </p:nvPr>
         </p:nvSpPr>
         <p:spPr>
@@ -2659,7 +2739,7 @@
           </a:prstGeom>
         </p:spPr>
         <p:txBody>
-          <a:bodyPr anchorCtr="0" anchor="ctr" bIns="91425" lIns="91425" spcFirstLastPara="1" rIns="91425" wrap="square" tIns="91425">
+          <a:bodyPr spcFirstLastPara="1" wrap="square" lIns="91425" tIns="91425" rIns="91425" bIns="91425" anchor="ctr" anchorCtr="0">
             <a:noAutofit/>
           </a:bodyPr>
           <a:lstStyle>
@@ -2701,7 +2781,7 @@
             </a:lvl9pPr>
           </a:lstStyle>
           <a:p>
-            <a:pPr indent="0" lvl="0" marL="0" rtl="0" algn="r">
+            <a:pPr marL="0" lvl="0" indent="0" algn="r" rtl="0">
               <a:spcBef>
                 <a:spcPts val="0"/>
               </a:spcBef>
@@ -2712,7 +2792,7 @@
             </a:pPr>
             <a:fld id="{00000000-1234-1234-1234-123412341234}" type="slidenum">
               <a:rPr lang="en"/>
-              <a:t>‹#›</a:t>
+              <a:t>‹Nº›</a:t>
             </a:fld>
             <a:endParaRPr/>
           </a:p>
@@ -2727,11 +2807,11 @@
 </file>
 
 <file path=ppt/slideLayouts/slideLayout11.xml><?xml version="1.0" encoding="utf-8"?>
-<p:sldLayout xmlns:a="http://schemas.openxmlformats.org/drawingml/2006/main" xmlns:r="http://schemas.openxmlformats.org/officeDocument/2006/relationships" xmlns:mc="http://schemas.openxmlformats.org/markup-compatibility/2006" xmlns:mv="urn:schemas-microsoft-com:mac:vml" xmlns:p="http://schemas.openxmlformats.org/presentationml/2006/main" xmlns:c="http://schemas.openxmlformats.org/drawingml/2006/chart" xmlns:dgm="http://schemas.openxmlformats.org/drawingml/2006/diagram" xmlns:o="urn:schemas-microsoft-com:office:office" xmlns:v="urn:schemas-microsoft-com:vml" xmlns:pvml="urn:schemas-microsoft-com:office:powerpoint" xmlns:com="http://schemas.openxmlformats.org/drawingml/2006/compatibility" xmlns:p14="http://schemas.microsoft.com/office/powerpoint/2010/main" xmlns:p15="http://schemas.microsoft.com/office/powerpoint/2012/main" xmlns:ahyp="http://schemas.microsoft.com/office/drawing/2018/hyperlinkcolor" matchingName="Blank" type="blank">
+<p:sldLayout xmlns:a="http://schemas.openxmlformats.org/drawingml/2006/main" xmlns:r="http://schemas.openxmlformats.org/officeDocument/2006/relationships" xmlns:p="http://schemas.openxmlformats.org/presentationml/2006/main" matchingName="Blank" type="blank">
   <p:cSld name="BLANK">
     <p:spTree>
       <p:nvGrpSpPr>
-        <p:cNvPr id="60" name="Shape 60"/>
+        <p:cNvPr id="1" name="Shape 60"/>
         <p:cNvGrpSpPr/>
         <p:nvPr/>
       </p:nvGrpSpPr>
@@ -2746,9 +2826,11 @@
       <p:sp>
         <p:nvSpPr>
           <p:cNvPr id="61" name="Google Shape;61;p12"/>
-          <p:cNvSpPr txBox="1"/>
+          <p:cNvSpPr txBox="1">
+            <a:spLocks noGrp="1"/>
+          </p:cNvSpPr>
           <p:nvPr>
-            <p:ph idx="12" type="sldNum"/>
+            <p:ph type="sldNum" idx="12"/>
           </p:nvPr>
         </p:nvSpPr>
         <p:spPr>
@@ -2761,7 +2843,7 @@
           </a:prstGeom>
         </p:spPr>
         <p:txBody>
-          <a:bodyPr anchorCtr="0" anchor="ctr" bIns="91425" lIns="91425" spcFirstLastPara="1" rIns="91425" wrap="square" tIns="91425">
+          <a:bodyPr spcFirstLastPara="1" wrap="square" lIns="91425" tIns="91425" rIns="91425" bIns="91425" anchor="ctr" anchorCtr="0">
             <a:noAutofit/>
           </a:bodyPr>
           <a:lstStyle>
@@ -2803,7 +2885,7 @@
             </a:lvl9pPr>
           </a:lstStyle>
           <a:p>
-            <a:pPr indent="0" lvl="0" marL="0" rtl="0" algn="r">
+            <a:pPr marL="0" lvl="0" indent="0" algn="r" rtl="0">
               <a:spcBef>
                 <a:spcPts val="0"/>
               </a:spcBef>
@@ -2814,7 +2896,7 @@
             </a:pPr>
             <a:fld id="{00000000-1234-1234-1234-123412341234}" type="slidenum">
               <a:rPr lang="en"/>
-              <a:t>‹#›</a:t>
+              <a:t>‹Nº›</a:t>
             </a:fld>
             <a:endParaRPr/>
           </a:p>
@@ -2829,11 +2911,11 @@
 </file>
 
 <file path=ppt/slideLayouts/slideLayout2.xml><?xml version="1.0" encoding="utf-8"?>
-<p:sldLayout xmlns:a="http://schemas.openxmlformats.org/drawingml/2006/main" xmlns:r="http://schemas.openxmlformats.org/officeDocument/2006/relationships" xmlns:mc="http://schemas.openxmlformats.org/markup-compatibility/2006" xmlns:mv="urn:schemas-microsoft-com:mac:vml" xmlns:p="http://schemas.openxmlformats.org/presentationml/2006/main" xmlns:c="http://schemas.openxmlformats.org/drawingml/2006/chart" xmlns:dgm="http://schemas.openxmlformats.org/drawingml/2006/diagram" xmlns:o="urn:schemas-microsoft-com:office:office" xmlns:v="urn:schemas-microsoft-com:vml" xmlns:pvml="urn:schemas-microsoft-com:office:powerpoint" xmlns:com="http://schemas.openxmlformats.org/drawingml/2006/compatibility" xmlns:p14="http://schemas.microsoft.com/office/powerpoint/2010/main" xmlns:p15="http://schemas.microsoft.com/office/powerpoint/2012/main" xmlns:ahyp="http://schemas.microsoft.com/office/drawing/2018/hyperlinkcolor" matchingName="Section header" type="secHead">
+<p:sldLayout xmlns:a="http://schemas.openxmlformats.org/drawingml/2006/main" xmlns:r="http://schemas.openxmlformats.org/officeDocument/2006/relationships" xmlns:p="http://schemas.openxmlformats.org/presentationml/2006/main" matchingName="Section header" type="secHead">
   <p:cSld name="SECTION_HEADER">
     <p:spTree>
       <p:nvGrpSpPr>
-        <p:cNvPr id="21" name="Shape 21"/>
+        <p:cNvPr id="1" name="Shape 21"/>
         <p:cNvGrpSpPr/>
         <p:nvPr/>
       </p:nvGrpSpPr>
@@ -2867,12 +2949,12 @@
           </a:ln>
         </p:spPr>
         <p:txBody>
-          <a:bodyPr anchorCtr="0" anchor="ctr" bIns="91425" lIns="91425" spcFirstLastPara="1" rIns="91425" wrap="square" tIns="91425">
+          <a:bodyPr spcFirstLastPara="1" wrap="square" lIns="91425" tIns="91425" rIns="91425" bIns="91425" anchor="ctr" anchorCtr="0">
             <a:noAutofit/>
           </a:bodyPr>
           <a:lstStyle/>
           <a:p>
-            <a:pPr indent="0" lvl="0" marL="0" rtl="0" algn="l">
+            <a:pPr marL="0" lvl="0" indent="0" algn="l" rtl="0">
               <a:spcBef>
                 <a:spcPts val="0"/>
               </a:spcBef>
@@ -2881,9 +2963,6 @@
               </a:spcAft>
               <a:buNone/>
             </a:pPr>
-            <a:r>
-              <a:t/>
-            </a:r>
             <a:endParaRPr/>
           </a:p>
         </p:txBody>
@@ -2891,7 +2970,9 @@
       <p:sp>
         <p:nvSpPr>
           <p:cNvPr id="23" name="Google Shape;23;p3"/>
-          <p:cNvSpPr txBox="1"/>
+          <p:cNvSpPr txBox="1">
+            <a:spLocks noGrp="1"/>
+          </p:cNvSpPr>
           <p:nvPr>
             <p:ph type="title"/>
           </p:nvPr>
@@ -2906,7 +2987,7 @@
           </a:prstGeom>
         </p:spPr>
         <p:txBody>
-          <a:bodyPr anchorCtr="0" anchor="ctr" bIns="91425" lIns="91425" spcFirstLastPara="1" rIns="91425" wrap="square" tIns="91425">
+          <a:bodyPr spcFirstLastPara="1" wrap="square" lIns="91425" tIns="91425" rIns="91425" bIns="91425" anchor="ctr" anchorCtr="0">
             <a:noAutofit/>
           </a:bodyPr>
           <a:lstStyle>
@@ -3010,15 +3091,19 @@
               <a:defRPr/>
             </a:lvl9pPr>
           </a:lstStyle>
-          <a:p/>
+          <a:p>
+            <a:endParaRPr/>
+          </a:p>
         </p:txBody>
       </p:sp>
       <p:sp>
         <p:nvSpPr>
           <p:cNvPr id="24" name="Google Shape;24;p3"/>
-          <p:cNvSpPr txBox="1"/>
+          <p:cNvSpPr txBox="1">
+            <a:spLocks noGrp="1"/>
+          </p:cNvSpPr>
           <p:nvPr>
-            <p:ph idx="12" type="sldNum"/>
+            <p:ph type="sldNum" idx="12"/>
           </p:nvPr>
         </p:nvSpPr>
         <p:spPr>
@@ -3031,7 +3116,7 @@
           </a:prstGeom>
         </p:spPr>
         <p:txBody>
-          <a:bodyPr anchorCtr="0" anchor="ctr" bIns="91425" lIns="91425" spcFirstLastPara="1" rIns="91425" wrap="square" tIns="91425">
+          <a:bodyPr spcFirstLastPara="1" wrap="square" lIns="91425" tIns="91425" rIns="91425" bIns="91425" anchor="ctr" anchorCtr="0">
             <a:noAutofit/>
           </a:bodyPr>
           <a:lstStyle>
@@ -3109,7 +3194,7 @@
             </a:lvl9pPr>
           </a:lstStyle>
           <a:p>
-            <a:pPr indent="0" lvl="0" marL="0" rtl="0" algn="r">
+            <a:pPr marL="0" lvl="0" indent="0" algn="r" rtl="0">
               <a:spcBef>
                 <a:spcPts val="0"/>
               </a:spcBef>
@@ -3120,7 +3205,7 @@
             </a:pPr>
             <a:fld id="{00000000-1234-1234-1234-123412341234}" type="slidenum">
               <a:rPr lang="en"/>
-              <a:t>‹#›</a:t>
+              <a:t>‹Nº›</a:t>
             </a:fld>
             <a:endParaRPr/>
           </a:p>
@@ -3135,11 +3220,11 @@
 </file>
 
 <file path=ppt/slideLayouts/slideLayout3.xml><?xml version="1.0" encoding="utf-8"?>
-<p:sldLayout xmlns:a="http://schemas.openxmlformats.org/drawingml/2006/main" xmlns:r="http://schemas.openxmlformats.org/officeDocument/2006/relationships" xmlns:mc="http://schemas.openxmlformats.org/markup-compatibility/2006" xmlns:mv="urn:schemas-microsoft-com:mac:vml" xmlns:p="http://schemas.openxmlformats.org/presentationml/2006/main" xmlns:c="http://schemas.openxmlformats.org/drawingml/2006/chart" xmlns:dgm="http://schemas.openxmlformats.org/drawingml/2006/diagram" xmlns:o="urn:schemas-microsoft-com:office:office" xmlns:v="urn:schemas-microsoft-com:vml" xmlns:pvml="urn:schemas-microsoft-com:office:powerpoint" xmlns:com="http://schemas.openxmlformats.org/drawingml/2006/compatibility" xmlns:p14="http://schemas.microsoft.com/office/powerpoint/2010/main" xmlns:p15="http://schemas.microsoft.com/office/powerpoint/2012/main" xmlns:ahyp="http://schemas.microsoft.com/office/drawing/2018/hyperlinkcolor" matchingName="Title and body" type="tx">
+<p:sldLayout xmlns:a="http://schemas.openxmlformats.org/drawingml/2006/main" xmlns:r="http://schemas.openxmlformats.org/officeDocument/2006/relationships" xmlns:p="http://schemas.openxmlformats.org/presentationml/2006/main" matchingName="Title and body" type="tx">
   <p:cSld name="TITLE_AND_BODY">
     <p:spTree>
       <p:nvGrpSpPr>
-        <p:cNvPr id="25" name="Shape 25"/>
+        <p:cNvPr id="1" name="Shape 25"/>
         <p:cNvGrpSpPr/>
         <p:nvPr/>
       </p:nvGrpSpPr>
@@ -3173,12 +3258,12 @@
           </a:ln>
         </p:spPr>
         <p:txBody>
-          <a:bodyPr anchorCtr="0" anchor="ctr" bIns="91425" lIns="91425" spcFirstLastPara="1" rIns="91425" wrap="square" tIns="91425">
+          <a:bodyPr spcFirstLastPara="1" wrap="square" lIns="91425" tIns="91425" rIns="91425" bIns="91425" anchor="ctr" anchorCtr="0">
             <a:noAutofit/>
           </a:bodyPr>
           <a:lstStyle/>
           <a:p>
-            <a:pPr indent="0" lvl="0" marL="0" rtl="0" algn="l">
+            <a:pPr marL="0" lvl="0" indent="0" algn="l" rtl="0">
               <a:spcBef>
                 <a:spcPts val="0"/>
               </a:spcBef>
@@ -3187,9 +3272,6 @@
               </a:spcAft>
               <a:buNone/>
             </a:pPr>
-            <a:r>
-              <a:t/>
-            </a:r>
             <a:endParaRPr/>
           </a:p>
         </p:txBody>
@@ -3197,7 +3279,9 @@
       <p:sp>
         <p:nvSpPr>
           <p:cNvPr id="27" name="Google Shape;27;p4"/>
-          <p:cNvSpPr txBox="1"/>
+          <p:cNvSpPr txBox="1">
+            <a:spLocks noGrp="1"/>
+          </p:cNvSpPr>
           <p:nvPr>
             <p:ph type="title"/>
           </p:nvPr>
@@ -3212,7 +3296,7 @@
           </a:prstGeom>
         </p:spPr>
         <p:txBody>
-          <a:bodyPr anchorCtr="0" anchor="t" bIns="91425" lIns="91425" spcFirstLastPara="1" rIns="91425" wrap="square" tIns="91425">
+          <a:bodyPr spcFirstLastPara="1" wrap="square" lIns="91425" tIns="91425" rIns="91425" bIns="91425" anchor="t" anchorCtr="0">
             <a:noAutofit/>
           </a:bodyPr>
           <a:lstStyle>
@@ -3316,15 +3400,19 @@
               <a:defRPr/>
             </a:lvl9pPr>
           </a:lstStyle>
-          <a:p/>
+          <a:p>
+            <a:endParaRPr/>
+          </a:p>
         </p:txBody>
       </p:sp>
       <p:sp>
         <p:nvSpPr>
           <p:cNvPr id="28" name="Google Shape;28;p4"/>
-          <p:cNvSpPr txBox="1"/>
+          <p:cNvSpPr txBox="1">
+            <a:spLocks noGrp="1"/>
+          </p:cNvSpPr>
           <p:nvPr>
-            <p:ph idx="1" type="body"/>
+            <p:ph type="body" idx="1"/>
           </p:nvPr>
         </p:nvSpPr>
         <p:spPr>
@@ -3337,11 +3425,11 @@
           </a:prstGeom>
         </p:spPr>
         <p:txBody>
-          <a:bodyPr anchorCtr="0" anchor="t" bIns="91425" lIns="91425" spcFirstLastPara="1" rIns="91425" wrap="square" tIns="91425">
+          <a:bodyPr spcFirstLastPara="1" wrap="square" lIns="91425" tIns="91425" rIns="91425" bIns="91425" anchor="t" anchorCtr="0">
             <a:noAutofit/>
           </a:bodyPr>
           <a:lstStyle>
-            <a:lvl1pPr indent="-342900" lvl="0" marL="457200">
+            <a:lvl1pPr marL="457200" lvl="0" indent="-342900">
               <a:spcBef>
                 <a:spcPts val="0"/>
               </a:spcBef>
@@ -3352,7 +3440,7 @@
               <a:buChar char="●"/>
               <a:defRPr/>
             </a:lvl1pPr>
-            <a:lvl2pPr indent="-317500" lvl="1" marL="914400">
+            <a:lvl2pPr marL="914400" lvl="1" indent="-317500">
               <a:spcBef>
                 <a:spcPts val="1600"/>
               </a:spcBef>
@@ -3363,7 +3451,7 @@
               <a:buChar char="○"/>
               <a:defRPr/>
             </a:lvl2pPr>
-            <a:lvl3pPr indent="-317500" lvl="2" marL="1371600">
+            <a:lvl3pPr marL="1371600" lvl="2" indent="-317500">
               <a:spcBef>
                 <a:spcPts val="1600"/>
               </a:spcBef>
@@ -3374,7 +3462,7 @@
               <a:buChar char="■"/>
               <a:defRPr/>
             </a:lvl3pPr>
-            <a:lvl4pPr indent="-317500" lvl="3" marL="1828800">
+            <a:lvl4pPr marL="1828800" lvl="3" indent="-317500">
               <a:spcBef>
                 <a:spcPts val="1600"/>
               </a:spcBef>
@@ -3385,7 +3473,7 @@
               <a:buChar char="●"/>
               <a:defRPr/>
             </a:lvl4pPr>
-            <a:lvl5pPr indent="-317500" lvl="4" marL="2286000">
+            <a:lvl5pPr marL="2286000" lvl="4" indent="-317500">
               <a:spcBef>
                 <a:spcPts val="1600"/>
               </a:spcBef>
@@ -3396,7 +3484,7 @@
               <a:buChar char="○"/>
               <a:defRPr/>
             </a:lvl5pPr>
-            <a:lvl6pPr indent="-317500" lvl="5" marL="2743200">
+            <a:lvl6pPr marL="2743200" lvl="5" indent="-317500">
               <a:spcBef>
                 <a:spcPts val="1600"/>
               </a:spcBef>
@@ -3407,7 +3495,7 @@
               <a:buChar char="■"/>
               <a:defRPr/>
             </a:lvl6pPr>
-            <a:lvl7pPr indent="-317500" lvl="6" marL="3200400">
+            <a:lvl7pPr marL="3200400" lvl="6" indent="-317500">
               <a:spcBef>
                 <a:spcPts val="1600"/>
               </a:spcBef>
@@ -3418,7 +3506,7 @@
               <a:buChar char="●"/>
               <a:defRPr/>
             </a:lvl7pPr>
-            <a:lvl8pPr indent="-317500" lvl="7" marL="3657600">
+            <a:lvl8pPr marL="3657600" lvl="7" indent="-317500">
               <a:spcBef>
                 <a:spcPts val="1600"/>
               </a:spcBef>
@@ -3429,7 +3517,7 @@
               <a:buChar char="○"/>
               <a:defRPr/>
             </a:lvl8pPr>
-            <a:lvl9pPr indent="-317500" lvl="8" marL="4114800">
+            <a:lvl9pPr marL="4114800" lvl="8" indent="-317500">
               <a:spcBef>
                 <a:spcPts val="1600"/>
               </a:spcBef>
@@ -3441,15 +3529,19 @@
               <a:defRPr/>
             </a:lvl9pPr>
           </a:lstStyle>
-          <a:p/>
+          <a:p>
+            <a:endParaRPr/>
+          </a:p>
         </p:txBody>
       </p:sp>
       <p:sp>
         <p:nvSpPr>
           <p:cNvPr id="29" name="Google Shape;29;p4"/>
-          <p:cNvSpPr txBox="1"/>
+          <p:cNvSpPr txBox="1">
+            <a:spLocks noGrp="1"/>
+          </p:cNvSpPr>
           <p:nvPr>
-            <p:ph idx="12" type="sldNum"/>
+            <p:ph type="sldNum" idx="12"/>
           </p:nvPr>
         </p:nvSpPr>
         <p:spPr>
@@ -3462,7 +3554,7 @@
           </a:prstGeom>
         </p:spPr>
         <p:txBody>
-          <a:bodyPr anchorCtr="0" anchor="ctr" bIns="91425" lIns="91425" spcFirstLastPara="1" rIns="91425" wrap="square" tIns="91425">
+          <a:bodyPr spcFirstLastPara="1" wrap="square" lIns="91425" tIns="91425" rIns="91425" bIns="91425" anchor="ctr" anchorCtr="0">
             <a:noAutofit/>
           </a:bodyPr>
           <a:lstStyle>
@@ -3504,7 +3596,7 @@
             </a:lvl9pPr>
           </a:lstStyle>
           <a:p>
-            <a:pPr indent="0" lvl="0" marL="0" rtl="0" algn="r">
+            <a:pPr marL="0" lvl="0" indent="0" algn="r" rtl="0">
               <a:spcBef>
                 <a:spcPts val="0"/>
               </a:spcBef>
@@ -3515,7 +3607,7 @@
             </a:pPr>
             <a:fld id="{00000000-1234-1234-1234-123412341234}" type="slidenum">
               <a:rPr lang="en"/>
-              <a:t>‹#›</a:t>
+              <a:t>‹Nº›</a:t>
             </a:fld>
             <a:endParaRPr/>
           </a:p>
@@ -3530,11 +3622,11 @@
 </file>
 
 <file path=ppt/slideLayouts/slideLayout4.xml><?xml version="1.0" encoding="utf-8"?>
-<p:sldLayout xmlns:a="http://schemas.openxmlformats.org/drawingml/2006/main" xmlns:r="http://schemas.openxmlformats.org/officeDocument/2006/relationships" xmlns:mc="http://schemas.openxmlformats.org/markup-compatibility/2006" xmlns:mv="urn:schemas-microsoft-com:mac:vml" xmlns:p="http://schemas.openxmlformats.org/presentationml/2006/main" xmlns:c="http://schemas.openxmlformats.org/drawingml/2006/chart" xmlns:dgm="http://schemas.openxmlformats.org/drawingml/2006/diagram" xmlns:o="urn:schemas-microsoft-com:office:office" xmlns:v="urn:schemas-microsoft-com:vml" xmlns:pvml="urn:schemas-microsoft-com:office:powerpoint" xmlns:com="http://schemas.openxmlformats.org/drawingml/2006/compatibility" xmlns:p14="http://schemas.microsoft.com/office/powerpoint/2010/main" xmlns:p15="http://schemas.microsoft.com/office/powerpoint/2012/main" xmlns:ahyp="http://schemas.microsoft.com/office/drawing/2018/hyperlinkcolor" matchingName="Title and two columns" type="twoColTx">
+<p:sldLayout xmlns:a="http://schemas.openxmlformats.org/drawingml/2006/main" xmlns:r="http://schemas.openxmlformats.org/officeDocument/2006/relationships" xmlns:p="http://schemas.openxmlformats.org/presentationml/2006/main" matchingName="Title and two columns" type="twoColTx">
   <p:cSld name="TITLE_AND_TWO_COLUMNS">
     <p:spTree>
       <p:nvGrpSpPr>
-        <p:cNvPr id="30" name="Shape 30"/>
+        <p:cNvPr id="1" name="Shape 30"/>
         <p:cNvGrpSpPr/>
         <p:nvPr/>
       </p:nvGrpSpPr>
@@ -3549,7 +3641,9 @@
       <p:sp>
         <p:nvSpPr>
           <p:cNvPr id="31" name="Google Shape;31;p5"/>
-          <p:cNvSpPr txBox="1"/>
+          <p:cNvSpPr txBox="1">
+            <a:spLocks noGrp="1"/>
+          </p:cNvSpPr>
           <p:nvPr>
             <p:ph type="title"/>
           </p:nvPr>
@@ -3564,7 +3658,7 @@
           </a:prstGeom>
         </p:spPr>
         <p:txBody>
-          <a:bodyPr anchorCtr="0" anchor="t" bIns="91425" lIns="91425" spcFirstLastPara="1" rIns="91425" wrap="square" tIns="91425">
+          <a:bodyPr spcFirstLastPara="1" wrap="square" lIns="91425" tIns="91425" rIns="91425" bIns="91425" anchor="t" anchorCtr="0">
             <a:noAutofit/>
           </a:bodyPr>
           <a:lstStyle>
@@ -3668,15 +3762,19 @@
               <a:defRPr/>
             </a:lvl9pPr>
           </a:lstStyle>
-          <a:p/>
+          <a:p>
+            <a:endParaRPr/>
+          </a:p>
         </p:txBody>
       </p:sp>
       <p:sp>
         <p:nvSpPr>
           <p:cNvPr id="32" name="Google Shape;32;p5"/>
-          <p:cNvSpPr txBox="1"/>
+          <p:cNvSpPr txBox="1">
+            <a:spLocks noGrp="1"/>
+          </p:cNvSpPr>
           <p:nvPr>
-            <p:ph idx="1" type="body"/>
+            <p:ph type="body" idx="1"/>
           </p:nvPr>
         </p:nvSpPr>
         <p:spPr>
@@ -3689,11 +3787,11 @@
           </a:prstGeom>
         </p:spPr>
         <p:txBody>
-          <a:bodyPr anchorCtr="0" anchor="t" bIns="91425" lIns="91425" spcFirstLastPara="1" rIns="91425" wrap="square" tIns="91425">
+          <a:bodyPr spcFirstLastPara="1" wrap="square" lIns="91425" tIns="91425" rIns="91425" bIns="91425" anchor="t" anchorCtr="0">
             <a:noAutofit/>
           </a:bodyPr>
           <a:lstStyle>
-            <a:lvl1pPr indent="-317500" lvl="0" marL="457200">
+            <a:lvl1pPr marL="457200" lvl="0" indent="-317500">
               <a:spcBef>
                 <a:spcPts val="0"/>
               </a:spcBef>
@@ -3704,7 +3802,7 @@
               <a:buChar char="●"/>
               <a:defRPr sz="1400"/>
             </a:lvl1pPr>
-            <a:lvl2pPr indent="-304800" lvl="1" marL="914400">
+            <a:lvl2pPr marL="914400" lvl="1" indent="-304800">
               <a:spcBef>
                 <a:spcPts val="1600"/>
               </a:spcBef>
@@ -3715,7 +3813,7 @@
               <a:buChar char="○"/>
               <a:defRPr sz="1200"/>
             </a:lvl2pPr>
-            <a:lvl3pPr indent="-304800" lvl="2" marL="1371600">
+            <a:lvl3pPr marL="1371600" lvl="2" indent="-304800">
               <a:spcBef>
                 <a:spcPts val="1600"/>
               </a:spcBef>
@@ -3726,7 +3824,7 @@
               <a:buChar char="■"/>
               <a:defRPr sz="1200"/>
             </a:lvl3pPr>
-            <a:lvl4pPr indent="-304800" lvl="3" marL="1828800">
+            <a:lvl4pPr marL="1828800" lvl="3" indent="-304800">
               <a:spcBef>
                 <a:spcPts val="1600"/>
               </a:spcBef>
@@ -3737,7 +3835,7 @@
               <a:buChar char="●"/>
               <a:defRPr sz="1200"/>
             </a:lvl4pPr>
-            <a:lvl5pPr indent="-304800" lvl="4" marL="2286000">
+            <a:lvl5pPr marL="2286000" lvl="4" indent="-304800">
               <a:spcBef>
                 <a:spcPts val="1600"/>
               </a:spcBef>
@@ -3748,7 +3846,7 @@
               <a:buChar char="○"/>
               <a:defRPr sz="1200"/>
             </a:lvl5pPr>
-            <a:lvl6pPr indent="-304800" lvl="5" marL="2743200">
+            <a:lvl6pPr marL="2743200" lvl="5" indent="-304800">
               <a:spcBef>
                 <a:spcPts val="1600"/>
               </a:spcBef>
@@ -3759,7 +3857,7 @@
               <a:buChar char="■"/>
               <a:defRPr sz="1200"/>
             </a:lvl6pPr>
-            <a:lvl7pPr indent="-304800" lvl="6" marL="3200400">
+            <a:lvl7pPr marL="3200400" lvl="6" indent="-304800">
               <a:spcBef>
                 <a:spcPts val="1600"/>
               </a:spcBef>
@@ -3770,7 +3868,7 @@
               <a:buChar char="●"/>
               <a:defRPr sz="1200"/>
             </a:lvl7pPr>
-            <a:lvl8pPr indent="-304800" lvl="7" marL="3657600">
+            <a:lvl8pPr marL="3657600" lvl="7" indent="-304800">
               <a:spcBef>
                 <a:spcPts val="1600"/>
               </a:spcBef>
@@ -3781,7 +3879,7 @@
               <a:buChar char="○"/>
               <a:defRPr sz="1200"/>
             </a:lvl8pPr>
-            <a:lvl9pPr indent="-304800" lvl="8" marL="4114800">
+            <a:lvl9pPr marL="4114800" lvl="8" indent="-304800">
               <a:spcBef>
                 <a:spcPts val="1600"/>
               </a:spcBef>
@@ -3793,15 +3891,19 @@
               <a:defRPr sz="1200"/>
             </a:lvl9pPr>
           </a:lstStyle>
-          <a:p/>
+          <a:p>
+            <a:endParaRPr/>
+          </a:p>
         </p:txBody>
       </p:sp>
       <p:sp>
         <p:nvSpPr>
           <p:cNvPr id="33" name="Google Shape;33;p5"/>
-          <p:cNvSpPr txBox="1"/>
+          <p:cNvSpPr txBox="1">
+            <a:spLocks noGrp="1"/>
+          </p:cNvSpPr>
           <p:nvPr>
-            <p:ph idx="2" type="body"/>
+            <p:ph type="body" idx="2"/>
           </p:nvPr>
         </p:nvSpPr>
         <p:spPr>
@@ -3814,11 +3916,11 @@
           </a:prstGeom>
         </p:spPr>
         <p:txBody>
-          <a:bodyPr anchorCtr="0" anchor="t" bIns="91425" lIns="91425" spcFirstLastPara="1" rIns="91425" wrap="square" tIns="91425">
+          <a:bodyPr spcFirstLastPara="1" wrap="square" lIns="91425" tIns="91425" rIns="91425" bIns="91425" anchor="t" anchorCtr="0">
             <a:noAutofit/>
           </a:bodyPr>
           <a:lstStyle>
-            <a:lvl1pPr indent="-317500" lvl="0" marL="457200">
+            <a:lvl1pPr marL="457200" lvl="0" indent="-317500">
               <a:spcBef>
                 <a:spcPts val="0"/>
               </a:spcBef>
@@ -3829,7 +3931,7 @@
               <a:buChar char="●"/>
               <a:defRPr sz="1400"/>
             </a:lvl1pPr>
-            <a:lvl2pPr indent="-304800" lvl="1" marL="914400">
+            <a:lvl2pPr marL="914400" lvl="1" indent="-304800">
               <a:spcBef>
                 <a:spcPts val="1600"/>
               </a:spcBef>
@@ -3840,7 +3942,7 @@
               <a:buChar char="○"/>
               <a:defRPr sz="1200"/>
             </a:lvl2pPr>
-            <a:lvl3pPr indent="-304800" lvl="2" marL="1371600">
+            <a:lvl3pPr marL="1371600" lvl="2" indent="-304800">
               <a:spcBef>
                 <a:spcPts val="1600"/>
               </a:spcBef>
@@ -3851,7 +3953,7 @@
               <a:buChar char="■"/>
               <a:defRPr sz="1200"/>
             </a:lvl3pPr>
-            <a:lvl4pPr indent="-304800" lvl="3" marL="1828800">
+            <a:lvl4pPr marL="1828800" lvl="3" indent="-304800">
               <a:spcBef>
                 <a:spcPts val="1600"/>
               </a:spcBef>
@@ -3862,7 +3964,7 @@
               <a:buChar char="●"/>
               <a:defRPr sz="1200"/>
             </a:lvl4pPr>
-            <a:lvl5pPr indent="-304800" lvl="4" marL="2286000">
+            <a:lvl5pPr marL="2286000" lvl="4" indent="-304800">
               <a:spcBef>
                 <a:spcPts val="1600"/>
               </a:spcBef>
@@ -3873,7 +3975,7 @@
               <a:buChar char="○"/>
               <a:defRPr sz="1200"/>
             </a:lvl5pPr>
-            <a:lvl6pPr indent="-304800" lvl="5" marL="2743200">
+            <a:lvl6pPr marL="2743200" lvl="5" indent="-304800">
               <a:spcBef>
                 <a:spcPts val="1600"/>
               </a:spcBef>
@@ -3884,7 +3986,7 @@
               <a:buChar char="■"/>
               <a:defRPr sz="1200"/>
             </a:lvl6pPr>
-            <a:lvl7pPr indent="-304800" lvl="6" marL="3200400">
+            <a:lvl7pPr marL="3200400" lvl="6" indent="-304800">
               <a:spcBef>
                 <a:spcPts val="1600"/>
               </a:spcBef>
@@ -3895,7 +3997,7 @@
               <a:buChar char="●"/>
               <a:defRPr sz="1200"/>
             </a:lvl7pPr>
-            <a:lvl8pPr indent="-304800" lvl="7" marL="3657600">
+            <a:lvl8pPr marL="3657600" lvl="7" indent="-304800">
               <a:spcBef>
                 <a:spcPts val="1600"/>
               </a:spcBef>
@@ -3906,7 +4008,7 @@
               <a:buChar char="○"/>
               <a:defRPr sz="1200"/>
             </a:lvl8pPr>
-            <a:lvl9pPr indent="-304800" lvl="8" marL="4114800">
+            <a:lvl9pPr marL="4114800" lvl="8" indent="-304800">
               <a:spcBef>
                 <a:spcPts val="1600"/>
               </a:spcBef>
@@ -3918,15 +4020,19 @@
               <a:defRPr sz="1200"/>
             </a:lvl9pPr>
           </a:lstStyle>
-          <a:p/>
+          <a:p>
+            <a:endParaRPr/>
+          </a:p>
         </p:txBody>
       </p:sp>
       <p:sp>
         <p:nvSpPr>
           <p:cNvPr id="34" name="Google Shape;34;p5"/>
-          <p:cNvSpPr txBox="1"/>
+          <p:cNvSpPr txBox="1">
+            <a:spLocks noGrp="1"/>
+          </p:cNvSpPr>
           <p:nvPr>
-            <p:ph idx="12" type="sldNum"/>
+            <p:ph type="sldNum" idx="12"/>
           </p:nvPr>
         </p:nvSpPr>
         <p:spPr>
@@ -3939,7 +4045,7 @@
           </a:prstGeom>
         </p:spPr>
         <p:txBody>
-          <a:bodyPr anchorCtr="0" anchor="ctr" bIns="91425" lIns="91425" spcFirstLastPara="1" rIns="91425" wrap="square" tIns="91425">
+          <a:bodyPr spcFirstLastPara="1" wrap="square" lIns="91425" tIns="91425" rIns="91425" bIns="91425" anchor="ctr" anchorCtr="0">
             <a:noAutofit/>
           </a:bodyPr>
           <a:lstStyle>
@@ -3981,7 +4087,7 @@
             </a:lvl9pPr>
           </a:lstStyle>
           <a:p>
-            <a:pPr indent="0" lvl="0" marL="0" rtl="0" algn="r">
+            <a:pPr marL="0" lvl="0" indent="0" algn="r" rtl="0">
               <a:spcBef>
                 <a:spcPts val="0"/>
               </a:spcBef>
@@ -3992,7 +4098,7 @@
             </a:pPr>
             <a:fld id="{00000000-1234-1234-1234-123412341234}" type="slidenum">
               <a:rPr lang="en"/>
-              <a:t>‹#›</a:t>
+              <a:t>‹Nº›</a:t>
             </a:fld>
             <a:endParaRPr/>
           </a:p>
@@ -4007,11 +4113,11 @@
 </file>
 
 <file path=ppt/slideLayouts/slideLayout5.xml><?xml version="1.0" encoding="utf-8"?>
-<p:sldLayout xmlns:a="http://schemas.openxmlformats.org/drawingml/2006/main" xmlns:r="http://schemas.openxmlformats.org/officeDocument/2006/relationships" xmlns:mc="http://schemas.openxmlformats.org/markup-compatibility/2006" xmlns:mv="urn:schemas-microsoft-com:mac:vml" xmlns:p="http://schemas.openxmlformats.org/presentationml/2006/main" xmlns:c="http://schemas.openxmlformats.org/drawingml/2006/chart" xmlns:dgm="http://schemas.openxmlformats.org/drawingml/2006/diagram" xmlns:o="urn:schemas-microsoft-com:office:office" xmlns:v="urn:schemas-microsoft-com:vml" xmlns:pvml="urn:schemas-microsoft-com:office:powerpoint" xmlns:com="http://schemas.openxmlformats.org/drawingml/2006/compatibility" xmlns:p14="http://schemas.microsoft.com/office/powerpoint/2010/main" xmlns:p15="http://schemas.microsoft.com/office/powerpoint/2012/main" xmlns:ahyp="http://schemas.microsoft.com/office/drawing/2018/hyperlinkcolor" matchingName="Title only" type="titleOnly">
+<p:sldLayout xmlns:a="http://schemas.openxmlformats.org/drawingml/2006/main" xmlns:r="http://schemas.openxmlformats.org/officeDocument/2006/relationships" xmlns:p="http://schemas.openxmlformats.org/presentationml/2006/main" matchingName="Title only" type="titleOnly">
   <p:cSld name="TITLE_ONLY">
     <p:spTree>
       <p:nvGrpSpPr>
-        <p:cNvPr id="35" name="Shape 35"/>
+        <p:cNvPr id="1" name="Shape 35"/>
         <p:cNvGrpSpPr/>
         <p:nvPr/>
       </p:nvGrpSpPr>
@@ -4026,7 +4132,9 @@
       <p:sp>
         <p:nvSpPr>
           <p:cNvPr id="36" name="Google Shape;36;p6"/>
-          <p:cNvSpPr txBox="1"/>
+          <p:cNvSpPr txBox="1">
+            <a:spLocks noGrp="1"/>
+          </p:cNvSpPr>
           <p:nvPr>
             <p:ph type="title"/>
           </p:nvPr>
@@ -4041,7 +4149,7 @@
           </a:prstGeom>
         </p:spPr>
         <p:txBody>
-          <a:bodyPr anchorCtr="0" anchor="t" bIns="91425" lIns="91425" spcFirstLastPara="1" rIns="91425" wrap="square" tIns="91425">
+          <a:bodyPr spcFirstLastPara="1" wrap="square" lIns="91425" tIns="91425" rIns="91425" bIns="91425" anchor="t" anchorCtr="0">
             <a:noAutofit/>
           </a:bodyPr>
           <a:lstStyle>
@@ -4145,15 +4253,19 @@
               <a:defRPr/>
             </a:lvl9pPr>
           </a:lstStyle>
-          <a:p/>
+          <a:p>
+            <a:endParaRPr/>
+          </a:p>
         </p:txBody>
       </p:sp>
       <p:sp>
         <p:nvSpPr>
           <p:cNvPr id="37" name="Google Shape;37;p6"/>
-          <p:cNvSpPr txBox="1"/>
+          <p:cNvSpPr txBox="1">
+            <a:spLocks noGrp="1"/>
+          </p:cNvSpPr>
           <p:nvPr>
-            <p:ph idx="12" type="sldNum"/>
+            <p:ph type="sldNum" idx="12"/>
           </p:nvPr>
         </p:nvSpPr>
         <p:spPr>
@@ -4166,7 +4278,7 @@
           </a:prstGeom>
         </p:spPr>
         <p:txBody>
-          <a:bodyPr anchorCtr="0" anchor="ctr" bIns="91425" lIns="91425" spcFirstLastPara="1" rIns="91425" wrap="square" tIns="91425">
+          <a:bodyPr spcFirstLastPara="1" wrap="square" lIns="91425" tIns="91425" rIns="91425" bIns="91425" anchor="ctr" anchorCtr="0">
             <a:noAutofit/>
           </a:bodyPr>
           <a:lstStyle>
@@ -4208,7 +4320,7 @@
             </a:lvl9pPr>
           </a:lstStyle>
           <a:p>
-            <a:pPr indent="0" lvl="0" marL="0" rtl="0" algn="r">
+            <a:pPr marL="0" lvl="0" indent="0" algn="r" rtl="0">
               <a:spcBef>
                 <a:spcPts val="0"/>
               </a:spcBef>
@@ -4219,7 +4331,7 @@
             </a:pPr>
             <a:fld id="{00000000-1234-1234-1234-123412341234}" type="slidenum">
               <a:rPr lang="en"/>
-              <a:t>‹#›</a:t>
+              <a:t>‹Nº›</a:t>
             </a:fld>
             <a:endParaRPr/>
           </a:p>
@@ -4234,11 +4346,11 @@
 </file>
 
 <file path=ppt/slideLayouts/slideLayout6.xml><?xml version="1.0" encoding="utf-8"?>
-<p:sldLayout xmlns:a="http://schemas.openxmlformats.org/drawingml/2006/main" xmlns:r="http://schemas.openxmlformats.org/officeDocument/2006/relationships" xmlns:mc="http://schemas.openxmlformats.org/markup-compatibility/2006" xmlns:mv="urn:schemas-microsoft-com:mac:vml" xmlns:p="http://schemas.openxmlformats.org/presentationml/2006/main" xmlns:c="http://schemas.openxmlformats.org/drawingml/2006/chart" xmlns:dgm="http://schemas.openxmlformats.org/drawingml/2006/diagram" xmlns:o="urn:schemas-microsoft-com:office:office" xmlns:v="urn:schemas-microsoft-com:vml" xmlns:pvml="urn:schemas-microsoft-com:office:powerpoint" xmlns:com="http://schemas.openxmlformats.org/drawingml/2006/compatibility" xmlns:p14="http://schemas.microsoft.com/office/powerpoint/2010/main" xmlns:p15="http://schemas.microsoft.com/office/powerpoint/2012/main" xmlns:ahyp="http://schemas.microsoft.com/office/drawing/2018/hyperlinkcolor" matchingName="One column text">
+<p:sldLayout xmlns:a="http://schemas.openxmlformats.org/drawingml/2006/main" xmlns:r="http://schemas.openxmlformats.org/officeDocument/2006/relationships" xmlns:p="http://schemas.openxmlformats.org/presentationml/2006/main" matchingName="One column text">
   <p:cSld name="ONE_COLUMN_TEXT">
     <p:spTree>
       <p:nvGrpSpPr>
-        <p:cNvPr id="38" name="Shape 38"/>
+        <p:cNvPr id="1" name="Shape 38"/>
         <p:cNvGrpSpPr/>
         <p:nvPr/>
       </p:nvGrpSpPr>
@@ -4253,7 +4365,9 @@
       <p:sp>
         <p:nvSpPr>
           <p:cNvPr id="39" name="Google Shape;39;p7"/>
-          <p:cNvSpPr txBox="1"/>
+          <p:cNvSpPr txBox="1">
+            <a:spLocks noGrp="1"/>
+          </p:cNvSpPr>
           <p:nvPr>
             <p:ph type="title"/>
           </p:nvPr>
@@ -4268,7 +4382,7 @@
           </a:prstGeom>
         </p:spPr>
         <p:txBody>
-          <a:bodyPr anchorCtr="0" anchor="b" bIns="91425" lIns="91425" spcFirstLastPara="1" rIns="91425" wrap="square" tIns="91425">
+          <a:bodyPr spcFirstLastPara="1" wrap="square" lIns="91425" tIns="91425" rIns="91425" bIns="91425" anchor="b" anchorCtr="0">
             <a:noAutofit/>
           </a:bodyPr>
           <a:lstStyle>
@@ -4372,15 +4486,19 @@
               <a:defRPr sz="2400"/>
             </a:lvl9pPr>
           </a:lstStyle>
-          <a:p/>
+          <a:p>
+            <a:endParaRPr/>
+          </a:p>
         </p:txBody>
       </p:sp>
       <p:sp>
         <p:nvSpPr>
           <p:cNvPr id="40" name="Google Shape;40;p7"/>
-          <p:cNvSpPr txBox="1"/>
+          <p:cNvSpPr txBox="1">
+            <a:spLocks noGrp="1"/>
+          </p:cNvSpPr>
           <p:nvPr>
-            <p:ph idx="1" type="body"/>
+            <p:ph type="body" idx="1"/>
           </p:nvPr>
         </p:nvSpPr>
         <p:spPr>
@@ -4393,11 +4511,11 @@
           </a:prstGeom>
         </p:spPr>
         <p:txBody>
-          <a:bodyPr anchorCtr="0" anchor="t" bIns="91425" lIns="91425" spcFirstLastPara="1" rIns="91425" wrap="square" tIns="91425">
+          <a:bodyPr spcFirstLastPara="1" wrap="square" lIns="91425" tIns="91425" rIns="91425" bIns="91425" anchor="t" anchorCtr="0">
             <a:noAutofit/>
           </a:bodyPr>
           <a:lstStyle>
-            <a:lvl1pPr indent="-304800" lvl="0" marL="457200">
+            <a:lvl1pPr marL="457200" lvl="0" indent="-304800">
               <a:spcBef>
                 <a:spcPts val="0"/>
               </a:spcBef>
@@ -4408,7 +4526,7 @@
               <a:buChar char="●"/>
               <a:defRPr sz="1200"/>
             </a:lvl1pPr>
-            <a:lvl2pPr indent="-304800" lvl="1" marL="914400">
+            <a:lvl2pPr marL="914400" lvl="1" indent="-304800">
               <a:spcBef>
                 <a:spcPts val="1600"/>
               </a:spcBef>
@@ -4419,7 +4537,7 @@
               <a:buChar char="○"/>
               <a:defRPr sz="1200"/>
             </a:lvl2pPr>
-            <a:lvl3pPr indent="-304800" lvl="2" marL="1371600">
+            <a:lvl3pPr marL="1371600" lvl="2" indent="-304800">
               <a:spcBef>
                 <a:spcPts val="1600"/>
               </a:spcBef>
@@ -4430,7 +4548,7 @@
               <a:buChar char="■"/>
               <a:defRPr sz="1200"/>
             </a:lvl3pPr>
-            <a:lvl4pPr indent="-304800" lvl="3" marL="1828800">
+            <a:lvl4pPr marL="1828800" lvl="3" indent="-304800">
               <a:spcBef>
                 <a:spcPts val="1600"/>
               </a:spcBef>
@@ -4441,7 +4559,7 @@
               <a:buChar char="●"/>
               <a:defRPr sz="1200"/>
             </a:lvl4pPr>
-            <a:lvl5pPr indent="-304800" lvl="4" marL="2286000">
+            <a:lvl5pPr marL="2286000" lvl="4" indent="-304800">
               <a:spcBef>
                 <a:spcPts val="1600"/>
               </a:spcBef>
@@ -4452,7 +4570,7 @@
               <a:buChar char="○"/>
               <a:defRPr sz="1200"/>
             </a:lvl5pPr>
-            <a:lvl6pPr indent="-304800" lvl="5" marL="2743200">
+            <a:lvl6pPr marL="2743200" lvl="5" indent="-304800">
               <a:spcBef>
                 <a:spcPts val="1600"/>
               </a:spcBef>
@@ -4463,7 +4581,7 @@
               <a:buChar char="■"/>
               <a:defRPr sz="1200"/>
             </a:lvl6pPr>
-            <a:lvl7pPr indent="-304800" lvl="6" marL="3200400">
+            <a:lvl7pPr marL="3200400" lvl="6" indent="-304800">
               <a:spcBef>
                 <a:spcPts val="1600"/>
               </a:spcBef>
@@ -4474,7 +4592,7 @@
               <a:buChar char="●"/>
               <a:defRPr sz="1200"/>
             </a:lvl7pPr>
-            <a:lvl8pPr indent="-304800" lvl="7" marL="3657600">
+            <a:lvl8pPr marL="3657600" lvl="7" indent="-304800">
               <a:spcBef>
                 <a:spcPts val="1600"/>
               </a:spcBef>
@@ -4485,7 +4603,7 @@
               <a:buChar char="○"/>
               <a:defRPr sz="1200"/>
             </a:lvl8pPr>
-            <a:lvl9pPr indent="-304800" lvl="8" marL="4114800">
+            <a:lvl9pPr marL="4114800" lvl="8" indent="-304800">
               <a:spcBef>
                 <a:spcPts val="1600"/>
               </a:spcBef>
@@ -4497,15 +4615,19 @@
               <a:defRPr sz="1200"/>
             </a:lvl9pPr>
           </a:lstStyle>
-          <a:p/>
+          <a:p>
+            <a:endParaRPr/>
+          </a:p>
         </p:txBody>
       </p:sp>
       <p:sp>
         <p:nvSpPr>
           <p:cNvPr id="41" name="Google Shape;41;p7"/>
-          <p:cNvSpPr txBox="1"/>
+          <p:cNvSpPr txBox="1">
+            <a:spLocks noGrp="1"/>
+          </p:cNvSpPr>
           <p:nvPr>
-            <p:ph idx="12" type="sldNum"/>
+            <p:ph type="sldNum" idx="12"/>
           </p:nvPr>
         </p:nvSpPr>
         <p:spPr>
@@ -4518,7 +4640,7 @@
           </a:prstGeom>
         </p:spPr>
         <p:txBody>
-          <a:bodyPr anchorCtr="0" anchor="ctr" bIns="91425" lIns="91425" spcFirstLastPara="1" rIns="91425" wrap="square" tIns="91425">
+          <a:bodyPr spcFirstLastPara="1" wrap="square" lIns="91425" tIns="91425" rIns="91425" bIns="91425" anchor="ctr" anchorCtr="0">
             <a:noAutofit/>
           </a:bodyPr>
           <a:lstStyle>
@@ -4560,7 +4682,7 @@
             </a:lvl9pPr>
           </a:lstStyle>
           <a:p>
-            <a:pPr indent="0" lvl="0" marL="0" rtl="0" algn="r">
+            <a:pPr marL="0" lvl="0" indent="0" algn="r" rtl="0">
               <a:spcBef>
                 <a:spcPts val="0"/>
               </a:spcBef>
@@ -4571,7 +4693,7 @@
             </a:pPr>
             <a:fld id="{00000000-1234-1234-1234-123412341234}" type="slidenum">
               <a:rPr lang="en"/>
-              <a:t>‹#›</a:t>
+              <a:t>‹Nº›</a:t>
             </a:fld>
             <a:endParaRPr/>
           </a:p>
@@ -4586,18 +4708,19 @@
 </file>
 
 <file path=ppt/slideLayouts/slideLayout7.xml><?xml version="1.0" encoding="utf-8"?>
-<p:sldLayout xmlns:a="http://schemas.openxmlformats.org/drawingml/2006/main" xmlns:r="http://schemas.openxmlformats.org/officeDocument/2006/relationships" xmlns:mc="http://schemas.openxmlformats.org/markup-compatibility/2006" xmlns:mv="urn:schemas-microsoft-com:mac:vml" xmlns:p="http://schemas.openxmlformats.org/presentationml/2006/main" xmlns:c="http://schemas.openxmlformats.org/drawingml/2006/chart" xmlns:dgm="http://schemas.openxmlformats.org/drawingml/2006/diagram" xmlns:o="urn:schemas-microsoft-com:office:office" xmlns:v="urn:schemas-microsoft-com:vml" xmlns:pvml="urn:schemas-microsoft-com:office:powerpoint" xmlns:com="http://schemas.openxmlformats.org/drawingml/2006/compatibility" xmlns:p14="http://schemas.microsoft.com/office/powerpoint/2010/main" xmlns:p15="http://schemas.microsoft.com/office/powerpoint/2012/main" xmlns:ahyp="http://schemas.microsoft.com/office/drawing/2018/hyperlinkcolor" matchingName="Main point">
+<p:sldLayout xmlns:a="http://schemas.openxmlformats.org/drawingml/2006/main" xmlns:r="http://schemas.openxmlformats.org/officeDocument/2006/relationships" xmlns:p="http://schemas.openxmlformats.org/presentationml/2006/main" matchingName="Main point">
   <p:cSld name="MAIN_POINT">
     <p:bg>
       <p:bgPr>
         <a:solidFill>
           <a:schemeClr val="accent6"/>
         </a:solidFill>
+        <a:effectLst/>
       </p:bgPr>
     </p:bg>
     <p:spTree>
       <p:nvGrpSpPr>
-        <p:cNvPr id="42" name="Shape 42"/>
+        <p:cNvPr id="1" name="Shape 42"/>
         <p:cNvGrpSpPr/>
         <p:nvPr/>
       </p:nvGrpSpPr>
@@ -4612,7 +4735,9 @@
       <p:sp>
         <p:nvSpPr>
           <p:cNvPr id="43" name="Google Shape;43;p8"/>
-          <p:cNvSpPr txBox="1"/>
+          <p:cNvSpPr txBox="1">
+            <a:spLocks noGrp="1"/>
+          </p:cNvSpPr>
           <p:nvPr>
             <p:ph type="title"/>
           </p:nvPr>
@@ -4627,7 +4752,7 @@
           </a:prstGeom>
         </p:spPr>
         <p:txBody>
-          <a:bodyPr anchorCtr="0" anchor="ctr" bIns="91425" lIns="91425" spcFirstLastPara="1" rIns="91425" wrap="square" tIns="91425">
+          <a:bodyPr spcFirstLastPara="1" wrap="square" lIns="91425" tIns="91425" rIns="91425" bIns="91425" anchor="ctr" anchorCtr="0">
             <a:noAutofit/>
           </a:bodyPr>
           <a:lstStyle>
@@ -4643,7 +4768,7 @@
               </a:buClr>
               <a:buSzPts val="5400"/>
               <a:buNone/>
-              <a:defRPr b="0" sz="5400">
+              <a:defRPr sz="5400" b="0">
                 <a:solidFill>
                   <a:schemeClr val="dk2"/>
                 </a:solidFill>
@@ -4661,7 +4786,7 @@
               </a:buClr>
               <a:buSzPts val="5400"/>
               <a:buNone/>
-              <a:defRPr b="0" sz="5400">
+              <a:defRPr sz="5400" b="0">
                 <a:solidFill>
                   <a:schemeClr val="dk2"/>
                 </a:solidFill>
@@ -4679,7 +4804,7 @@
               </a:buClr>
               <a:buSzPts val="5400"/>
               <a:buNone/>
-              <a:defRPr b="0" sz="5400">
+              <a:defRPr sz="5400" b="0">
                 <a:solidFill>
                   <a:schemeClr val="dk2"/>
                 </a:solidFill>
@@ -4697,7 +4822,7 @@
               </a:buClr>
               <a:buSzPts val="5400"/>
               <a:buNone/>
-              <a:defRPr b="0" sz="5400">
+              <a:defRPr sz="5400" b="0">
                 <a:solidFill>
                   <a:schemeClr val="dk2"/>
                 </a:solidFill>
@@ -4715,7 +4840,7 @@
               </a:buClr>
               <a:buSzPts val="5400"/>
               <a:buNone/>
-              <a:defRPr b="0" sz="5400">
+              <a:defRPr sz="5400" b="0">
                 <a:solidFill>
                   <a:schemeClr val="dk2"/>
                 </a:solidFill>
@@ -4733,7 +4858,7 @@
               </a:buClr>
               <a:buSzPts val="5400"/>
               <a:buNone/>
-              <a:defRPr b="0" sz="5400">
+              <a:defRPr sz="5400" b="0">
                 <a:solidFill>
                   <a:schemeClr val="dk2"/>
                 </a:solidFill>
@@ -4751,7 +4876,7 @@
               </a:buClr>
               <a:buSzPts val="5400"/>
               <a:buNone/>
-              <a:defRPr b="0" sz="5400">
+              <a:defRPr sz="5400" b="0">
                 <a:solidFill>
                   <a:schemeClr val="dk2"/>
                 </a:solidFill>
@@ -4769,7 +4894,7 @@
               </a:buClr>
               <a:buSzPts val="5400"/>
               <a:buNone/>
-              <a:defRPr b="0" sz="5400">
+              <a:defRPr sz="5400" b="0">
                 <a:solidFill>
                   <a:schemeClr val="dk2"/>
                 </a:solidFill>
@@ -4787,22 +4912,26 @@
               </a:buClr>
               <a:buSzPts val="5400"/>
               <a:buNone/>
-              <a:defRPr b="0" sz="5400">
+              <a:defRPr sz="5400" b="0">
                 <a:solidFill>
                   <a:schemeClr val="dk2"/>
                 </a:solidFill>
               </a:defRPr>
             </a:lvl9pPr>
           </a:lstStyle>
-          <a:p/>
+          <a:p>
+            <a:endParaRPr/>
+          </a:p>
         </p:txBody>
       </p:sp>
       <p:sp>
         <p:nvSpPr>
           <p:cNvPr id="44" name="Google Shape;44;p8"/>
-          <p:cNvSpPr txBox="1"/>
+          <p:cNvSpPr txBox="1">
+            <a:spLocks noGrp="1"/>
+          </p:cNvSpPr>
           <p:nvPr>
-            <p:ph idx="12" type="sldNum"/>
+            <p:ph type="sldNum" idx="12"/>
           </p:nvPr>
         </p:nvSpPr>
         <p:spPr>
@@ -4815,7 +4944,7 @@
           </a:prstGeom>
         </p:spPr>
         <p:txBody>
-          <a:bodyPr anchorCtr="0" anchor="ctr" bIns="91425" lIns="91425" spcFirstLastPara="1" rIns="91425" wrap="square" tIns="91425">
+          <a:bodyPr spcFirstLastPara="1" wrap="square" lIns="91425" tIns="91425" rIns="91425" bIns="91425" anchor="ctr" anchorCtr="0">
             <a:noAutofit/>
           </a:bodyPr>
           <a:lstStyle>
@@ -4857,7 +4986,7 @@
             </a:lvl9pPr>
           </a:lstStyle>
           <a:p>
-            <a:pPr indent="0" lvl="0" marL="0" rtl="0" algn="r">
+            <a:pPr marL="0" lvl="0" indent="0" algn="r" rtl="0">
               <a:spcBef>
                 <a:spcPts val="0"/>
               </a:spcBef>
@@ -4868,7 +4997,7 @@
             </a:pPr>
             <a:fld id="{00000000-1234-1234-1234-123412341234}" type="slidenum">
               <a:rPr lang="en"/>
-              <a:t>‹#›</a:t>
+              <a:t>‹Nº›</a:t>
             </a:fld>
             <a:endParaRPr/>
           </a:p>
@@ -4883,11 +5012,11 @@
 </file>
 
 <file path=ppt/slideLayouts/slideLayout8.xml><?xml version="1.0" encoding="utf-8"?>
-<p:sldLayout xmlns:a="http://schemas.openxmlformats.org/drawingml/2006/main" xmlns:r="http://schemas.openxmlformats.org/officeDocument/2006/relationships" xmlns:mc="http://schemas.openxmlformats.org/markup-compatibility/2006" xmlns:mv="urn:schemas-microsoft-com:mac:vml" xmlns:p="http://schemas.openxmlformats.org/presentationml/2006/main" xmlns:c="http://schemas.openxmlformats.org/drawingml/2006/chart" xmlns:dgm="http://schemas.openxmlformats.org/drawingml/2006/diagram" xmlns:o="urn:schemas-microsoft-com:office:office" xmlns:v="urn:schemas-microsoft-com:vml" xmlns:pvml="urn:schemas-microsoft-com:office:powerpoint" xmlns:com="http://schemas.openxmlformats.org/drawingml/2006/compatibility" xmlns:p14="http://schemas.microsoft.com/office/powerpoint/2010/main" xmlns:p15="http://schemas.microsoft.com/office/powerpoint/2012/main" xmlns:ahyp="http://schemas.microsoft.com/office/drawing/2018/hyperlinkcolor" matchingName="Section title and description">
+<p:sldLayout xmlns:a="http://schemas.openxmlformats.org/drawingml/2006/main" xmlns:r="http://schemas.openxmlformats.org/officeDocument/2006/relationships" xmlns:p="http://schemas.openxmlformats.org/presentationml/2006/main" matchingName="Section title and description">
   <p:cSld name="SECTION_TITLE_AND_DESCRIPTION">
     <p:spTree>
       <p:nvGrpSpPr>
-        <p:cNvPr id="45" name="Shape 45"/>
+        <p:cNvPr id="1" name="Shape 45"/>
         <p:cNvGrpSpPr/>
         <p:nvPr/>
       </p:nvGrpSpPr>
@@ -4921,12 +5050,12 @@
           </a:ln>
         </p:spPr>
         <p:txBody>
-          <a:bodyPr anchorCtr="0" anchor="ctr" bIns="91425" lIns="91425" spcFirstLastPara="1" rIns="91425" wrap="square" tIns="91425">
+          <a:bodyPr spcFirstLastPara="1" wrap="square" lIns="91425" tIns="91425" rIns="91425" bIns="91425" anchor="ctr" anchorCtr="0">
             <a:noAutofit/>
           </a:bodyPr>
           <a:lstStyle/>
           <a:p>
-            <a:pPr indent="0" lvl="0" marL="0" rtl="0" algn="l">
+            <a:pPr marL="0" lvl="0" indent="0" algn="l" rtl="0">
               <a:spcBef>
                 <a:spcPts val="0"/>
               </a:spcBef>
@@ -4935,9 +5064,6 @@
               </a:spcAft>
               <a:buNone/>
             </a:pPr>
-            <a:r>
-              <a:t/>
-            </a:r>
             <a:endParaRPr/>
           </a:p>
         </p:txBody>
@@ -4957,21 +5083,23 @@
             <a:avLst/>
           </a:prstGeom>
           <a:noFill/>
-          <a:ln cap="flat" cmpd="sng" w="19050">
+          <a:ln w="19050" cap="flat" cmpd="sng">
             <a:solidFill>
               <a:schemeClr val="lt1"/>
             </a:solidFill>
             <a:prstDash val="solid"/>
             <a:round/>
-            <a:headEnd len="sm" w="sm" type="none"/>
-            <a:tailEnd len="sm" w="sm" type="none"/>
+            <a:headEnd type="none" w="sm" len="sm"/>
+            <a:tailEnd type="none" w="sm" len="sm"/>
           </a:ln>
         </p:spPr>
       </p:cxnSp>
       <p:sp>
         <p:nvSpPr>
           <p:cNvPr id="48" name="Google Shape;48;p9"/>
-          <p:cNvSpPr txBox="1"/>
+          <p:cNvSpPr txBox="1">
+            <a:spLocks noGrp="1"/>
+          </p:cNvSpPr>
           <p:nvPr>
             <p:ph type="title"/>
           </p:nvPr>
@@ -4986,7 +5114,7 @@
           </a:prstGeom>
         </p:spPr>
         <p:txBody>
-          <a:bodyPr anchorCtr="0" anchor="b" bIns="91425" lIns="91425" spcFirstLastPara="1" rIns="91425" wrap="square" tIns="91425">
+          <a:bodyPr spcFirstLastPara="1" wrap="square" lIns="91425" tIns="91425" rIns="91425" bIns="91425" anchor="b" anchorCtr="0">
             <a:noAutofit/>
           </a:bodyPr>
           <a:lstStyle>
@@ -5090,15 +5218,19 @@
               <a:defRPr sz="4200"/>
             </a:lvl9pPr>
           </a:lstStyle>
-          <a:p/>
+          <a:p>
+            <a:endParaRPr/>
+          </a:p>
         </p:txBody>
       </p:sp>
       <p:sp>
         <p:nvSpPr>
           <p:cNvPr id="49" name="Google Shape;49;p9"/>
-          <p:cNvSpPr txBox="1"/>
+          <p:cNvSpPr txBox="1">
+            <a:spLocks noGrp="1"/>
+          </p:cNvSpPr>
           <p:nvPr>
-            <p:ph idx="1" type="subTitle"/>
+            <p:ph type="subTitle" idx="1"/>
           </p:nvPr>
         </p:nvSpPr>
         <p:spPr>
@@ -5111,7 +5243,7 @@
           </a:prstGeom>
         </p:spPr>
         <p:txBody>
-          <a:bodyPr anchorCtr="0" anchor="t" bIns="91425" lIns="91425" spcFirstLastPara="1" rIns="91425" wrap="square" tIns="91425">
+          <a:bodyPr spcFirstLastPara="1" wrap="square" lIns="91425" tIns="91425" rIns="91425" bIns="91425" anchor="t" anchorCtr="0">
             <a:noAutofit/>
           </a:bodyPr>
           <a:lstStyle>
@@ -5242,15 +5374,19 @@
               <a:defRPr sz="2100"/>
             </a:lvl9pPr>
           </a:lstStyle>
-          <a:p/>
+          <a:p>
+            <a:endParaRPr/>
+          </a:p>
         </p:txBody>
       </p:sp>
       <p:sp>
         <p:nvSpPr>
           <p:cNvPr id="50" name="Google Shape;50;p9"/>
-          <p:cNvSpPr txBox="1"/>
+          <p:cNvSpPr txBox="1">
+            <a:spLocks noGrp="1"/>
+          </p:cNvSpPr>
           <p:nvPr>
-            <p:ph idx="2" type="body"/>
+            <p:ph type="body" idx="2"/>
           </p:nvPr>
         </p:nvSpPr>
         <p:spPr>
@@ -5263,11 +5399,11 @@
           </a:prstGeom>
         </p:spPr>
         <p:txBody>
-          <a:bodyPr anchorCtr="0" anchor="ctr" bIns="91425" lIns="91425" spcFirstLastPara="1" rIns="91425" wrap="square" tIns="91425">
+          <a:bodyPr spcFirstLastPara="1" wrap="square" lIns="91425" tIns="91425" rIns="91425" bIns="91425" anchor="ctr" anchorCtr="0">
             <a:noAutofit/>
           </a:bodyPr>
           <a:lstStyle>
-            <a:lvl1pPr indent="-342900" lvl="0" marL="457200">
+            <a:lvl1pPr marL="457200" lvl="0" indent="-342900">
               <a:spcBef>
                 <a:spcPts val="0"/>
               </a:spcBef>
@@ -5285,7 +5421,7 @@
                 </a:solidFill>
               </a:defRPr>
             </a:lvl1pPr>
-            <a:lvl2pPr indent="-317500" lvl="1" marL="914400">
+            <a:lvl2pPr marL="914400" lvl="1" indent="-317500">
               <a:spcBef>
                 <a:spcPts val="1600"/>
               </a:spcBef>
@@ -5303,7 +5439,7 @@
                 </a:solidFill>
               </a:defRPr>
             </a:lvl2pPr>
-            <a:lvl3pPr indent="-317500" lvl="2" marL="1371600">
+            <a:lvl3pPr marL="1371600" lvl="2" indent="-317500">
               <a:spcBef>
                 <a:spcPts val="1600"/>
               </a:spcBef>
@@ -5321,7 +5457,7 @@
                 </a:solidFill>
               </a:defRPr>
             </a:lvl3pPr>
-            <a:lvl4pPr indent="-317500" lvl="3" marL="1828800">
+            <a:lvl4pPr marL="1828800" lvl="3" indent="-317500">
               <a:spcBef>
                 <a:spcPts val="1600"/>
               </a:spcBef>
@@ -5339,7 +5475,7 @@
                 </a:solidFill>
               </a:defRPr>
             </a:lvl4pPr>
-            <a:lvl5pPr indent="-317500" lvl="4" marL="2286000">
+            <a:lvl5pPr marL="2286000" lvl="4" indent="-317500">
               <a:spcBef>
                 <a:spcPts val="1600"/>
               </a:spcBef>
@@ -5357,7 +5493,7 @@
                 </a:solidFill>
               </a:defRPr>
             </a:lvl5pPr>
-            <a:lvl6pPr indent="-317500" lvl="5" marL="2743200">
+            <a:lvl6pPr marL="2743200" lvl="5" indent="-317500">
               <a:spcBef>
                 <a:spcPts val="1600"/>
               </a:spcBef>
@@ -5375,7 +5511,7 @@
                 </a:solidFill>
               </a:defRPr>
             </a:lvl6pPr>
-            <a:lvl7pPr indent="-317500" lvl="6" marL="3200400">
+            <a:lvl7pPr marL="3200400" lvl="6" indent="-317500">
               <a:spcBef>
                 <a:spcPts val="1600"/>
               </a:spcBef>
@@ -5393,7 +5529,7 @@
                 </a:solidFill>
               </a:defRPr>
             </a:lvl7pPr>
-            <a:lvl8pPr indent="-317500" lvl="7" marL="3657600">
+            <a:lvl8pPr marL="3657600" lvl="7" indent="-317500">
               <a:spcBef>
                 <a:spcPts val="1600"/>
               </a:spcBef>
@@ -5411,7 +5547,7 @@
                 </a:solidFill>
               </a:defRPr>
             </a:lvl8pPr>
-            <a:lvl9pPr indent="-317500" lvl="8" marL="4114800">
+            <a:lvl9pPr marL="4114800" lvl="8" indent="-317500">
               <a:spcBef>
                 <a:spcPts val="1600"/>
               </a:spcBef>
@@ -5430,15 +5566,19 @@
               </a:defRPr>
             </a:lvl9pPr>
           </a:lstStyle>
-          <a:p/>
+          <a:p>
+            <a:endParaRPr/>
+          </a:p>
         </p:txBody>
       </p:sp>
       <p:sp>
         <p:nvSpPr>
           <p:cNvPr id="51" name="Google Shape;51;p9"/>
-          <p:cNvSpPr txBox="1"/>
+          <p:cNvSpPr txBox="1">
+            <a:spLocks noGrp="1"/>
+          </p:cNvSpPr>
           <p:nvPr>
-            <p:ph idx="12" type="sldNum"/>
+            <p:ph type="sldNum" idx="12"/>
           </p:nvPr>
         </p:nvSpPr>
         <p:spPr>
@@ -5451,7 +5591,7 @@
           </a:prstGeom>
         </p:spPr>
         <p:txBody>
-          <a:bodyPr anchorCtr="0" anchor="ctr" bIns="91425" lIns="91425" spcFirstLastPara="1" rIns="91425" wrap="square" tIns="91425">
+          <a:bodyPr spcFirstLastPara="1" wrap="square" lIns="91425" tIns="91425" rIns="91425" bIns="91425" anchor="ctr" anchorCtr="0">
             <a:noAutofit/>
           </a:bodyPr>
           <a:lstStyle>
@@ -5529,7 +5669,7 @@
             </a:lvl9pPr>
           </a:lstStyle>
           <a:p>
-            <a:pPr indent="0" lvl="0" marL="0" rtl="0" algn="r">
+            <a:pPr marL="0" lvl="0" indent="0" algn="r" rtl="0">
               <a:spcBef>
                 <a:spcPts val="0"/>
               </a:spcBef>
@@ -5540,7 +5680,7 @@
             </a:pPr>
             <a:fld id="{00000000-1234-1234-1234-123412341234}" type="slidenum">
               <a:rPr lang="en"/>
-              <a:t>‹#›</a:t>
+              <a:t>‹Nº›</a:t>
             </a:fld>
             <a:endParaRPr/>
           </a:p>
@@ -5555,11 +5695,11 @@
 </file>
 
 <file path=ppt/slideLayouts/slideLayout9.xml><?xml version="1.0" encoding="utf-8"?>
-<p:sldLayout xmlns:a="http://schemas.openxmlformats.org/drawingml/2006/main" xmlns:r="http://schemas.openxmlformats.org/officeDocument/2006/relationships" xmlns:mc="http://schemas.openxmlformats.org/markup-compatibility/2006" xmlns:mv="urn:schemas-microsoft-com:mac:vml" xmlns:p="http://schemas.openxmlformats.org/presentationml/2006/main" xmlns:c="http://schemas.openxmlformats.org/drawingml/2006/chart" xmlns:dgm="http://schemas.openxmlformats.org/drawingml/2006/diagram" xmlns:o="urn:schemas-microsoft-com:office:office" xmlns:v="urn:schemas-microsoft-com:vml" xmlns:pvml="urn:schemas-microsoft-com:office:powerpoint" xmlns:com="http://schemas.openxmlformats.org/drawingml/2006/compatibility" xmlns:p14="http://schemas.microsoft.com/office/powerpoint/2010/main" xmlns:p15="http://schemas.microsoft.com/office/powerpoint/2012/main" xmlns:ahyp="http://schemas.microsoft.com/office/drawing/2018/hyperlinkcolor" matchingName="Caption">
+<p:sldLayout xmlns:a="http://schemas.openxmlformats.org/drawingml/2006/main" xmlns:r="http://schemas.openxmlformats.org/officeDocument/2006/relationships" xmlns:p="http://schemas.openxmlformats.org/presentationml/2006/main" matchingName="Caption">
   <p:cSld name="CAPTION_ONLY">
     <p:spTree>
       <p:nvGrpSpPr>
-        <p:cNvPr id="52" name="Shape 52"/>
+        <p:cNvPr id="1" name="Shape 52"/>
         <p:cNvGrpSpPr/>
         <p:nvPr/>
       </p:nvGrpSpPr>
@@ -5574,9 +5714,11 @@
       <p:sp>
         <p:nvSpPr>
           <p:cNvPr id="53" name="Google Shape;53;p10"/>
-          <p:cNvSpPr txBox="1"/>
+          <p:cNvSpPr txBox="1">
+            <a:spLocks noGrp="1"/>
+          </p:cNvSpPr>
           <p:nvPr>
-            <p:ph idx="1" type="body"/>
+            <p:ph type="body" idx="1"/>
           </p:nvPr>
         </p:nvSpPr>
         <p:spPr>
@@ -5589,11 +5731,11 @@
           </a:prstGeom>
         </p:spPr>
         <p:txBody>
-          <a:bodyPr anchorCtr="0" anchor="ctr" bIns="91425" lIns="91425" spcFirstLastPara="1" rIns="91425" wrap="square" tIns="91425">
+          <a:bodyPr spcFirstLastPara="1" wrap="square" lIns="91425" tIns="91425" rIns="91425" bIns="91425" anchor="ctr" anchorCtr="0">
             <a:noAutofit/>
           </a:bodyPr>
           <a:lstStyle>
-            <a:lvl1pPr indent="-228600" lvl="0" marL="457200">
+            <a:lvl1pPr marL="457200" lvl="0" indent="-228600">
               <a:lnSpc>
                 <a:spcPct val="100000"/>
               </a:lnSpc>
@@ -5614,15 +5756,19 @@
               </a:defRPr>
             </a:lvl1pPr>
           </a:lstStyle>
-          <a:p/>
+          <a:p>
+            <a:endParaRPr/>
+          </a:p>
         </p:txBody>
       </p:sp>
       <p:sp>
         <p:nvSpPr>
           <p:cNvPr id="54" name="Google Shape;54;p10"/>
-          <p:cNvSpPr txBox="1"/>
+          <p:cNvSpPr txBox="1">
+            <a:spLocks noGrp="1"/>
+          </p:cNvSpPr>
           <p:nvPr>
-            <p:ph idx="12" type="sldNum"/>
+            <p:ph type="sldNum" idx="12"/>
           </p:nvPr>
         </p:nvSpPr>
         <p:spPr>
@@ -5635,7 +5781,7 @@
           </a:prstGeom>
         </p:spPr>
         <p:txBody>
-          <a:bodyPr anchorCtr="0" anchor="ctr" bIns="91425" lIns="91425" spcFirstLastPara="1" rIns="91425" wrap="square" tIns="91425">
+          <a:bodyPr spcFirstLastPara="1" wrap="square" lIns="91425" tIns="91425" rIns="91425" bIns="91425" anchor="ctr" anchorCtr="0">
             <a:noAutofit/>
           </a:bodyPr>
           <a:lstStyle>
@@ -5677,7 +5823,7 @@
             </a:lvl9pPr>
           </a:lstStyle>
           <a:p>
-            <a:pPr indent="0" lvl="0" marL="0" rtl="0" algn="r">
+            <a:pPr marL="0" lvl="0" indent="0" algn="r" rtl="0">
               <a:spcBef>
                 <a:spcPts val="0"/>
               </a:spcBef>
@@ -5688,7 +5834,7 @@
             </a:pPr>
             <a:fld id="{00000000-1234-1234-1234-123412341234}" type="slidenum">
               <a:rPr lang="en"/>
-              <a:t>‹#›</a:t>
+              <a:t>‹Nº›</a:t>
             </a:fld>
             <a:endParaRPr/>
           </a:p>
@@ -5703,18 +5849,19 @@
 </file>
 
 <file path=ppt/slideMasters/slideMaster1.xml><?xml version="1.0" encoding="utf-8"?>
-<p:sldMaster xmlns:a="http://schemas.openxmlformats.org/drawingml/2006/main" xmlns:r="http://schemas.openxmlformats.org/officeDocument/2006/relationships" xmlns:mc="http://schemas.openxmlformats.org/markup-compatibility/2006" xmlns:mv="urn:schemas-microsoft-com:mac:vml" xmlns:p="http://schemas.openxmlformats.org/presentationml/2006/main" xmlns:c="http://schemas.openxmlformats.org/drawingml/2006/chart" xmlns:dgm="http://schemas.openxmlformats.org/drawingml/2006/diagram" xmlns:o="urn:schemas-microsoft-com:office:office" xmlns:v="urn:schemas-microsoft-com:vml" xmlns:pvml="urn:schemas-microsoft-com:office:powerpoint" xmlns:com="http://schemas.openxmlformats.org/drawingml/2006/compatibility" xmlns:p14="http://schemas.microsoft.com/office/powerpoint/2010/main" xmlns:p15="http://schemas.microsoft.com/office/powerpoint/2012/main" xmlns:ahyp="http://schemas.microsoft.com/office/drawing/2018/hyperlinkcolor">
+<p:sldMaster xmlns:a="http://schemas.openxmlformats.org/drawingml/2006/main" xmlns:r="http://schemas.openxmlformats.org/officeDocument/2006/relationships" xmlns:p="http://schemas.openxmlformats.org/presentationml/2006/main">
   <p:cSld name="tropic">
     <p:bg>
       <p:bgPr>
         <a:solidFill>
           <a:schemeClr val="lt1"/>
         </a:solidFill>
+        <a:effectLst/>
       </p:bgPr>
     </p:bg>
     <p:spTree>
       <p:nvGrpSpPr>
-        <p:cNvPr id="5" name="Shape 5"/>
+        <p:cNvPr id="1" name="Shape 5"/>
         <p:cNvGrpSpPr/>
         <p:nvPr/>
       </p:nvGrpSpPr>
@@ -5729,7 +5876,9 @@
       <p:sp>
         <p:nvSpPr>
           <p:cNvPr id="6" name="Google Shape;6;p1"/>
-          <p:cNvSpPr txBox="1"/>
+          <p:cNvSpPr txBox="1">
+            <a:spLocks noGrp="1"/>
+          </p:cNvSpPr>
           <p:nvPr>
             <p:ph type="title"/>
           </p:nvPr>
@@ -5748,7 +5897,7 @@
           </a:ln>
         </p:spPr>
         <p:txBody>
-          <a:bodyPr anchorCtr="0" anchor="t" bIns="91425" lIns="91425" spcFirstLastPara="1" rIns="91425" wrap="square" tIns="91425">
+          <a:bodyPr spcFirstLastPara="1" wrap="square" lIns="91425" tIns="91425" rIns="91425" bIns="91425" anchor="t" anchorCtr="0">
             <a:noAutofit/>
           </a:bodyPr>
           <a:lstStyle>
@@ -5765,7 +5914,7 @@
               <a:buSzPts val="3600"/>
               <a:buFont typeface="PT Sans Narrow"/>
               <a:buNone/>
-              <a:defRPr b="1" sz="3600">
+              <a:defRPr sz="3600" b="1">
                 <a:solidFill>
                   <a:schemeClr val="accent1"/>
                 </a:solidFill>
@@ -5788,7 +5937,7 @@
               <a:buSzPts val="3600"/>
               <a:buFont typeface="PT Sans Narrow"/>
               <a:buNone/>
-              <a:defRPr b="1" sz="3600">
+              <a:defRPr sz="3600" b="1">
                 <a:solidFill>
                   <a:schemeClr val="accent1"/>
                 </a:solidFill>
@@ -5811,7 +5960,7 @@
               <a:buSzPts val="3600"/>
               <a:buFont typeface="PT Sans Narrow"/>
               <a:buNone/>
-              <a:defRPr b="1" sz="3600">
+              <a:defRPr sz="3600" b="1">
                 <a:solidFill>
                   <a:schemeClr val="accent1"/>
                 </a:solidFill>
@@ -5834,7 +5983,7 @@
               <a:buSzPts val="3600"/>
               <a:buFont typeface="PT Sans Narrow"/>
               <a:buNone/>
-              <a:defRPr b="1" sz="3600">
+              <a:defRPr sz="3600" b="1">
                 <a:solidFill>
                   <a:schemeClr val="accent1"/>
                 </a:solidFill>
@@ -5857,7 +6006,7 @@
               <a:buSzPts val="3600"/>
               <a:buFont typeface="PT Sans Narrow"/>
               <a:buNone/>
-              <a:defRPr b="1" sz="3600">
+              <a:defRPr sz="3600" b="1">
                 <a:solidFill>
                   <a:schemeClr val="accent1"/>
                 </a:solidFill>
@@ -5880,7 +6029,7 @@
               <a:buSzPts val="3600"/>
               <a:buFont typeface="PT Sans Narrow"/>
               <a:buNone/>
-              <a:defRPr b="1" sz="3600">
+              <a:defRPr sz="3600" b="1">
                 <a:solidFill>
                   <a:schemeClr val="accent1"/>
                 </a:solidFill>
@@ -5903,7 +6052,7 @@
               <a:buSzPts val="3600"/>
               <a:buFont typeface="PT Sans Narrow"/>
               <a:buNone/>
-              <a:defRPr b="1" sz="3600">
+              <a:defRPr sz="3600" b="1">
                 <a:solidFill>
                   <a:schemeClr val="accent1"/>
                 </a:solidFill>
@@ -5926,7 +6075,7 @@
               <a:buSzPts val="3600"/>
               <a:buFont typeface="PT Sans Narrow"/>
               <a:buNone/>
-              <a:defRPr b="1" sz="3600">
+              <a:defRPr sz="3600" b="1">
                 <a:solidFill>
                   <a:schemeClr val="accent1"/>
                 </a:solidFill>
@@ -5949,7 +6098,7 @@
               <a:buSzPts val="3600"/>
               <a:buFont typeface="PT Sans Narrow"/>
               <a:buNone/>
-              <a:defRPr b="1" sz="3600">
+              <a:defRPr sz="3600" b="1">
                 <a:solidFill>
                   <a:schemeClr val="accent1"/>
                 </a:solidFill>
@@ -5960,15 +6109,19 @@
               </a:defRPr>
             </a:lvl9pPr>
           </a:lstStyle>
-          <a:p/>
+          <a:p>
+            <a:endParaRPr/>
+          </a:p>
         </p:txBody>
       </p:sp>
       <p:sp>
         <p:nvSpPr>
           <p:cNvPr id="7" name="Google Shape;7;p1"/>
-          <p:cNvSpPr txBox="1"/>
+          <p:cNvSpPr txBox="1">
+            <a:spLocks noGrp="1"/>
+          </p:cNvSpPr>
           <p:nvPr>
-            <p:ph idx="1" type="body"/>
+            <p:ph type="body" idx="1"/>
           </p:nvPr>
         </p:nvSpPr>
         <p:spPr>
@@ -5985,11 +6138,11 @@
           </a:ln>
         </p:spPr>
         <p:txBody>
-          <a:bodyPr anchorCtr="0" anchor="t" bIns="91425" lIns="91425" spcFirstLastPara="1" rIns="91425" wrap="square" tIns="91425">
+          <a:bodyPr spcFirstLastPara="1" wrap="square" lIns="91425" tIns="91425" rIns="91425" bIns="91425" anchor="t" anchorCtr="0">
             <a:noAutofit/>
           </a:bodyPr>
           <a:lstStyle>
-            <a:lvl1pPr indent="-342900" lvl="0" marL="457200">
+            <a:lvl1pPr marL="457200" lvl="0" indent="-342900">
               <a:lnSpc>
                 <a:spcPct val="115000"/>
               </a:lnSpc>
@@ -6015,7 +6168,7 @@
                 <a:sym typeface="Open Sans"/>
               </a:defRPr>
             </a:lvl1pPr>
-            <a:lvl2pPr indent="-317500" lvl="1" marL="914400">
+            <a:lvl2pPr marL="914400" lvl="1" indent="-317500">
               <a:lnSpc>
                 <a:spcPct val="115000"/>
               </a:lnSpc>
@@ -6041,7 +6194,7 @@
                 <a:sym typeface="Open Sans"/>
               </a:defRPr>
             </a:lvl2pPr>
-            <a:lvl3pPr indent="-317500" lvl="2" marL="1371600">
+            <a:lvl3pPr marL="1371600" lvl="2" indent="-317500">
               <a:lnSpc>
                 <a:spcPct val="115000"/>
               </a:lnSpc>
@@ -6067,7 +6220,7 @@
                 <a:sym typeface="Open Sans"/>
               </a:defRPr>
             </a:lvl3pPr>
-            <a:lvl4pPr indent="-317500" lvl="3" marL="1828800">
+            <a:lvl4pPr marL="1828800" lvl="3" indent="-317500">
               <a:lnSpc>
                 <a:spcPct val="115000"/>
               </a:lnSpc>
@@ -6093,7 +6246,7 @@
                 <a:sym typeface="Open Sans"/>
               </a:defRPr>
             </a:lvl4pPr>
-            <a:lvl5pPr indent="-317500" lvl="4" marL="2286000">
+            <a:lvl5pPr marL="2286000" lvl="4" indent="-317500">
               <a:lnSpc>
                 <a:spcPct val="115000"/>
               </a:lnSpc>
@@ -6119,7 +6272,7 @@
                 <a:sym typeface="Open Sans"/>
               </a:defRPr>
             </a:lvl5pPr>
-            <a:lvl6pPr indent="-317500" lvl="5" marL="2743200">
+            <a:lvl6pPr marL="2743200" lvl="5" indent="-317500">
               <a:lnSpc>
                 <a:spcPct val="115000"/>
               </a:lnSpc>
@@ -6145,7 +6298,7 @@
                 <a:sym typeface="Open Sans"/>
               </a:defRPr>
             </a:lvl6pPr>
-            <a:lvl7pPr indent="-317500" lvl="6" marL="3200400">
+            <a:lvl7pPr marL="3200400" lvl="6" indent="-317500">
               <a:lnSpc>
                 <a:spcPct val="115000"/>
               </a:lnSpc>
@@ -6171,7 +6324,7 @@
                 <a:sym typeface="Open Sans"/>
               </a:defRPr>
             </a:lvl7pPr>
-            <a:lvl8pPr indent="-317500" lvl="7" marL="3657600">
+            <a:lvl8pPr marL="3657600" lvl="7" indent="-317500">
               <a:lnSpc>
                 <a:spcPct val="115000"/>
               </a:lnSpc>
@@ -6197,7 +6350,7 @@
                 <a:sym typeface="Open Sans"/>
               </a:defRPr>
             </a:lvl8pPr>
-            <a:lvl9pPr indent="-317500" lvl="8" marL="4114800">
+            <a:lvl9pPr marL="4114800" lvl="8" indent="-317500">
               <a:lnSpc>
                 <a:spcPct val="115000"/>
               </a:lnSpc>
@@ -6224,15 +6377,19 @@
               </a:defRPr>
             </a:lvl9pPr>
           </a:lstStyle>
-          <a:p/>
+          <a:p>
+            <a:endParaRPr/>
+          </a:p>
         </p:txBody>
       </p:sp>
       <p:sp>
         <p:nvSpPr>
           <p:cNvPr id="8" name="Google Shape;8;p1"/>
-          <p:cNvSpPr txBox="1"/>
+          <p:cNvSpPr txBox="1">
+            <a:spLocks noGrp="1"/>
+          </p:cNvSpPr>
           <p:nvPr>
-            <p:ph idx="12" type="sldNum"/>
+            <p:ph type="sldNum" idx="12"/>
           </p:nvPr>
         </p:nvSpPr>
         <p:spPr>
@@ -6249,7 +6406,7 @@
           </a:ln>
         </p:spPr>
         <p:txBody>
-          <a:bodyPr anchorCtr="0" anchor="ctr" bIns="91425" lIns="91425" spcFirstLastPara="1" rIns="91425" wrap="square" tIns="91425">
+          <a:bodyPr spcFirstLastPara="1" wrap="square" lIns="91425" tIns="91425" rIns="91425" bIns="91425" anchor="ctr" anchorCtr="0">
             <a:noAutofit/>
           </a:bodyPr>
           <a:lstStyle>
@@ -6363,7 +6520,7 @@
             </a:lvl9pPr>
           </a:lstStyle>
           <a:p>
-            <a:pPr indent="0" lvl="0" marL="0" rtl="0" algn="r">
+            <a:pPr marL="0" lvl="0" indent="0" algn="r" rtl="0">
               <a:spcBef>
                 <a:spcPts val="0"/>
               </a:spcBef>
@@ -6374,7 +6531,7 @@
             </a:pPr>
             <a:fld id="{00000000-1234-1234-1234-123412341234}" type="slidenum">
               <a:rPr lang="en"/>
-              <a:t>‹#›</a:t>
+              <a:t>‹Nº›</a:t>
             </a:fld>
             <a:endParaRPr/>
           </a:p>
@@ -6382,7 +6539,7 @@
       </p:sp>
     </p:spTree>
   </p:cSld>
-  <p:clrMap accent1="accent1" accent2="accent2" accent3="accent3" accent4="accent4" accent5="accent5" accent6="accent6" bg1="lt1" bg2="dk2" tx1="dk1" tx2="lt2" folHlink="folHlink" hlink="hlink"/>
+  <p:clrMap bg1="lt1" tx1="dk1" bg2="dk2" tx2="lt2" accent1="accent1" accent2="accent2" accent3="accent3" accent4="accent4" accent5="accent5" accent6="accent6" hlink="hlink" folHlink="folHlink"/>
   <p:sldLayoutIdLst>
     <p:sldLayoutId id="2147483648" r:id="rId1"/>
     <p:sldLayoutId id="2147483649" r:id="rId2"/>
@@ -6396,22 +6553,22 @@
     <p:sldLayoutId id="2147483657" r:id="rId10"/>
     <p:sldLayoutId id="2147483658" r:id="rId11"/>
   </p:sldLayoutIdLst>
-  <mc:AlternateContent>
+  <mc:AlternateContent xmlns:mc="http://schemas.openxmlformats.org/markup-compatibility/2006" xmlns:p14="http://schemas.microsoft.com/office/powerpoint/2010/main">
     <mc:Choice Requires="p14">
-      <p:transition spd="slow" p14:dur="1000">
+      <p:transition spd="slow">
         <p:fade thruBlk="1"/>
       </p:transition>
     </mc:Choice>
-    <mc:Fallback>
+    <mc:Fallback xmlns:ahyp="http://schemas.microsoft.com/office/drawing/2018/hyperlinkcolor" xmlns:p15="http://schemas.microsoft.com/office/powerpoint/2012/main" xmlns:com="http://schemas.openxmlformats.org/drawingml/2006/compatibility" xmlns:pvml="urn:schemas-microsoft-com:office:powerpoint" xmlns:v="urn:schemas-microsoft-com:vml" xmlns:o="urn:schemas-microsoft-com:office:office" xmlns:dgm="http://schemas.openxmlformats.org/drawingml/2006/diagram" xmlns:c="http://schemas.openxmlformats.org/drawingml/2006/chart" xmlns:mv="urn:schemas-microsoft-com:mac:vml" xmlns="">
       <p:transition spd="slow">
         <p:fade/>
       </p:transition>
     </mc:Fallback>
   </mc:AlternateContent>
-  <p:hf dt="0" ftr="0" hdr="0" sldNum="0"/>
+  <p:hf sldNum="0" hdr="0" ftr="0" dt="0"/>
   <p:txStyles>
     <p:titleStyle>
-      <a:defPPr lvl="0" marR="0" rtl="0" algn="l">
+      <a:defPPr marR="0" lvl="0" algn="l" rtl="0">
         <a:lnSpc>
           <a:spcPct val="100000"/>
         </a:lnSpc>
@@ -6422,7 +6579,7 @@
           <a:spcPts val="0"/>
         </a:spcAft>
       </a:defPPr>
-      <a:lvl1pPr lvl="0" marR="0" rtl="0" algn="l">
+      <a:lvl1pPr marR="0" lvl="0" algn="l" rtl="0">
         <a:lnSpc>
           <a:spcPct val="100000"/>
         </a:lnSpc>
@@ -6436,7 +6593,7 @@
           <a:srgbClr val="000000"/>
         </a:buClr>
         <a:buFont typeface="Arial"/>
-        <a:defRPr b="0" i="0" sz="1400" u="none" cap="none" strike="noStrike">
+        <a:defRPr sz="1400" b="0" i="0" u="none" strike="noStrike" cap="none">
           <a:solidFill>
             <a:srgbClr val="000000"/>
           </a:solidFill>
@@ -6446,7 +6603,7 @@
           <a:sym typeface="Arial"/>
         </a:defRPr>
       </a:lvl1pPr>
-      <a:lvl2pPr lvl="1" marR="0" rtl="0" algn="l">
+      <a:lvl2pPr marR="0" lvl="1" algn="l" rtl="0">
         <a:lnSpc>
           <a:spcPct val="100000"/>
         </a:lnSpc>
@@ -6460,7 +6617,7 @@
           <a:srgbClr val="000000"/>
         </a:buClr>
         <a:buFont typeface="Arial"/>
-        <a:defRPr b="0" i="0" sz="1400" u="none" cap="none" strike="noStrike">
+        <a:defRPr sz="1400" b="0" i="0" u="none" strike="noStrike" cap="none">
           <a:solidFill>
             <a:srgbClr val="000000"/>
           </a:solidFill>
@@ -6470,7 +6627,7 @@
           <a:sym typeface="Arial"/>
         </a:defRPr>
       </a:lvl2pPr>
-      <a:lvl3pPr lvl="2" marR="0" rtl="0" algn="l">
+      <a:lvl3pPr marR="0" lvl="2" algn="l" rtl="0">
         <a:lnSpc>
           <a:spcPct val="100000"/>
         </a:lnSpc>
@@ -6484,7 +6641,7 @@
           <a:srgbClr val="000000"/>
         </a:buClr>
         <a:buFont typeface="Arial"/>
-        <a:defRPr b="0" i="0" sz="1400" u="none" cap="none" strike="noStrike">
+        <a:defRPr sz="1400" b="0" i="0" u="none" strike="noStrike" cap="none">
           <a:solidFill>
             <a:srgbClr val="000000"/>
           </a:solidFill>
@@ -6494,7 +6651,7 @@
           <a:sym typeface="Arial"/>
         </a:defRPr>
       </a:lvl3pPr>
-      <a:lvl4pPr lvl="3" marR="0" rtl="0" algn="l">
+      <a:lvl4pPr marR="0" lvl="3" algn="l" rtl="0">
         <a:lnSpc>
           <a:spcPct val="100000"/>
         </a:lnSpc>
@@ -6508,7 +6665,7 @@
           <a:srgbClr val="000000"/>
         </a:buClr>
         <a:buFont typeface="Arial"/>
-        <a:defRPr b="0" i="0" sz="1400" u="none" cap="none" strike="noStrike">
+        <a:defRPr sz="1400" b="0" i="0" u="none" strike="noStrike" cap="none">
           <a:solidFill>
             <a:srgbClr val="000000"/>
           </a:solidFill>
@@ -6518,7 +6675,7 @@
           <a:sym typeface="Arial"/>
         </a:defRPr>
       </a:lvl4pPr>
-      <a:lvl5pPr lvl="4" marR="0" rtl="0" algn="l">
+      <a:lvl5pPr marR="0" lvl="4" algn="l" rtl="0">
         <a:lnSpc>
           <a:spcPct val="100000"/>
         </a:lnSpc>
@@ -6532,7 +6689,7 @@
           <a:srgbClr val="000000"/>
         </a:buClr>
         <a:buFont typeface="Arial"/>
-        <a:defRPr b="0" i="0" sz="1400" u="none" cap="none" strike="noStrike">
+        <a:defRPr sz="1400" b="0" i="0" u="none" strike="noStrike" cap="none">
           <a:solidFill>
             <a:srgbClr val="000000"/>
           </a:solidFill>
@@ -6542,7 +6699,7 @@
           <a:sym typeface="Arial"/>
         </a:defRPr>
       </a:lvl5pPr>
-      <a:lvl6pPr lvl="5" marR="0" rtl="0" algn="l">
+      <a:lvl6pPr marR="0" lvl="5" algn="l" rtl="0">
         <a:lnSpc>
           <a:spcPct val="100000"/>
         </a:lnSpc>
@@ -6556,7 +6713,7 @@
           <a:srgbClr val="000000"/>
         </a:buClr>
         <a:buFont typeface="Arial"/>
-        <a:defRPr b="0" i="0" sz="1400" u="none" cap="none" strike="noStrike">
+        <a:defRPr sz="1400" b="0" i="0" u="none" strike="noStrike" cap="none">
           <a:solidFill>
             <a:srgbClr val="000000"/>
           </a:solidFill>
@@ -6566,7 +6723,7 @@
           <a:sym typeface="Arial"/>
         </a:defRPr>
       </a:lvl6pPr>
-      <a:lvl7pPr lvl="6" marR="0" rtl="0" algn="l">
+      <a:lvl7pPr marR="0" lvl="6" algn="l" rtl="0">
         <a:lnSpc>
           <a:spcPct val="100000"/>
         </a:lnSpc>
@@ -6580,7 +6737,7 @@
           <a:srgbClr val="000000"/>
         </a:buClr>
         <a:buFont typeface="Arial"/>
-        <a:defRPr b="0" i="0" sz="1400" u="none" cap="none" strike="noStrike">
+        <a:defRPr sz="1400" b="0" i="0" u="none" strike="noStrike" cap="none">
           <a:solidFill>
             <a:srgbClr val="000000"/>
           </a:solidFill>
@@ -6590,7 +6747,7 @@
           <a:sym typeface="Arial"/>
         </a:defRPr>
       </a:lvl7pPr>
-      <a:lvl8pPr lvl="7" marR="0" rtl="0" algn="l">
+      <a:lvl8pPr marR="0" lvl="7" algn="l" rtl="0">
         <a:lnSpc>
           <a:spcPct val="100000"/>
         </a:lnSpc>
@@ -6604,7 +6761,7 @@
           <a:srgbClr val="000000"/>
         </a:buClr>
         <a:buFont typeface="Arial"/>
-        <a:defRPr b="0" i="0" sz="1400" u="none" cap="none" strike="noStrike">
+        <a:defRPr sz="1400" b="0" i="0" u="none" strike="noStrike" cap="none">
           <a:solidFill>
             <a:srgbClr val="000000"/>
           </a:solidFill>
@@ -6614,7 +6771,7 @@
           <a:sym typeface="Arial"/>
         </a:defRPr>
       </a:lvl8pPr>
-      <a:lvl9pPr lvl="8" marR="0" rtl="0" algn="l">
+      <a:lvl9pPr marR="0" lvl="8" algn="l" rtl="0">
         <a:lnSpc>
           <a:spcPct val="100000"/>
         </a:lnSpc>
@@ -6628,7 +6785,7 @@
           <a:srgbClr val="000000"/>
         </a:buClr>
         <a:buFont typeface="Arial"/>
-        <a:defRPr b="0" i="0" sz="1400" u="none" cap="none" strike="noStrike">
+        <a:defRPr sz="1400" b="0" i="0" u="none" strike="noStrike" cap="none">
           <a:solidFill>
             <a:srgbClr val="000000"/>
           </a:solidFill>
@@ -6640,7 +6797,7 @@
       </a:lvl9pPr>
     </p:titleStyle>
     <p:bodyStyle>
-      <a:defPPr lvl="0" marR="0" rtl="0" algn="l">
+      <a:defPPr marR="0" lvl="0" algn="l" rtl="0">
         <a:lnSpc>
           <a:spcPct val="100000"/>
         </a:lnSpc>
@@ -6651,7 +6808,7 @@
           <a:spcPts val="0"/>
         </a:spcAft>
       </a:defPPr>
-      <a:lvl1pPr lvl="0" marR="0" rtl="0" algn="l">
+      <a:lvl1pPr marR="0" lvl="0" algn="l" rtl="0">
         <a:lnSpc>
           <a:spcPct val="100000"/>
         </a:lnSpc>
@@ -6665,7 +6822,7 @@
           <a:srgbClr val="000000"/>
         </a:buClr>
         <a:buFont typeface="Arial"/>
-        <a:defRPr b="0" i="0" sz="1400" u="none" cap="none" strike="noStrike">
+        <a:defRPr sz="1400" b="0" i="0" u="none" strike="noStrike" cap="none">
           <a:solidFill>
             <a:srgbClr val="000000"/>
           </a:solidFill>
@@ -6675,7 +6832,7 @@
           <a:sym typeface="Arial"/>
         </a:defRPr>
       </a:lvl1pPr>
-      <a:lvl2pPr lvl="1" marR="0" rtl="0" algn="l">
+      <a:lvl2pPr marR="0" lvl="1" algn="l" rtl="0">
         <a:lnSpc>
           <a:spcPct val="100000"/>
         </a:lnSpc>
@@ -6689,7 +6846,7 @@
           <a:srgbClr val="000000"/>
         </a:buClr>
         <a:buFont typeface="Arial"/>
-        <a:defRPr b="0" i="0" sz="1400" u="none" cap="none" strike="noStrike">
+        <a:defRPr sz="1400" b="0" i="0" u="none" strike="noStrike" cap="none">
           <a:solidFill>
             <a:srgbClr val="000000"/>
           </a:solidFill>
@@ -6699,7 +6856,7 @@
           <a:sym typeface="Arial"/>
         </a:defRPr>
       </a:lvl2pPr>
-      <a:lvl3pPr lvl="2" marR="0" rtl="0" algn="l">
+      <a:lvl3pPr marR="0" lvl="2" algn="l" rtl="0">
         <a:lnSpc>
           <a:spcPct val="100000"/>
         </a:lnSpc>
@@ -6713,7 +6870,7 @@
           <a:srgbClr val="000000"/>
         </a:buClr>
         <a:buFont typeface="Arial"/>
-        <a:defRPr b="0" i="0" sz="1400" u="none" cap="none" strike="noStrike">
+        <a:defRPr sz="1400" b="0" i="0" u="none" strike="noStrike" cap="none">
           <a:solidFill>
             <a:srgbClr val="000000"/>
           </a:solidFill>
@@ -6723,7 +6880,7 @@
           <a:sym typeface="Arial"/>
         </a:defRPr>
       </a:lvl3pPr>
-      <a:lvl4pPr lvl="3" marR="0" rtl="0" algn="l">
+      <a:lvl4pPr marR="0" lvl="3" algn="l" rtl="0">
         <a:lnSpc>
           <a:spcPct val="100000"/>
         </a:lnSpc>
@@ -6737,7 +6894,7 @@
           <a:srgbClr val="000000"/>
         </a:buClr>
         <a:buFont typeface="Arial"/>
-        <a:defRPr b="0" i="0" sz="1400" u="none" cap="none" strike="noStrike">
+        <a:defRPr sz="1400" b="0" i="0" u="none" strike="noStrike" cap="none">
           <a:solidFill>
             <a:srgbClr val="000000"/>
           </a:solidFill>
@@ -6747,7 +6904,7 @@
           <a:sym typeface="Arial"/>
         </a:defRPr>
       </a:lvl4pPr>
-      <a:lvl5pPr lvl="4" marR="0" rtl="0" algn="l">
+      <a:lvl5pPr marR="0" lvl="4" algn="l" rtl="0">
         <a:lnSpc>
           <a:spcPct val="100000"/>
         </a:lnSpc>
@@ -6761,7 +6918,7 @@
           <a:srgbClr val="000000"/>
         </a:buClr>
         <a:buFont typeface="Arial"/>
-        <a:defRPr b="0" i="0" sz="1400" u="none" cap="none" strike="noStrike">
+        <a:defRPr sz="1400" b="0" i="0" u="none" strike="noStrike" cap="none">
           <a:solidFill>
             <a:srgbClr val="000000"/>
           </a:solidFill>
@@ -6771,7 +6928,7 @@
           <a:sym typeface="Arial"/>
         </a:defRPr>
       </a:lvl5pPr>
-      <a:lvl6pPr lvl="5" marR="0" rtl="0" algn="l">
+      <a:lvl6pPr marR="0" lvl="5" algn="l" rtl="0">
         <a:lnSpc>
           <a:spcPct val="100000"/>
         </a:lnSpc>
@@ -6785,7 +6942,7 @@
           <a:srgbClr val="000000"/>
         </a:buClr>
         <a:buFont typeface="Arial"/>
-        <a:defRPr b="0" i="0" sz="1400" u="none" cap="none" strike="noStrike">
+        <a:defRPr sz="1400" b="0" i="0" u="none" strike="noStrike" cap="none">
           <a:solidFill>
             <a:srgbClr val="000000"/>
           </a:solidFill>
@@ -6795,7 +6952,7 @@
           <a:sym typeface="Arial"/>
         </a:defRPr>
       </a:lvl6pPr>
-      <a:lvl7pPr lvl="6" marR="0" rtl="0" algn="l">
+      <a:lvl7pPr marR="0" lvl="6" algn="l" rtl="0">
         <a:lnSpc>
           <a:spcPct val="100000"/>
         </a:lnSpc>
@@ -6809,7 +6966,7 @@
           <a:srgbClr val="000000"/>
         </a:buClr>
         <a:buFont typeface="Arial"/>
-        <a:defRPr b="0" i="0" sz="1400" u="none" cap="none" strike="noStrike">
+        <a:defRPr sz="1400" b="0" i="0" u="none" strike="noStrike" cap="none">
           <a:solidFill>
             <a:srgbClr val="000000"/>
           </a:solidFill>
@@ -6819,7 +6976,7 @@
           <a:sym typeface="Arial"/>
         </a:defRPr>
       </a:lvl7pPr>
-      <a:lvl8pPr lvl="7" marR="0" rtl="0" algn="l">
+      <a:lvl8pPr marR="0" lvl="7" algn="l" rtl="0">
         <a:lnSpc>
           <a:spcPct val="100000"/>
         </a:lnSpc>
@@ -6833,7 +6990,7 @@
           <a:srgbClr val="000000"/>
         </a:buClr>
         <a:buFont typeface="Arial"/>
-        <a:defRPr b="0" i="0" sz="1400" u="none" cap="none" strike="noStrike">
+        <a:defRPr sz="1400" b="0" i="0" u="none" strike="noStrike" cap="none">
           <a:solidFill>
             <a:srgbClr val="000000"/>
           </a:solidFill>
@@ -6843,7 +7000,7 @@
           <a:sym typeface="Arial"/>
         </a:defRPr>
       </a:lvl8pPr>
-      <a:lvl9pPr lvl="8" marR="0" rtl="0" algn="l">
+      <a:lvl9pPr marR="0" lvl="8" algn="l" rtl="0">
         <a:lnSpc>
           <a:spcPct val="100000"/>
         </a:lnSpc>
@@ -6857,7 +7014,7 @@
           <a:srgbClr val="000000"/>
         </a:buClr>
         <a:buFont typeface="Arial"/>
-        <a:defRPr b="0" i="0" sz="1400" u="none" cap="none" strike="noStrike">
+        <a:defRPr sz="1400" b="0" i="0" u="none" strike="noStrike" cap="none">
           <a:solidFill>
             <a:srgbClr val="000000"/>
           </a:solidFill>
@@ -6869,7 +7026,7 @@
       </a:lvl9pPr>
     </p:bodyStyle>
     <p:otherStyle>
-      <a:defPPr lvl="0" marR="0" rtl="0" algn="l">
+      <a:defPPr marR="0" lvl="0" algn="l" rtl="0">
         <a:lnSpc>
           <a:spcPct val="100000"/>
         </a:lnSpc>
@@ -6880,7 +7037,7 @@
           <a:spcPts val="0"/>
         </a:spcAft>
       </a:defPPr>
-      <a:lvl1pPr lvl="0" marR="0" rtl="0" algn="l">
+      <a:lvl1pPr marR="0" lvl="0" algn="l" rtl="0">
         <a:lnSpc>
           <a:spcPct val="100000"/>
         </a:lnSpc>
@@ -6894,7 +7051,7 @@
           <a:srgbClr val="000000"/>
         </a:buClr>
         <a:buFont typeface="Arial"/>
-        <a:defRPr b="0" i="0" sz="1400" u="none" cap="none" strike="noStrike">
+        <a:defRPr sz="1400" b="0" i="0" u="none" strike="noStrike" cap="none">
           <a:solidFill>
             <a:srgbClr val="000000"/>
           </a:solidFill>
@@ -6904,7 +7061,7 @@
           <a:sym typeface="Arial"/>
         </a:defRPr>
       </a:lvl1pPr>
-      <a:lvl2pPr lvl="1" marR="0" rtl="0" algn="l">
+      <a:lvl2pPr marR="0" lvl="1" algn="l" rtl="0">
         <a:lnSpc>
           <a:spcPct val="100000"/>
         </a:lnSpc>
@@ -6918,7 +7075,7 @@
           <a:srgbClr val="000000"/>
         </a:buClr>
         <a:buFont typeface="Arial"/>
-        <a:defRPr b="0" i="0" sz="1400" u="none" cap="none" strike="noStrike">
+        <a:defRPr sz="1400" b="0" i="0" u="none" strike="noStrike" cap="none">
           <a:solidFill>
             <a:srgbClr val="000000"/>
           </a:solidFill>
@@ -6928,7 +7085,7 @@
           <a:sym typeface="Arial"/>
         </a:defRPr>
       </a:lvl2pPr>
-      <a:lvl3pPr lvl="2" marR="0" rtl="0" algn="l">
+      <a:lvl3pPr marR="0" lvl="2" algn="l" rtl="0">
         <a:lnSpc>
           <a:spcPct val="100000"/>
         </a:lnSpc>
@@ -6942,7 +7099,7 @@
           <a:srgbClr val="000000"/>
         </a:buClr>
         <a:buFont typeface="Arial"/>
-        <a:defRPr b="0" i="0" sz="1400" u="none" cap="none" strike="noStrike">
+        <a:defRPr sz="1400" b="0" i="0" u="none" strike="noStrike" cap="none">
           <a:solidFill>
             <a:srgbClr val="000000"/>
           </a:solidFill>
@@ -6952,7 +7109,7 @@
           <a:sym typeface="Arial"/>
         </a:defRPr>
       </a:lvl3pPr>
-      <a:lvl4pPr lvl="3" marR="0" rtl="0" algn="l">
+      <a:lvl4pPr marR="0" lvl="3" algn="l" rtl="0">
         <a:lnSpc>
           <a:spcPct val="100000"/>
         </a:lnSpc>
@@ -6966,7 +7123,7 @@
           <a:srgbClr val="000000"/>
         </a:buClr>
         <a:buFont typeface="Arial"/>
-        <a:defRPr b="0" i="0" sz="1400" u="none" cap="none" strike="noStrike">
+        <a:defRPr sz="1400" b="0" i="0" u="none" strike="noStrike" cap="none">
           <a:solidFill>
             <a:srgbClr val="000000"/>
           </a:solidFill>
@@ -6976,7 +7133,7 @@
           <a:sym typeface="Arial"/>
         </a:defRPr>
       </a:lvl4pPr>
-      <a:lvl5pPr lvl="4" marR="0" rtl="0" algn="l">
+      <a:lvl5pPr marR="0" lvl="4" algn="l" rtl="0">
         <a:lnSpc>
           <a:spcPct val="100000"/>
         </a:lnSpc>
@@ -6990,7 +7147,7 @@
           <a:srgbClr val="000000"/>
         </a:buClr>
         <a:buFont typeface="Arial"/>
-        <a:defRPr b="0" i="0" sz="1400" u="none" cap="none" strike="noStrike">
+        <a:defRPr sz="1400" b="0" i="0" u="none" strike="noStrike" cap="none">
           <a:solidFill>
             <a:srgbClr val="000000"/>
           </a:solidFill>
@@ -7000,7 +7157,7 @@
           <a:sym typeface="Arial"/>
         </a:defRPr>
       </a:lvl5pPr>
-      <a:lvl6pPr lvl="5" marR="0" rtl="0" algn="l">
+      <a:lvl6pPr marR="0" lvl="5" algn="l" rtl="0">
         <a:lnSpc>
           <a:spcPct val="100000"/>
         </a:lnSpc>
@@ -7014,7 +7171,7 @@
           <a:srgbClr val="000000"/>
         </a:buClr>
         <a:buFont typeface="Arial"/>
-        <a:defRPr b="0" i="0" sz="1400" u="none" cap="none" strike="noStrike">
+        <a:defRPr sz="1400" b="0" i="0" u="none" strike="noStrike" cap="none">
           <a:solidFill>
             <a:srgbClr val="000000"/>
           </a:solidFill>
@@ -7024,7 +7181,7 @@
           <a:sym typeface="Arial"/>
         </a:defRPr>
       </a:lvl6pPr>
-      <a:lvl7pPr lvl="6" marR="0" rtl="0" algn="l">
+      <a:lvl7pPr marR="0" lvl="6" algn="l" rtl="0">
         <a:lnSpc>
           <a:spcPct val="100000"/>
         </a:lnSpc>
@@ -7038,7 +7195,7 @@
           <a:srgbClr val="000000"/>
         </a:buClr>
         <a:buFont typeface="Arial"/>
-        <a:defRPr b="0" i="0" sz="1400" u="none" cap="none" strike="noStrike">
+        <a:defRPr sz="1400" b="0" i="0" u="none" strike="noStrike" cap="none">
           <a:solidFill>
             <a:srgbClr val="000000"/>
           </a:solidFill>
@@ -7048,7 +7205,7 @@
           <a:sym typeface="Arial"/>
         </a:defRPr>
       </a:lvl7pPr>
-      <a:lvl8pPr lvl="7" marR="0" rtl="0" algn="l">
+      <a:lvl8pPr marR="0" lvl="7" algn="l" rtl="0">
         <a:lnSpc>
           <a:spcPct val="100000"/>
         </a:lnSpc>
@@ -7062,7 +7219,7 @@
           <a:srgbClr val="000000"/>
         </a:buClr>
         <a:buFont typeface="Arial"/>
-        <a:defRPr b="0" i="0" sz="1400" u="none" cap="none" strike="noStrike">
+        <a:defRPr sz="1400" b="0" i="0" u="none" strike="noStrike" cap="none">
           <a:solidFill>
             <a:srgbClr val="000000"/>
           </a:solidFill>
@@ -7072,7 +7229,7 @@
           <a:sym typeface="Arial"/>
         </a:defRPr>
       </a:lvl8pPr>
-      <a:lvl9pPr lvl="8" marR="0" rtl="0" algn="l">
+      <a:lvl9pPr marR="0" lvl="8" algn="l" rtl="0">
         <a:lnSpc>
           <a:spcPct val="100000"/>
         </a:lnSpc>
@@ -7086,7 +7243,7 @@
           <a:srgbClr val="000000"/>
         </a:buClr>
         <a:buFont typeface="Arial"/>
-        <a:defRPr b="0" i="0" sz="1400" u="none" cap="none" strike="noStrike">
+        <a:defRPr sz="1400" b="0" i="0" u="none" strike="noStrike" cap="none">
           <a:solidFill>
             <a:srgbClr val="000000"/>
           </a:solidFill>
@@ -7102,11 +7259,11 @@
 </file>
 
 <file path=ppt/slides/slide1.xml><?xml version="1.0" encoding="utf-8"?>
-<p:sld xmlns:a="http://schemas.openxmlformats.org/drawingml/2006/main" xmlns:r="http://schemas.openxmlformats.org/officeDocument/2006/relationships" xmlns:mc="http://schemas.openxmlformats.org/markup-compatibility/2006" xmlns:mv="urn:schemas-microsoft-com:mac:vml" xmlns:p="http://schemas.openxmlformats.org/presentationml/2006/main" xmlns:c="http://schemas.openxmlformats.org/drawingml/2006/chart" xmlns:dgm="http://schemas.openxmlformats.org/drawingml/2006/diagram" xmlns:o="urn:schemas-microsoft-com:office:office" xmlns:v="urn:schemas-microsoft-com:vml" xmlns:pvml="urn:schemas-microsoft-com:office:powerpoint" xmlns:com="http://schemas.openxmlformats.org/drawingml/2006/compatibility" xmlns:p14="http://schemas.microsoft.com/office/powerpoint/2010/main" xmlns:p15="http://schemas.microsoft.com/office/powerpoint/2012/main" xmlns:ahyp="http://schemas.microsoft.com/office/drawing/2018/hyperlinkcolor">
+<p:sld xmlns:a="http://schemas.openxmlformats.org/drawingml/2006/main" xmlns:r="http://schemas.openxmlformats.org/officeDocument/2006/relationships" xmlns:p="http://schemas.openxmlformats.org/presentationml/2006/main">
   <p:cSld>
     <p:spTree>
       <p:nvGrpSpPr>
-        <p:cNvPr id="65" name="Shape 65"/>
+        <p:cNvPr id="1" name="Shape 65"/>
         <p:cNvGrpSpPr/>
         <p:nvPr/>
       </p:nvGrpSpPr>
@@ -7128,7 +7285,7 @@
           <a:blip r:embed="rId3">
             <a:alphaModFix/>
           </a:blip>
-          <a:srcRect b="25967" l="0" r="0" t="27344"/>
+          <a:srcRect t="27344" b="25967"/>
           <a:stretch/>
         </p:blipFill>
         <p:spPr>
@@ -7148,7 +7305,9 @@
       <p:sp>
         <p:nvSpPr>
           <p:cNvPr id="67" name="Google Shape;67;p13"/>
-          <p:cNvSpPr txBox="1"/>
+          <p:cNvSpPr txBox="1">
+            <a:spLocks noGrp="1"/>
+          </p:cNvSpPr>
           <p:nvPr>
             <p:ph type="ctrTitle"/>
           </p:nvPr>
@@ -7163,12 +7322,12 @@
           </a:prstGeom>
         </p:spPr>
         <p:txBody>
-          <a:bodyPr anchorCtr="0" anchor="b" bIns="91425" lIns="91425" spcFirstLastPara="1" rIns="91425" wrap="square" tIns="91425">
+          <a:bodyPr spcFirstLastPara="1" wrap="square" lIns="91425" tIns="91425" rIns="91425" bIns="91425" anchor="b" anchorCtr="0">
             <a:noAutofit/>
           </a:bodyPr>
           <a:lstStyle/>
           <a:p>
-            <a:pPr indent="0" lvl="0" marL="0" rtl="0" algn="ctr">
+            <a:pPr marL="0" lvl="0" indent="0" algn="ctr" rtl="0">
               <a:spcBef>
                 <a:spcPts val="0"/>
               </a:spcBef>
@@ -7188,9 +7347,11 @@
       <p:sp>
         <p:nvSpPr>
           <p:cNvPr id="68" name="Google Shape;68;p13"/>
-          <p:cNvSpPr txBox="1"/>
+          <p:cNvSpPr txBox="1">
+            <a:spLocks noGrp="1"/>
+          </p:cNvSpPr>
           <p:nvPr>
-            <p:ph idx="1" type="subTitle"/>
+            <p:ph type="subTitle" idx="1"/>
           </p:nvPr>
         </p:nvSpPr>
         <p:spPr>
@@ -7203,12 +7364,12 @@
           </a:prstGeom>
         </p:spPr>
         <p:txBody>
-          <a:bodyPr anchorCtr="0" anchor="t" bIns="91425" lIns="91425" spcFirstLastPara="1" rIns="91425" wrap="square" tIns="91425">
+          <a:bodyPr spcFirstLastPara="1" wrap="square" lIns="91425" tIns="91425" rIns="91425" bIns="91425" anchor="t" anchorCtr="0">
             <a:noAutofit/>
           </a:bodyPr>
           <a:lstStyle/>
           <a:p>
-            <a:pPr indent="0" lvl="0" marL="0" rtl="0" algn="ctr">
+            <a:pPr marL="0" lvl="0" indent="0" algn="ctr" rtl="0">
               <a:spcBef>
                 <a:spcPts val="0"/>
               </a:spcBef>
@@ -7224,7 +7385,7 @@
             <a:endParaRPr sz="2300"/>
           </a:p>
           <a:p>
-            <a:pPr indent="0" lvl="0" marL="0" rtl="0" algn="ctr">
+            <a:pPr marL="0" lvl="0" indent="0" algn="ctr" rtl="0">
               <a:spcBef>
                 <a:spcPts val="0"/>
               </a:spcBef>
@@ -7250,11 +7411,11 @@
 </file>
 
 <file path=ppt/slides/slide10.xml><?xml version="1.0" encoding="utf-8"?>
-<p:sld xmlns:a="http://schemas.openxmlformats.org/drawingml/2006/main" xmlns:r="http://schemas.openxmlformats.org/officeDocument/2006/relationships" xmlns:mc="http://schemas.openxmlformats.org/markup-compatibility/2006" xmlns:mv="urn:schemas-microsoft-com:mac:vml" xmlns:p="http://schemas.openxmlformats.org/presentationml/2006/main" xmlns:c="http://schemas.openxmlformats.org/drawingml/2006/chart" xmlns:dgm="http://schemas.openxmlformats.org/drawingml/2006/diagram" xmlns:o="urn:schemas-microsoft-com:office:office" xmlns:v="urn:schemas-microsoft-com:vml" xmlns:pvml="urn:schemas-microsoft-com:office:powerpoint" xmlns:com="http://schemas.openxmlformats.org/drawingml/2006/compatibility" xmlns:p14="http://schemas.microsoft.com/office/powerpoint/2010/main" xmlns:p15="http://schemas.microsoft.com/office/powerpoint/2012/main" xmlns:ahyp="http://schemas.microsoft.com/office/drawing/2018/hyperlinkcolor">
+<p:sld xmlns:a="http://schemas.openxmlformats.org/drawingml/2006/main" xmlns:r="http://schemas.openxmlformats.org/officeDocument/2006/relationships" xmlns:p="http://schemas.openxmlformats.org/presentationml/2006/main">
   <p:cSld>
     <p:spTree>
       <p:nvGrpSpPr>
-        <p:cNvPr id="140" name="Shape 140"/>
+        <p:cNvPr id="1" name="Shape 140"/>
         <p:cNvGrpSpPr/>
         <p:nvPr/>
       </p:nvGrpSpPr>
@@ -7269,7 +7430,9 @@
       <p:sp>
         <p:nvSpPr>
           <p:cNvPr id="141" name="Google Shape;141;p22"/>
-          <p:cNvSpPr txBox="1"/>
+          <p:cNvSpPr txBox="1">
+            <a:spLocks noGrp="1"/>
+          </p:cNvSpPr>
           <p:nvPr>
             <p:ph type="title"/>
           </p:nvPr>
@@ -7284,12 +7447,12 @@
           </a:prstGeom>
         </p:spPr>
         <p:txBody>
-          <a:bodyPr anchorCtr="0" anchor="t" bIns="91425" lIns="91425" spcFirstLastPara="1" rIns="91425" wrap="square" tIns="91425">
+          <a:bodyPr spcFirstLastPara="1" wrap="square" lIns="91425" tIns="91425" rIns="91425" bIns="91425" anchor="t" anchorCtr="0">
             <a:noAutofit/>
           </a:bodyPr>
           <a:lstStyle/>
           <a:p>
-            <a:pPr indent="0" lvl="0" marL="0" rtl="0" algn="ctr">
+            <a:pPr marL="0" lvl="0" indent="0" algn="ctr" rtl="0">
               <a:spcBef>
                 <a:spcPts val="0"/>
               </a:spcBef>
@@ -7315,11 +7478,11 @@
 </file>
 
 <file path=ppt/slides/slide2.xml><?xml version="1.0" encoding="utf-8"?>
-<p:sld xmlns:a="http://schemas.openxmlformats.org/drawingml/2006/main" xmlns:r="http://schemas.openxmlformats.org/officeDocument/2006/relationships" xmlns:mc="http://schemas.openxmlformats.org/markup-compatibility/2006" xmlns:mv="urn:schemas-microsoft-com:mac:vml" xmlns:p="http://schemas.openxmlformats.org/presentationml/2006/main" xmlns:c="http://schemas.openxmlformats.org/drawingml/2006/chart" xmlns:dgm="http://schemas.openxmlformats.org/drawingml/2006/diagram" xmlns:o="urn:schemas-microsoft-com:office:office" xmlns:v="urn:schemas-microsoft-com:vml" xmlns:pvml="urn:schemas-microsoft-com:office:powerpoint" xmlns:com="http://schemas.openxmlformats.org/drawingml/2006/compatibility" xmlns:p14="http://schemas.microsoft.com/office/powerpoint/2010/main" xmlns:p15="http://schemas.microsoft.com/office/powerpoint/2012/main" xmlns:ahyp="http://schemas.microsoft.com/office/drawing/2018/hyperlinkcolor">
+<p:sld xmlns:a="http://schemas.openxmlformats.org/drawingml/2006/main" xmlns:r="http://schemas.openxmlformats.org/officeDocument/2006/relationships" xmlns:p="http://schemas.openxmlformats.org/presentationml/2006/main">
   <p:cSld>
     <p:spTree>
       <p:nvGrpSpPr>
-        <p:cNvPr id="72" name="Shape 72"/>
+        <p:cNvPr id="1" name="Shape 72"/>
         <p:cNvGrpSpPr/>
         <p:nvPr/>
       </p:nvGrpSpPr>
@@ -7334,7 +7497,9 @@
       <p:sp>
         <p:nvSpPr>
           <p:cNvPr id="73" name="Google Shape;73;p14"/>
-          <p:cNvSpPr txBox="1"/>
+          <p:cNvSpPr txBox="1">
+            <a:spLocks noGrp="1"/>
+          </p:cNvSpPr>
           <p:nvPr>
             <p:ph type="title"/>
           </p:nvPr>
@@ -7349,12 +7514,12 @@
           </a:prstGeom>
         </p:spPr>
         <p:txBody>
-          <a:bodyPr anchorCtr="0" anchor="t" bIns="91425" lIns="91425" spcFirstLastPara="1" rIns="91425" wrap="square" tIns="91425">
+          <a:bodyPr spcFirstLastPara="1" wrap="square" lIns="91425" tIns="91425" rIns="91425" bIns="91425" anchor="t" anchorCtr="0">
             <a:noAutofit/>
           </a:bodyPr>
           <a:lstStyle/>
           <a:p>
-            <a:pPr indent="0" lvl="0" marL="0" rtl="0" algn="ctr">
+            <a:pPr marL="0" lvl="0" indent="0" algn="ctr" rtl="0">
               <a:spcBef>
                 <a:spcPts val="0"/>
               </a:spcBef>
@@ -7374,9 +7539,11 @@
       <p:sp>
         <p:nvSpPr>
           <p:cNvPr id="74" name="Google Shape;74;p14"/>
-          <p:cNvSpPr txBox="1"/>
+          <p:cNvSpPr txBox="1">
+            <a:spLocks noGrp="1"/>
+          </p:cNvSpPr>
           <p:nvPr>
-            <p:ph idx="1" type="body"/>
+            <p:ph type="body" idx="1"/>
           </p:nvPr>
         </p:nvSpPr>
         <p:spPr>
@@ -7389,12 +7556,12 @@
           </a:prstGeom>
         </p:spPr>
         <p:txBody>
-          <a:bodyPr anchorCtr="0" anchor="t" bIns="91425" lIns="91425" spcFirstLastPara="1" rIns="91425" wrap="square" tIns="91425">
+          <a:bodyPr spcFirstLastPara="1" wrap="square" lIns="91425" tIns="91425" rIns="91425" bIns="91425" anchor="t" anchorCtr="0">
             <a:noAutofit/>
           </a:bodyPr>
           <a:lstStyle/>
           <a:p>
-            <a:pPr indent="0" lvl="0" marL="0" rtl="0" algn="l">
+            <a:pPr marL="0" lvl="0" indent="0" algn="l" rtl="0">
               <a:spcBef>
                 <a:spcPts val="0"/>
               </a:spcBef>
@@ -7403,13 +7570,10 @@
               </a:spcAft>
               <a:buNone/>
             </a:pPr>
-            <a:r>
-              <a:t/>
-            </a:r>
             <a:endParaRPr/>
           </a:p>
           <a:p>
-            <a:pPr indent="0" lvl="0" marL="0" rtl="0" algn="l">
+            <a:pPr marL="0" lvl="0" indent="0" algn="l" rtl="0">
               <a:spcBef>
                 <a:spcPts val="1600"/>
               </a:spcBef>
@@ -7418,13 +7582,10 @@
               </a:spcAft>
               <a:buNone/>
             </a:pPr>
-            <a:r>
-              <a:t/>
-            </a:r>
             <a:endParaRPr/>
           </a:p>
           <a:p>
-            <a:pPr indent="0" lvl="0" marL="0" rtl="0" algn="l">
+            <a:pPr marL="0" lvl="0" indent="0" algn="l" rtl="0">
               <a:spcBef>
                 <a:spcPts val="1600"/>
               </a:spcBef>
@@ -7433,9 +7594,6 @@
               </a:spcAft>
               <a:buNone/>
             </a:pPr>
-            <a:r>
-              <a:t/>
-            </a:r>
             <a:endParaRPr/>
           </a:p>
         </p:txBody>
@@ -7488,12 +7646,12 @@
           </a:ln>
         </p:spPr>
         <p:txBody>
-          <a:bodyPr anchorCtr="0" anchor="t" bIns="91425" lIns="91425" spcFirstLastPara="1" rIns="91425" wrap="square" tIns="91425">
+          <a:bodyPr spcFirstLastPara="1" wrap="square" lIns="91425" tIns="91425" rIns="91425" bIns="91425" anchor="t" anchorCtr="0">
             <a:noAutofit/>
           </a:bodyPr>
           <a:lstStyle/>
           <a:p>
-            <a:pPr indent="0" lvl="0" marL="0" rtl="0" algn="l">
+            <a:pPr marL="0" lvl="0" indent="0" algn="l" rtl="0">
               <a:spcBef>
                 <a:spcPts val="0"/>
               </a:spcBef>
@@ -7503,7 +7661,7 @@
               <a:buNone/>
             </a:pPr>
             <a:r>
-              <a:rPr b="1" lang="en" sz="1200">
+              <a:rPr lang="en" sz="1200" b="1">
                 <a:latin typeface="Open Sans"/>
                 <a:ea typeface="Open Sans"/>
                 <a:cs typeface="Open Sans"/>
@@ -7511,7 +7669,7 @@
               </a:rPr>
               <a:t>Premise:</a:t>
             </a:r>
-            <a:endParaRPr b="1" sz="1200">
+            <a:endParaRPr sz="1200" b="1">
               <a:latin typeface="Open Sans"/>
               <a:ea typeface="Open Sans"/>
               <a:cs typeface="Open Sans"/>
@@ -7519,7 +7677,7 @@
             </a:endParaRPr>
           </a:p>
           <a:p>
-            <a:pPr indent="-304800" lvl="0" marL="457200" rtl="0" algn="l">
+            <a:pPr marL="457200" lvl="0" indent="-304800" algn="l" rtl="0">
               <a:spcBef>
                 <a:spcPts val="0"/>
               </a:spcBef>
@@ -7547,7 +7705,7 @@
             </a:endParaRPr>
           </a:p>
           <a:p>
-            <a:pPr indent="0" lvl="0" marL="457200" rtl="0" algn="l">
+            <a:pPr marL="457200" lvl="0" indent="0" algn="l" rtl="0">
               <a:spcBef>
                 <a:spcPts val="0"/>
               </a:spcBef>
@@ -7556,9 +7714,6 @@
               </a:spcAft>
               <a:buNone/>
             </a:pPr>
-            <a:r>
-              <a:t/>
-            </a:r>
             <a:endParaRPr sz="1200">
               <a:latin typeface="Open Sans"/>
               <a:ea typeface="Open Sans"/>
@@ -7567,7 +7722,7 @@
             </a:endParaRPr>
           </a:p>
           <a:p>
-            <a:pPr indent="0" lvl="0" marL="0" rtl="0" algn="l">
+            <a:pPr marL="0" lvl="0" indent="0" algn="l" rtl="0">
               <a:spcBef>
                 <a:spcPts val="0"/>
               </a:spcBef>
@@ -7576,9 +7731,6 @@
               </a:spcAft>
               <a:buNone/>
             </a:pPr>
-            <a:r>
-              <a:t/>
-            </a:r>
             <a:endParaRPr sz="1200">
               <a:latin typeface="Open Sans"/>
               <a:ea typeface="Open Sans"/>
@@ -7587,7 +7739,7 @@
             </a:endParaRPr>
           </a:p>
           <a:p>
-            <a:pPr indent="0" lvl="0" marL="0" rtl="0" algn="l">
+            <a:pPr marL="0" lvl="0" indent="0" algn="l" rtl="0">
               <a:spcBef>
                 <a:spcPts val="0"/>
               </a:spcBef>
@@ -7622,8 +7774,8 @@
         </p:nvSpPr>
         <p:spPr>
           <a:xfrm>
-            <a:off x="501900" y="4149375"/>
-            <a:ext cx="2925900" cy="327900"/>
+            <a:off x="437604" y="4149375"/>
+            <a:ext cx="2705644" cy="327900"/>
           </a:xfrm>
           <a:prstGeom prst="rect">
             <a:avLst/>
@@ -7634,12 +7786,12 @@
           </a:ln>
         </p:spPr>
         <p:txBody>
-          <a:bodyPr anchorCtr="0" anchor="t" bIns="91425" lIns="91425" spcFirstLastPara="1" rIns="91425" wrap="square" tIns="91425">
+          <a:bodyPr spcFirstLastPara="1" wrap="square" lIns="91425" tIns="91425" rIns="91425" bIns="91425" anchor="t" anchorCtr="0">
             <a:noAutofit/>
           </a:bodyPr>
           <a:lstStyle/>
           <a:p>
-            <a:pPr indent="0" lvl="0" marL="0" rtl="0" algn="l">
+            <a:pPr marL="0" lvl="0" indent="0" algn="l" rtl="0">
               <a:spcBef>
                 <a:spcPts val="0"/>
               </a:spcBef>
@@ -7649,15 +7801,15 @@
               <a:buNone/>
             </a:pPr>
             <a:r>
-              <a:rPr b="1" lang="en" sz="1200">
+              <a:rPr lang="en" sz="1100" b="1" dirty="0">
                 <a:latin typeface="Open Sans"/>
                 <a:ea typeface="Open Sans"/>
                 <a:cs typeface="Open Sans"/>
                 <a:sym typeface="Open Sans"/>
               </a:rPr>
-              <a:t>JOHN BIKING, THE BIKEHOP CEO</a:t>
+              <a:t>ALBERTO BIKING, THE BIKEHOP CEO</a:t>
             </a:r>
-            <a:endParaRPr b="1" sz="1200">
+            <a:endParaRPr sz="1100" b="1" dirty="0">
               <a:latin typeface="Open Sans"/>
               <a:ea typeface="Open Sans"/>
               <a:cs typeface="Open Sans"/>
@@ -7686,12 +7838,12 @@
           </a:ln>
         </p:spPr>
         <p:txBody>
-          <a:bodyPr anchorCtr="0" anchor="t" bIns="91425" lIns="91425" spcFirstLastPara="1" rIns="91425" wrap="square" tIns="91425">
+          <a:bodyPr spcFirstLastPara="1" wrap="square" lIns="91425" tIns="91425" rIns="91425" bIns="91425" anchor="t" anchorCtr="0">
             <a:noAutofit/>
           </a:bodyPr>
           <a:lstStyle/>
           <a:p>
-            <a:pPr indent="0" lvl="0" marL="0" rtl="0" algn="ctr">
+            <a:pPr marL="0" lvl="0" indent="0" algn="ctr" rtl="0">
               <a:spcBef>
                 <a:spcPts val="0"/>
               </a:spcBef>
@@ -7701,7 +7853,7 @@
               <a:buNone/>
             </a:pPr>
             <a:r>
-              <a:rPr b="1" lang="en" sz="1300">
+              <a:rPr lang="en" sz="1300" b="1">
                 <a:latin typeface="Open Sans"/>
                 <a:ea typeface="Open Sans"/>
                 <a:cs typeface="Open Sans"/>
@@ -7709,7 +7861,7 @@
               </a:rPr>
               <a:t>5 minutes later</a:t>
             </a:r>
-            <a:endParaRPr b="1" sz="1300">
+            <a:endParaRPr sz="1300" b="1">
               <a:latin typeface="Open Sans"/>
               <a:ea typeface="Open Sans"/>
               <a:cs typeface="Open Sans"/>
@@ -7720,30 +7872,32 @@
       </p:sp>
       <p:pic>
         <p:nvPicPr>
-          <p:cNvPr id="79" name="Google Shape;79;p14"/>
-          <p:cNvPicPr preferRelativeResize="0"/>
+          <p:cNvPr id="3" name="Imagen 2">
+            <a:extLst>
+              <a:ext uri="{FF2B5EF4-FFF2-40B4-BE49-F238E27FC236}">
+                <a16:creationId xmlns:a16="http://schemas.microsoft.com/office/drawing/2014/main" id="{5E0ED21F-94B0-466B-996E-199726E5389C}"/>
+              </a:ext>
+            </a:extLst>
+          </p:cNvPr>
+          <p:cNvPicPr>
+            <a:picLocks noChangeAspect="1"/>
+          </p:cNvPicPr>
           <p:nvPr/>
         </p:nvPicPr>
         <p:blipFill>
-          <a:blip r:embed="rId4">
-            <a:alphaModFix/>
-          </a:blip>
+          <a:blip r:embed="rId4"/>
           <a:stretch>
             <a:fillRect/>
           </a:stretch>
         </p:blipFill>
         <p:spPr>
           <a:xfrm>
-            <a:off x="254497" y="1480322"/>
-            <a:ext cx="2556675" cy="2556675"/>
+            <a:off x="501900" y="1195811"/>
+            <a:ext cx="2195580" cy="3011394"/>
           </a:xfrm>
           <a:prstGeom prst="rect">
             <a:avLst/>
           </a:prstGeom>
-          <a:noFill/>
-          <a:ln>
-            <a:noFill/>
-          </a:ln>
         </p:spPr>
       </p:pic>
       <p:sp>
@@ -7754,14 +7908,14 @@
         </p:nvSpPr>
         <p:spPr>
           <a:xfrm>
-            <a:off x="2409625" y="2192713"/>
-            <a:ext cx="3030900" cy="1449900"/>
+            <a:off x="2413851" y="1643063"/>
+            <a:ext cx="3029687" cy="1343025"/>
           </a:xfrm>
           <a:prstGeom prst="wedgeRoundRectCallout">
             <a:avLst>
-              <a:gd fmla="val -70398" name="adj1"/>
-              <a:gd fmla="val -15867" name="adj2"/>
-              <a:gd fmla="val 0" name="adj3"/>
+              <a:gd name="adj1" fmla="val -70398"/>
+              <a:gd name="adj2" fmla="val -15867"/>
+              <a:gd name="adj3" fmla="val 0"/>
             </a:avLst>
           </a:prstGeom>
           <a:solidFill>
@@ -7772,12 +7926,12 @@
           </a:ln>
         </p:spPr>
         <p:txBody>
-          <a:bodyPr anchorCtr="0" anchor="ctr" bIns="91425" lIns="91425" spcFirstLastPara="1" rIns="91425" wrap="square" tIns="91425">
+          <a:bodyPr spcFirstLastPara="1" wrap="square" lIns="91425" tIns="91425" rIns="91425" bIns="91425" anchor="ctr" anchorCtr="0">
             <a:noAutofit/>
           </a:bodyPr>
           <a:lstStyle/>
           <a:p>
-            <a:pPr indent="0" lvl="0" marL="0" rtl="0" algn="l">
+            <a:pPr marL="0" lvl="0" indent="0" algn="l" rtl="0">
               <a:spcBef>
                 <a:spcPts val="0"/>
               </a:spcBef>
@@ -7787,14 +7941,14 @@
               <a:buNone/>
             </a:pPr>
             <a:r>
-              <a:rPr lang="en" sz="1300">
+              <a:rPr lang="en" sz="1100" dirty="0">
                 <a:solidFill>
                   <a:srgbClr val="FFFFFF"/>
                 </a:solidFill>
               </a:rPr>
               <a:t>Victor, I am worried about COVID and our sales. I heard you want to become a Data Analyst. May you help me to predict our numbers? I will send you an email.</a:t>
             </a:r>
-            <a:endParaRPr sz="1300">
+            <a:endParaRPr sz="1100" dirty="0">
               <a:solidFill>
                 <a:srgbClr val="FFFFFF"/>
               </a:solidFill>
@@ -7810,67 +7964,35 @@
   <p:timing>
     <p:tnLst>
       <p:par>
-        <p:cTn dur="indefinite" nodeType="tmRoot" restart="never">
+        <p:cTn id="1" dur="indefinite" restart="never" nodeType="tmRoot">
           <p:childTnLst>
             <p:seq concurrent="1" nextAc="seek">
-              <p:cTn dur="indefinite" id="2" nodeType="mainSeq">
+              <p:cTn id="2" dur="indefinite" nodeType="mainSeq">
                 <p:childTnLst>
                   <p:par>
-                    <p:cTn fill="hold">
+                    <p:cTn id="3" fill="hold">
                       <p:stCondLst>
                         <p:cond delay="indefinite"/>
+                        <p:cond evt="onBegin" delay="0">
+                          <p:tn val="2"/>
+                        </p:cond>
                       </p:stCondLst>
                       <p:childTnLst>
                         <p:par>
-                          <p:cTn fill="hold">
+                          <p:cTn id="4" fill="hold">
                             <p:stCondLst>
                               <p:cond delay="0"/>
                             </p:stCondLst>
                             <p:childTnLst>
                               <p:par>
-                                <p:cTn fill="hold" nodeType="clickEffect" presetClass="entr" presetID="10" presetSubtype="0">
+                                <p:cTn id="5" presetID="10" presetClass="entr" presetSubtype="0" fill="hold" nodeType="withEffect">
                                   <p:stCondLst>
                                     <p:cond delay="0"/>
                                   </p:stCondLst>
                                   <p:childTnLst>
                                     <p:set>
                                       <p:cBhvr>
-                                        <p:cTn dur="1" fill="hold">
-                                          <p:stCondLst>
-                                            <p:cond delay="0"/>
-                                          </p:stCondLst>
-                                        </p:cTn>
-                                        <p:tgtEl>
-                                          <p:spTgt spid="79"/>
-                                        </p:tgtEl>
-                                        <p:attrNameLst>
-                                          <p:attrName>style.visibility</p:attrName>
-                                        </p:attrNameLst>
-                                      </p:cBhvr>
-                                      <p:to>
-                                        <p:strVal val="visible"/>
-                                      </p:to>
-                                    </p:set>
-                                    <p:animEffect filter="fade" transition="in">
-                                      <p:cBhvr>
-                                        <p:cTn dur="1000"/>
-                                        <p:tgtEl>
-                                          <p:spTgt spid="79"/>
-                                        </p:tgtEl>
-                                      </p:cBhvr>
-                                    </p:animEffect>
-                                  </p:childTnLst>
-                                </p:cTn>
-                              </p:par>
-                              <p:par>
-                                <p:cTn fill="hold" nodeType="withEffect" presetClass="entr" presetID="10" presetSubtype="0">
-                                  <p:stCondLst>
-                                    <p:cond delay="0"/>
-                                  </p:stCondLst>
-                                  <p:childTnLst>
-                                    <p:set>
-                                      <p:cBhvr>
-                                        <p:cTn dur="1" fill="hold">
+                                        <p:cTn id="6" dur="1" fill="hold">
                                           <p:stCondLst>
                                             <p:cond delay="0"/>
                                           </p:stCondLst>
@@ -7886,9 +8008,9 @@
                                         <p:strVal val="visible"/>
                                       </p:to>
                                     </p:set>
-                                    <p:animEffect filter="fade" transition="in">
+                                    <p:animEffect transition="in" filter="fade">
                                       <p:cBhvr>
-                                        <p:cTn dur="1000"/>
+                                        <p:cTn id="7" dur="1000"/>
                                         <p:tgtEl>
                                           <p:spTgt spid="77"/>
                                         </p:tgtEl>
@@ -7904,26 +8026,26 @@
                     </p:cTn>
                   </p:par>
                   <p:par>
-                    <p:cTn fill="hold">
+                    <p:cTn id="8" fill="hold">
                       <p:stCondLst>
                         <p:cond delay="indefinite"/>
                       </p:stCondLst>
                       <p:childTnLst>
                         <p:par>
-                          <p:cTn fill="hold">
+                          <p:cTn id="9" fill="hold">
                             <p:stCondLst>
                               <p:cond delay="0"/>
                             </p:stCondLst>
                             <p:childTnLst>
                               <p:par>
-                                <p:cTn fill="hold" nodeType="clickEffect" presetClass="entr" presetID="10" presetSubtype="0">
+                                <p:cTn id="10" presetID="10" presetClass="entr" presetSubtype="0" fill="hold" nodeType="clickEffect">
                                   <p:stCondLst>
                                     <p:cond delay="0"/>
                                   </p:stCondLst>
                                   <p:childTnLst>
                                     <p:set>
                                       <p:cBhvr>
-                                        <p:cTn dur="1" fill="hold">
+                                        <p:cTn id="11" dur="1" fill="hold">
                                           <p:stCondLst>
                                             <p:cond delay="0"/>
                                           </p:stCondLst>
@@ -7939,9 +8061,9 @@
                                         <p:strVal val="visible"/>
                                       </p:to>
                                     </p:set>
-                                    <p:animEffect filter="fade" transition="in">
+                                    <p:animEffect transition="in" filter="fade">
                                       <p:cBhvr>
-                                        <p:cTn dur="1000"/>
+                                        <p:cTn id="12" dur="1000"/>
                                         <p:tgtEl>
                                           <p:spTgt spid="80"/>
                                         </p:tgtEl>
@@ -7957,26 +8079,26 @@
                     </p:cTn>
                   </p:par>
                   <p:par>
-                    <p:cTn fill="hold">
+                    <p:cTn id="13" fill="hold">
                       <p:stCondLst>
                         <p:cond delay="indefinite"/>
                       </p:stCondLst>
                       <p:childTnLst>
                         <p:par>
-                          <p:cTn fill="hold">
+                          <p:cTn id="14" fill="hold">
                             <p:stCondLst>
                               <p:cond delay="0"/>
                             </p:stCondLst>
                             <p:childTnLst>
                               <p:par>
-                                <p:cTn fill="hold" nodeType="clickEffect" presetClass="entr" presetID="10" presetSubtype="0">
+                                <p:cTn id="15" presetID="10" presetClass="entr" presetSubtype="0" fill="hold" nodeType="clickEffect">
                                   <p:stCondLst>
                                     <p:cond delay="0"/>
                                   </p:stCondLst>
                                   <p:childTnLst>
                                     <p:set>
                                       <p:cBhvr>
-                                        <p:cTn dur="1" fill="hold">
+                                        <p:cTn id="16" dur="1" fill="hold">
                                           <p:stCondLst>
                                             <p:cond delay="0"/>
                                           </p:stCondLst>
@@ -7992,9 +8114,9 @@
                                         <p:strVal val="visible"/>
                                       </p:to>
                                     </p:set>
-                                    <p:animEffect filter="fade" transition="in">
+                                    <p:animEffect transition="in" filter="fade">
                                       <p:cBhvr>
-                                        <p:cTn dur="1000"/>
+                                        <p:cTn id="17" dur="1000"/>
                                         <p:tgtEl>
                                           <p:spTgt spid="78"/>
                                         </p:tgtEl>
@@ -8004,14 +8126,14 @@
                                 </p:cTn>
                               </p:par>
                               <p:par>
-                                <p:cTn fill="hold" nodeType="withEffect" presetClass="entr" presetID="10" presetSubtype="0">
+                                <p:cTn id="18" presetID="10" presetClass="entr" presetSubtype="0" fill="hold" nodeType="withEffect">
                                   <p:stCondLst>
                                     <p:cond delay="0"/>
                                   </p:stCondLst>
                                   <p:childTnLst>
                                     <p:set>
                                       <p:cBhvr>
-                                        <p:cTn dur="1" fill="hold">
+                                        <p:cTn id="19" dur="1" fill="hold">
                                           <p:stCondLst>
                                             <p:cond delay="0"/>
                                           </p:stCondLst>
@@ -8027,9 +8149,9 @@
                                         <p:strVal val="visible"/>
                                       </p:to>
                                     </p:set>
-                                    <p:animEffect filter="fade" transition="in">
+                                    <p:animEffect transition="in" filter="fade">
                                       <p:cBhvr>
-                                        <p:cTn dur="1000"/>
+                                        <p:cTn id="20" dur="1000"/>
                                         <p:tgtEl>
                                           <p:spTgt spid="75"/>
                                         </p:tgtEl>
@@ -8045,26 +8167,26 @@
                     </p:cTn>
                   </p:par>
                   <p:par>
-                    <p:cTn fill="hold">
+                    <p:cTn id="21" fill="hold">
                       <p:stCondLst>
                         <p:cond delay="indefinite"/>
                       </p:stCondLst>
                       <p:childTnLst>
                         <p:par>
-                          <p:cTn fill="hold">
+                          <p:cTn id="22" fill="hold">
                             <p:stCondLst>
                               <p:cond delay="0"/>
                             </p:stCondLst>
                             <p:childTnLst>
                               <p:par>
-                                <p:cTn fill="hold" nodeType="clickEffect" presetClass="entr" presetID="10" presetSubtype="0">
+                                <p:cTn id="23" presetID="10" presetClass="entr" presetSubtype="0" fill="hold" nodeType="clickEffect">
                                   <p:stCondLst>
                                     <p:cond delay="0"/>
                                   </p:stCondLst>
                                   <p:childTnLst>
                                     <p:set>
                                       <p:cBhvr>
-                                        <p:cTn dur="1" fill="hold">
+                                        <p:cTn id="24" dur="1" fill="hold">
                                           <p:stCondLst>
                                             <p:cond delay="0"/>
                                           </p:stCondLst>
@@ -8080,9 +8202,9 @@
                                         <p:strVal val="visible"/>
                                       </p:to>
                                     </p:set>
-                                    <p:animEffect filter="fade" transition="in">
+                                    <p:animEffect transition="in" filter="fade">
                                       <p:cBhvr>
-                                        <p:cTn dur="1000"/>
+                                        <p:cTn id="25" dur="1000"/>
                                         <p:tgtEl>
                                           <p:spTgt spid="76"/>
                                         </p:tgtEl>
@@ -8100,14 +8222,14 @@
                 </p:childTnLst>
               </p:cTn>
               <p:prevCondLst>
-                <p:cond evt="onPrev">
+                <p:cond evt="onPrev" delay="0">
                   <p:tgtEl>
                     <p:sldTgt/>
                   </p:tgtEl>
                 </p:cond>
               </p:prevCondLst>
               <p:nextCondLst>
-                <p:cond evt="onNext">
+                <p:cond evt="onNext" delay="0">
                   <p:tgtEl>
                     <p:sldTgt/>
                   </p:tgtEl>
@@ -8123,11 +8245,11 @@
 </file>
 
 <file path=ppt/slides/slide3.xml><?xml version="1.0" encoding="utf-8"?>
-<p:sld xmlns:a="http://schemas.openxmlformats.org/drawingml/2006/main" xmlns:r="http://schemas.openxmlformats.org/officeDocument/2006/relationships" xmlns:mc="http://schemas.openxmlformats.org/markup-compatibility/2006" xmlns:mv="urn:schemas-microsoft-com:mac:vml" xmlns:p="http://schemas.openxmlformats.org/presentationml/2006/main" xmlns:c="http://schemas.openxmlformats.org/drawingml/2006/chart" xmlns:dgm="http://schemas.openxmlformats.org/drawingml/2006/diagram" xmlns:o="urn:schemas-microsoft-com:office:office" xmlns:v="urn:schemas-microsoft-com:vml" xmlns:pvml="urn:schemas-microsoft-com:office:powerpoint" xmlns:com="http://schemas.openxmlformats.org/drawingml/2006/compatibility" xmlns:p14="http://schemas.microsoft.com/office/powerpoint/2010/main" xmlns:p15="http://schemas.microsoft.com/office/powerpoint/2012/main" xmlns:ahyp="http://schemas.microsoft.com/office/drawing/2018/hyperlinkcolor">
+<p:sld xmlns:a="http://schemas.openxmlformats.org/drawingml/2006/main" xmlns:r="http://schemas.openxmlformats.org/officeDocument/2006/relationships" xmlns:p="http://schemas.openxmlformats.org/presentationml/2006/main">
   <p:cSld>
     <p:spTree>
       <p:nvGrpSpPr>
-        <p:cNvPr id="84" name="Shape 84"/>
+        <p:cNvPr id="1" name="Shape 84"/>
         <p:cNvGrpSpPr/>
         <p:nvPr/>
       </p:nvGrpSpPr>
@@ -8142,7 +8264,9 @@
       <p:sp>
         <p:nvSpPr>
           <p:cNvPr id="85" name="Google Shape;85;p15"/>
-          <p:cNvSpPr txBox="1"/>
+          <p:cNvSpPr txBox="1">
+            <a:spLocks noGrp="1"/>
+          </p:cNvSpPr>
           <p:nvPr>
             <p:ph type="title"/>
           </p:nvPr>
@@ -8157,12 +8281,12 @@
           </a:prstGeom>
         </p:spPr>
         <p:txBody>
-          <a:bodyPr anchorCtr="0" anchor="t" bIns="91425" lIns="91425" spcFirstLastPara="1" rIns="91425" wrap="square" tIns="91425">
+          <a:bodyPr spcFirstLastPara="1" wrap="square" lIns="91425" tIns="91425" rIns="91425" bIns="91425" anchor="t" anchorCtr="0">
             <a:noAutofit/>
           </a:bodyPr>
           <a:lstStyle/>
           <a:p>
-            <a:pPr indent="0" lvl="0" marL="457200" rtl="0" algn="ctr">
+            <a:pPr marL="457200" lvl="0" indent="0" algn="ctr" rtl="0">
               <a:spcBef>
                 <a:spcPts val="0"/>
               </a:spcBef>
@@ -8199,12 +8323,12 @@
           </a:ln>
         </p:spPr>
         <p:txBody>
-          <a:bodyPr anchorCtr="0" anchor="t" bIns="91425" lIns="91425" spcFirstLastPara="1" rIns="91425" wrap="square" tIns="91425">
+          <a:bodyPr spcFirstLastPara="1" wrap="square" lIns="91425" tIns="91425" rIns="91425" bIns="91425" anchor="t" anchorCtr="0">
             <a:noAutofit/>
           </a:bodyPr>
           <a:lstStyle/>
           <a:p>
-            <a:pPr indent="0" lvl="0" marL="0" rtl="0" algn="l">
+            <a:pPr marL="0" lvl="0" indent="0" algn="l" rtl="0">
               <a:spcBef>
                 <a:spcPts val="0"/>
               </a:spcBef>
@@ -8214,7 +8338,7 @@
               <a:buNone/>
             </a:pPr>
             <a:r>
-              <a:rPr b="1" lang="en" sz="1000">
+              <a:rPr lang="en" sz="1000" b="1">
                 <a:latin typeface="Open Sans"/>
                 <a:ea typeface="Open Sans"/>
                 <a:cs typeface="Open Sans"/>
@@ -8223,7 +8347,7 @@
               <a:t>✔️</a:t>
             </a:r>
             <a:r>
-              <a:rPr b="1" lang="en" sz="1000">
+              <a:rPr lang="en" sz="1000" b="1">
                 <a:solidFill>
                   <a:srgbClr val="434343"/>
                 </a:solidFill>
@@ -8263,12 +8387,12 @@
           </a:ln>
         </p:spPr>
         <p:txBody>
-          <a:bodyPr anchorCtr="0" anchor="t" bIns="91425" lIns="91425" spcFirstLastPara="1" rIns="91425" wrap="square" tIns="91425">
+          <a:bodyPr spcFirstLastPara="1" wrap="square" lIns="91425" tIns="91425" rIns="91425" bIns="91425" anchor="t" anchorCtr="0">
             <a:noAutofit/>
           </a:bodyPr>
           <a:lstStyle/>
           <a:p>
-            <a:pPr indent="0" lvl="0" marL="0" rtl="0" algn="l">
+            <a:pPr marL="0" lvl="0" indent="0" algn="l" rtl="0">
               <a:spcBef>
                 <a:spcPts val="0"/>
               </a:spcBef>
@@ -8278,7 +8402,7 @@
               <a:buNone/>
             </a:pPr>
             <a:r>
-              <a:rPr b="1" lang="en" sz="1000">
+              <a:rPr lang="en" sz="1000" b="1">
                 <a:latin typeface="Open Sans"/>
                 <a:ea typeface="Open Sans"/>
                 <a:cs typeface="Open Sans"/>
@@ -8286,7 +8410,7 @@
               </a:rPr>
               <a:t>Bikehop_daily_sales.xlsx</a:t>
             </a:r>
-            <a:endParaRPr b="1" sz="1000">
+            <a:endParaRPr sz="1000" b="1">
               <a:latin typeface="Open Sans"/>
               <a:ea typeface="Open Sans"/>
               <a:cs typeface="Open Sans"/>
@@ -8415,32 +8539,32 @@
   <p:timing>
     <p:tnLst>
       <p:par>
-        <p:cTn dur="indefinite" nodeType="tmRoot" restart="never">
+        <p:cTn id="1" dur="indefinite" restart="never" nodeType="tmRoot">
           <p:childTnLst>
             <p:seq concurrent="1" nextAc="seek">
-              <p:cTn dur="indefinite" id="2" nodeType="mainSeq">
+              <p:cTn id="2" dur="indefinite" nodeType="mainSeq">
                 <p:childTnLst>
                   <p:par>
-                    <p:cTn fill="hold">
+                    <p:cTn id="3" fill="hold">
                       <p:stCondLst>
                         <p:cond delay="indefinite"/>
                       </p:stCondLst>
                       <p:childTnLst>
                         <p:par>
-                          <p:cTn fill="hold">
+                          <p:cTn id="4" fill="hold">
                             <p:stCondLst>
                               <p:cond delay="0"/>
                             </p:stCondLst>
                             <p:childTnLst>
                               <p:par>
-                                <p:cTn fill="hold" nodeType="clickEffect" presetClass="entr" presetID="10" presetSubtype="0">
+                                <p:cTn id="5" presetID="10" presetClass="entr" presetSubtype="0" fill="hold" nodeType="clickEffect">
                                   <p:stCondLst>
                                     <p:cond delay="0"/>
                                   </p:stCondLst>
                                   <p:childTnLst>
                                     <p:set>
                                       <p:cBhvr>
-                                        <p:cTn dur="1" fill="hold">
+                                        <p:cTn id="6" dur="1" fill="hold">
                                           <p:stCondLst>
                                             <p:cond delay="0"/>
                                           </p:stCondLst>
@@ -8456,9 +8580,9 @@
                                         <p:strVal val="visible"/>
                                       </p:to>
                                     </p:set>
-                                    <p:animEffect filter="fade" transition="in">
+                                    <p:animEffect transition="in" filter="fade">
                                       <p:cBhvr>
-                                        <p:cTn dur="1000"/>
+                                        <p:cTn id="7" dur="1000"/>
                                         <p:tgtEl>
                                           <p:spTgt spid="87"/>
                                         </p:tgtEl>
@@ -8474,26 +8598,26 @@
                     </p:cTn>
                   </p:par>
                   <p:par>
-                    <p:cTn fill="hold">
+                    <p:cTn id="8" fill="hold">
                       <p:stCondLst>
                         <p:cond delay="indefinite"/>
                       </p:stCondLst>
                       <p:childTnLst>
                         <p:par>
-                          <p:cTn fill="hold">
+                          <p:cTn id="9" fill="hold">
                             <p:stCondLst>
                               <p:cond delay="0"/>
                             </p:stCondLst>
                             <p:childTnLst>
                               <p:par>
-                                <p:cTn fill="hold" nodeType="clickEffect" presetClass="entr" presetID="10" presetSubtype="0">
+                                <p:cTn id="10" presetID="10" presetClass="entr" presetSubtype="0" fill="hold" nodeType="clickEffect">
                                   <p:stCondLst>
                                     <p:cond delay="0"/>
                                   </p:stCondLst>
                                   <p:childTnLst>
                                     <p:set>
                                       <p:cBhvr>
-                                        <p:cTn dur="1" fill="hold">
+                                        <p:cTn id="11" dur="1" fill="hold">
                                           <p:stCondLst>
                                             <p:cond delay="0"/>
                                           </p:stCondLst>
@@ -8509,9 +8633,9 @@
                                         <p:strVal val="visible"/>
                                       </p:to>
                                     </p:set>
-                                    <p:animEffect filter="fade" transition="in">
+                                    <p:animEffect transition="in" filter="fade">
                                       <p:cBhvr>
-                                        <p:cTn dur="1000"/>
+                                        <p:cTn id="12" dur="1000"/>
                                         <p:tgtEl>
                                           <p:spTgt spid="90"/>
                                         </p:tgtEl>
@@ -8521,14 +8645,14 @@
                                 </p:cTn>
                               </p:par>
                               <p:par>
-                                <p:cTn fill="hold" nodeType="withEffect" presetClass="entr" presetID="10" presetSubtype="0">
+                                <p:cTn id="13" presetID="10" presetClass="entr" presetSubtype="0" fill="hold" nodeType="withEffect">
                                   <p:stCondLst>
                                     <p:cond delay="0"/>
                                   </p:stCondLst>
                                   <p:childTnLst>
                                     <p:set>
                                       <p:cBhvr>
-                                        <p:cTn dur="1" fill="hold">
+                                        <p:cTn id="14" dur="1" fill="hold">
                                           <p:stCondLst>
                                             <p:cond delay="0"/>
                                           </p:stCondLst>
@@ -8544,9 +8668,9 @@
                                         <p:strVal val="visible"/>
                                       </p:to>
                                     </p:set>
-                                    <p:animEffect filter="fade" transition="in">
+                                    <p:animEffect transition="in" filter="fade">
                                       <p:cBhvr>
-                                        <p:cTn dur="1000"/>
+                                        <p:cTn id="15" dur="1000"/>
                                         <p:tgtEl>
                                           <p:spTgt spid="91"/>
                                         </p:tgtEl>
@@ -8556,14 +8680,14 @@
                                 </p:cTn>
                               </p:par>
                               <p:par>
-                                <p:cTn fill="hold" nodeType="withEffect" presetClass="entr" presetID="10" presetSubtype="0">
+                                <p:cTn id="16" presetID="10" presetClass="entr" presetSubtype="0" fill="hold" nodeType="withEffect">
                                   <p:stCondLst>
                                     <p:cond delay="0"/>
                                   </p:stCondLst>
                                   <p:childTnLst>
                                     <p:set>
                                       <p:cBhvr>
-                                        <p:cTn dur="1" fill="hold">
+                                        <p:cTn id="17" dur="1" fill="hold">
                                           <p:stCondLst>
                                             <p:cond delay="0"/>
                                           </p:stCondLst>
@@ -8579,9 +8703,9 @@
                                         <p:strVal val="visible"/>
                                       </p:to>
                                     </p:set>
-                                    <p:animEffect filter="fade" transition="in">
+                                    <p:animEffect transition="in" filter="fade">
                                       <p:cBhvr>
-                                        <p:cTn dur="1000"/>
+                                        <p:cTn id="18" dur="1000"/>
                                         <p:tgtEl>
                                           <p:spTgt spid="86"/>
                                         </p:tgtEl>
@@ -8591,14 +8715,14 @@
                                 </p:cTn>
                               </p:par>
                               <p:par>
-                                <p:cTn fill="hold" nodeType="withEffect" presetClass="entr" presetID="10" presetSubtype="0">
+                                <p:cTn id="19" presetID="10" presetClass="entr" presetSubtype="0" fill="hold" nodeType="withEffect">
                                   <p:stCondLst>
                                     <p:cond delay="0"/>
                                   </p:stCondLst>
                                   <p:childTnLst>
                                     <p:set>
                                       <p:cBhvr>
-                                        <p:cTn dur="1" fill="hold">
+                                        <p:cTn id="20" dur="1" fill="hold">
                                           <p:stCondLst>
                                             <p:cond delay="0"/>
                                           </p:stCondLst>
@@ -8614,9 +8738,9 @@
                                         <p:strVal val="visible"/>
                                       </p:to>
                                     </p:set>
-                                    <p:animEffect filter="fade" transition="in">
+                                    <p:animEffect transition="in" filter="fade">
                                       <p:cBhvr>
-                                        <p:cTn dur="1000"/>
+                                        <p:cTn id="21" dur="1000"/>
                                         <p:tgtEl>
                                           <p:spTgt spid="89"/>
                                         </p:tgtEl>
@@ -8632,26 +8756,26 @@
                     </p:cTn>
                   </p:par>
                   <p:par>
-                    <p:cTn fill="hold">
+                    <p:cTn id="22" fill="hold">
                       <p:stCondLst>
                         <p:cond delay="indefinite"/>
                       </p:stCondLst>
                       <p:childTnLst>
                         <p:par>
-                          <p:cTn fill="hold">
+                          <p:cTn id="23" fill="hold">
                             <p:stCondLst>
                               <p:cond delay="0"/>
                             </p:stCondLst>
                             <p:childTnLst>
                               <p:par>
-                                <p:cTn fill="hold" nodeType="clickEffect" presetClass="entr" presetID="10" presetSubtype="0">
+                                <p:cTn id="24" presetID="10" presetClass="entr" presetSubtype="0" fill="hold" nodeType="clickEffect">
                                   <p:stCondLst>
                                     <p:cond delay="0"/>
                                   </p:stCondLst>
                                   <p:childTnLst>
                                     <p:set>
                                       <p:cBhvr>
-                                        <p:cTn dur="1" fill="hold">
+                                        <p:cTn id="25" dur="1" fill="hold">
                                           <p:stCondLst>
                                             <p:cond delay="0"/>
                                           </p:stCondLst>
@@ -8667,9 +8791,9 @@
                                         <p:strVal val="visible"/>
                                       </p:to>
                                     </p:set>
-                                    <p:animEffect filter="fade" transition="in">
+                                    <p:animEffect transition="in" filter="fade">
                                       <p:cBhvr>
-                                        <p:cTn dur="1000"/>
+                                        <p:cTn id="26" dur="1000"/>
                                         <p:tgtEl>
                                           <p:spTgt spid="88"/>
                                         </p:tgtEl>
@@ -8687,14 +8811,14 @@
                 </p:childTnLst>
               </p:cTn>
               <p:prevCondLst>
-                <p:cond evt="onPrev">
+                <p:cond evt="onPrev" delay="0">
                   <p:tgtEl>
                     <p:sldTgt/>
                   </p:tgtEl>
                 </p:cond>
               </p:prevCondLst>
               <p:nextCondLst>
-                <p:cond evt="onNext">
+                <p:cond evt="onNext" delay="0">
                   <p:tgtEl>
                     <p:sldTgt/>
                   </p:tgtEl>
@@ -8710,11 +8834,11 @@
 </file>
 
 <file path=ppt/slides/slide4.xml><?xml version="1.0" encoding="utf-8"?>
-<p:sld xmlns:a="http://schemas.openxmlformats.org/drawingml/2006/main" xmlns:r="http://schemas.openxmlformats.org/officeDocument/2006/relationships" xmlns:mc="http://schemas.openxmlformats.org/markup-compatibility/2006" xmlns:mv="urn:schemas-microsoft-com:mac:vml" xmlns:p="http://schemas.openxmlformats.org/presentationml/2006/main" xmlns:c="http://schemas.openxmlformats.org/drawingml/2006/chart" xmlns:dgm="http://schemas.openxmlformats.org/drawingml/2006/diagram" xmlns:o="urn:schemas-microsoft-com:office:office" xmlns:v="urn:schemas-microsoft-com:vml" xmlns:pvml="urn:schemas-microsoft-com:office:powerpoint" xmlns:com="http://schemas.openxmlformats.org/drawingml/2006/compatibility" xmlns:p14="http://schemas.microsoft.com/office/powerpoint/2010/main" xmlns:p15="http://schemas.microsoft.com/office/powerpoint/2012/main" xmlns:ahyp="http://schemas.microsoft.com/office/drawing/2018/hyperlinkcolor">
+<p:sld xmlns:a="http://schemas.openxmlformats.org/drawingml/2006/main" xmlns:r="http://schemas.openxmlformats.org/officeDocument/2006/relationships" xmlns:p="http://schemas.openxmlformats.org/presentationml/2006/main">
   <p:cSld>
     <p:spTree>
       <p:nvGrpSpPr>
-        <p:cNvPr id="95" name="Shape 95"/>
+        <p:cNvPr id="1" name="Shape 95"/>
         <p:cNvGrpSpPr/>
         <p:nvPr/>
       </p:nvGrpSpPr>
@@ -8729,7 +8853,9 @@
       <p:sp>
         <p:nvSpPr>
           <p:cNvPr id="96" name="Google Shape;96;p16"/>
-          <p:cNvSpPr txBox="1"/>
+          <p:cNvSpPr txBox="1">
+            <a:spLocks noGrp="1"/>
+          </p:cNvSpPr>
           <p:nvPr>
             <p:ph type="title"/>
           </p:nvPr>
@@ -8744,12 +8870,12 @@
           </a:prstGeom>
         </p:spPr>
         <p:txBody>
-          <a:bodyPr anchorCtr="0" anchor="t" bIns="91425" lIns="91425" spcFirstLastPara="1" rIns="91425" wrap="square" tIns="91425">
+          <a:bodyPr spcFirstLastPara="1" wrap="square" lIns="91425" tIns="91425" rIns="91425" bIns="91425" anchor="t" anchorCtr="0">
             <a:noAutofit/>
           </a:bodyPr>
           <a:lstStyle/>
           <a:p>
-            <a:pPr indent="0" lvl="0" marL="0" rtl="0" algn="ctr">
+            <a:pPr marL="0" lvl="0" indent="0" algn="ctr" rtl="0">
               <a:spcBef>
                 <a:spcPts val="0"/>
               </a:spcBef>
@@ -8814,12 +8940,12 @@
           </a:ln>
         </p:spPr>
         <p:txBody>
-          <a:bodyPr anchorCtr="0" anchor="t" bIns="91425" lIns="91425" spcFirstLastPara="1" rIns="91425" wrap="square" tIns="91425">
+          <a:bodyPr spcFirstLastPara="1" wrap="square" lIns="91425" tIns="91425" rIns="91425" bIns="91425" anchor="t" anchorCtr="0">
             <a:noAutofit/>
           </a:bodyPr>
           <a:lstStyle/>
           <a:p>
-            <a:pPr indent="0" lvl="0" marL="0" rtl="0" algn="l">
+            <a:pPr marL="0" lvl="0" indent="0" algn="l" rtl="0">
               <a:spcBef>
                 <a:spcPts val="0"/>
               </a:spcBef>
@@ -8829,7 +8955,7 @@
               <a:buNone/>
             </a:pPr>
             <a:r>
-              <a:rPr b="1" lang="en" sz="1000">
+              <a:rPr lang="en" sz="1000" b="1">
                 <a:latin typeface="Open Sans"/>
                 <a:ea typeface="Open Sans"/>
                 <a:cs typeface="Open Sans"/>
@@ -8837,14 +8963,14 @@
               </a:rPr>
               <a:t>✔️ From time series to supervised problem: making data stationary</a:t>
             </a:r>
-            <a:endParaRPr b="1" sz="1050">
+            <a:endParaRPr sz="1050" b="1">
               <a:highlight>
                 <a:srgbClr val="FFFFFF"/>
               </a:highlight>
             </a:endParaRPr>
           </a:p>
           <a:p>
-            <a:pPr indent="0" lvl="0" marL="0" rtl="0" algn="l">
+            <a:pPr marL="0" lvl="0" indent="0" algn="l" rtl="0">
               <a:spcBef>
                 <a:spcPts val="0"/>
               </a:spcBef>
@@ -8853,10 +8979,7 @@
               </a:spcAft>
               <a:buNone/>
             </a:pPr>
-            <a:r>
-              <a:t/>
-            </a:r>
-            <a:endParaRPr b="1" sz="1000">
+            <a:endParaRPr sz="1000" b="1">
               <a:solidFill>
                 <a:srgbClr val="434343"/>
               </a:solidFill>
@@ -8867,7 +8990,7 @@
             </a:endParaRPr>
           </a:p>
           <a:p>
-            <a:pPr indent="0" lvl="0" marL="0" rtl="0" algn="l">
+            <a:pPr marL="0" lvl="0" indent="0" algn="l" rtl="0">
               <a:spcBef>
                 <a:spcPts val="0"/>
               </a:spcBef>
@@ -8877,7 +9000,7 @@
               <a:buNone/>
             </a:pPr>
             <a:r>
-              <a:rPr b="1" lang="en" sz="1000">
+              <a:rPr lang="en" sz="1000" b="1">
                 <a:latin typeface="Open Sans"/>
                 <a:ea typeface="Open Sans"/>
                 <a:cs typeface="Open Sans"/>
@@ -8886,7 +9009,7 @@
               <a:t>✔️</a:t>
             </a:r>
             <a:r>
-              <a:rPr b="1" lang="en" sz="1000">
+              <a:rPr lang="en" sz="1000" b="1">
                 <a:solidFill>
                   <a:srgbClr val="434343"/>
                 </a:solidFill>
@@ -8897,7 +9020,7 @@
               </a:rPr>
               <a:t> 75% of Adjusted R-Squared</a:t>
             </a:r>
-            <a:endParaRPr b="1" sz="1000">
+            <a:endParaRPr sz="1000" b="1">
               <a:solidFill>
                 <a:srgbClr val="434343"/>
               </a:solidFill>
@@ -8908,7 +9031,7 @@
             </a:endParaRPr>
           </a:p>
           <a:p>
-            <a:pPr indent="0" lvl="0" marL="0" rtl="0" algn="l">
+            <a:pPr marL="0" lvl="0" indent="0" algn="l" rtl="0">
               <a:spcBef>
                 <a:spcPts val="0"/>
               </a:spcBef>
@@ -8917,10 +9040,7 @@
               </a:spcAft>
               <a:buNone/>
             </a:pPr>
-            <a:r>
-              <a:t/>
-            </a:r>
-            <a:endParaRPr b="1" sz="1000">
+            <a:endParaRPr sz="1000" b="1">
               <a:solidFill>
                 <a:srgbClr val="434343"/>
               </a:solidFill>
@@ -8931,7 +9051,7 @@
             </a:endParaRPr>
           </a:p>
           <a:p>
-            <a:pPr indent="0" lvl="0" marL="0" rtl="0" algn="l">
+            <a:pPr marL="0" lvl="0" indent="0" algn="l" rtl="0">
               <a:spcBef>
                 <a:spcPts val="0"/>
               </a:spcBef>
@@ -8941,7 +9061,7 @@
               <a:buNone/>
             </a:pPr>
             <a:r>
-              <a:rPr b="1" lang="en" sz="1000">
+              <a:rPr lang="en" sz="1000" b="1">
                 <a:latin typeface="Open Sans"/>
                 <a:ea typeface="Open Sans"/>
                 <a:cs typeface="Open Sans"/>
@@ -8950,7 +9070,7 @@
               <a:t>✔️</a:t>
             </a:r>
             <a:r>
-              <a:rPr b="1" lang="en" sz="1000">
+              <a:rPr lang="en" sz="1000" b="1">
                 <a:solidFill>
                   <a:srgbClr val="434343"/>
                 </a:solidFill>
@@ -8969,7 +9089,7 @@
             </a:endParaRPr>
           </a:p>
           <a:p>
-            <a:pPr indent="0" lvl="0" marL="0" rtl="0" algn="l">
+            <a:pPr marL="0" lvl="0" indent="0" algn="l" rtl="0">
               <a:spcBef>
                 <a:spcPts val="0"/>
               </a:spcBef>
@@ -8978,10 +9098,7 @@
               </a:spcAft>
               <a:buNone/>
             </a:pPr>
-            <a:r>
-              <a:t/>
-            </a:r>
-            <a:endParaRPr b="1" sz="1000">
+            <a:endParaRPr sz="1000" b="1">
               <a:solidFill>
                 <a:srgbClr val="434343"/>
               </a:solidFill>
@@ -8992,7 +9109,7 @@
             </a:endParaRPr>
           </a:p>
           <a:p>
-            <a:pPr indent="0" lvl="0" marL="0" rtl="0" algn="l">
+            <a:pPr marL="0" lvl="0" indent="0" algn="l" rtl="0">
               <a:spcBef>
                 <a:spcPts val="0"/>
               </a:spcBef>
@@ -9002,7 +9119,7 @@
               <a:buNone/>
             </a:pPr>
             <a:r>
-              <a:rPr b="1" lang="en" sz="1000">
+              <a:rPr lang="en" sz="1000" b="1">
                 <a:latin typeface="Open Sans"/>
                 <a:ea typeface="Open Sans"/>
                 <a:cs typeface="Open Sans"/>
@@ -9011,7 +9128,7 @@
               <a:t>✔️</a:t>
             </a:r>
             <a:r>
-              <a:rPr b="1" lang="en" sz="1000">
+              <a:rPr lang="en" sz="1000" b="1">
                 <a:solidFill>
                   <a:srgbClr val="434343"/>
                 </a:solidFill>
@@ -9022,7 +9139,7 @@
               </a:rPr>
               <a:t> Build the model</a:t>
             </a:r>
-            <a:endParaRPr b="1" sz="1000">
+            <a:endParaRPr sz="1000" b="1">
               <a:solidFill>
                 <a:srgbClr val="434343"/>
               </a:solidFill>
@@ -9033,7 +9150,7 @@
             </a:endParaRPr>
           </a:p>
           <a:p>
-            <a:pPr indent="0" lvl="0" marL="0" rtl="0" algn="l">
+            <a:pPr marL="0" lvl="0" indent="0" algn="l" rtl="0">
               <a:spcBef>
                 <a:spcPts val="0"/>
               </a:spcBef>
@@ -9042,10 +9159,7 @@
               </a:spcAft>
               <a:buNone/>
             </a:pPr>
-            <a:r>
-              <a:t/>
-            </a:r>
-            <a:endParaRPr b="1" sz="1000">
+            <a:endParaRPr sz="1000" b="1">
               <a:solidFill>
                 <a:srgbClr val="434343"/>
               </a:solidFill>
@@ -9056,7 +9170,7 @@
             </a:endParaRPr>
           </a:p>
           <a:p>
-            <a:pPr indent="-292100" lvl="0" marL="457200" rtl="0" algn="l">
+            <a:pPr marL="457200" lvl="0" indent="-292100" algn="l" rtl="0">
               <a:spcBef>
                 <a:spcPts val="0"/>
               </a:spcBef>
@@ -9071,7 +9185,7 @@
               <a:buChar char="●"/>
             </a:pPr>
             <a:r>
-              <a:rPr b="1" lang="en" sz="1000">
+              <a:rPr lang="en" sz="1000" b="1">
                 <a:solidFill>
                   <a:srgbClr val="434343"/>
                 </a:solidFill>
@@ -9082,7 +9196,7 @@
               </a:rPr>
               <a:t>units=4</a:t>
             </a:r>
-            <a:endParaRPr b="1" sz="1000">
+            <a:endParaRPr sz="1000" b="1">
               <a:solidFill>
                 <a:srgbClr val="434343"/>
               </a:solidFill>
@@ -9093,7 +9207,7 @@
             </a:endParaRPr>
           </a:p>
           <a:p>
-            <a:pPr indent="-292100" lvl="0" marL="457200" rtl="0" algn="l">
+            <a:pPr marL="457200" lvl="0" indent="-292100" algn="l" rtl="0">
               <a:spcBef>
                 <a:spcPts val="0"/>
               </a:spcBef>
@@ -9108,7 +9222,7 @@
               <a:buChar char="●"/>
             </a:pPr>
             <a:r>
-              <a:rPr b="1" lang="en" sz="1000">
+              <a:rPr lang="en" sz="1000" b="1">
                 <a:solidFill>
                   <a:srgbClr val="434343"/>
                 </a:solidFill>
@@ -9119,7 +9233,7 @@
               </a:rPr>
               <a:t>loss='mean_squared_error', </a:t>
             </a:r>
-            <a:endParaRPr b="1" sz="1000">
+            <a:endParaRPr sz="1000" b="1">
               <a:solidFill>
                 <a:srgbClr val="434343"/>
               </a:solidFill>
@@ -9130,7 +9244,7 @@
             </a:endParaRPr>
           </a:p>
           <a:p>
-            <a:pPr indent="-292100" lvl="0" marL="457200" rtl="0" algn="l">
+            <a:pPr marL="457200" lvl="0" indent="-292100" algn="l" rtl="0">
               <a:spcBef>
                 <a:spcPts val="0"/>
               </a:spcBef>
@@ -9145,7 +9259,7 @@
               <a:buChar char="●"/>
             </a:pPr>
             <a:r>
-              <a:rPr b="1" lang="en" sz="1000">
+              <a:rPr lang="en" sz="1000" b="1">
                 <a:solidFill>
                   <a:srgbClr val="434343"/>
                 </a:solidFill>
@@ -9156,7 +9270,7 @@
               </a:rPr>
               <a:t>optimizer='adam', </a:t>
             </a:r>
-            <a:endParaRPr b="1" sz="1000">
+            <a:endParaRPr sz="1000" b="1">
               <a:solidFill>
                 <a:srgbClr val="434343"/>
               </a:solidFill>
@@ -9167,7 +9281,7 @@
             </a:endParaRPr>
           </a:p>
           <a:p>
-            <a:pPr indent="-292100" lvl="0" marL="457200" rtl="0" algn="l">
+            <a:pPr marL="457200" lvl="0" indent="-292100" algn="l" rtl="0">
               <a:spcBef>
                 <a:spcPts val="0"/>
               </a:spcBef>
@@ -9182,7 +9296,7 @@
               <a:buChar char="●"/>
             </a:pPr>
             <a:r>
-              <a:rPr b="1" lang="en" sz="1000">
+              <a:rPr lang="en" sz="1000" b="1">
                 <a:solidFill>
                   <a:srgbClr val="434343"/>
                 </a:solidFill>
@@ -9193,7 +9307,7 @@
               </a:rPr>
               <a:t>epochs=300,</a:t>
             </a:r>
-            <a:endParaRPr b="1" sz="1000">
+            <a:endParaRPr sz="1000" b="1">
               <a:solidFill>
                 <a:srgbClr val="434343"/>
               </a:solidFill>
@@ -9204,7 +9318,7 @@
             </a:endParaRPr>
           </a:p>
           <a:p>
-            <a:pPr indent="-292100" lvl="0" marL="457200" rtl="0" algn="l">
+            <a:pPr marL="457200" lvl="0" indent="-292100" algn="l" rtl="0">
               <a:spcBef>
                 <a:spcPts val="0"/>
               </a:spcBef>
@@ -9219,7 +9333,7 @@
               <a:buChar char="●"/>
             </a:pPr>
             <a:r>
-              <a:rPr b="1" lang="en" sz="1000">
+              <a:rPr lang="en" sz="1000" b="1">
                 <a:solidFill>
                   <a:srgbClr val="434343"/>
                 </a:solidFill>
@@ -9230,7 +9344,7 @@
               </a:rPr>
               <a:t>batch_size=1</a:t>
             </a:r>
-            <a:endParaRPr b="1" sz="1000">
+            <a:endParaRPr sz="1000" b="1">
               <a:solidFill>
                 <a:srgbClr val="434343"/>
               </a:solidFill>
@@ -9241,7 +9355,7 @@
             </a:endParaRPr>
           </a:p>
           <a:p>
-            <a:pPr indent="0" lvl="0" marL="0" rtl="0" algn="l">
+            <a:pPr marL="0" lvl="0" indent="0" algn="l" rtl="0">
               <a:spcBef>
                 <a:spcPts val="0"/>
               </a:spcBef>
@@ -9250,10 +9364,7 @@
               </a:spcAft>
               <a:buNone/>
             </a:pPr>
-            <a:r>
-              <a:t/>
-            </a:r>
-            <a:endParaRPr b="1" sz="1000">
+            <a:endParaRPr sz="1000" b="1">
               <a:solidFill>
                 <a:srgbClr val="434343"/>
               </a:solidFill>
@@ -9264,7 +9375,7 @@
             </a:endParaRPr>
           </a:p>
           <a:p>
-            <a:pPr indent="0" lvl="0" marL="0" rtl="0" algn="l">
+            <a:pPr marL="0" lvl="0" indent="0" algn="l" rtl="0">
               <a:spcBef>
                 <a:spcPts val="0"/>
               </a:spcBef>
@@ -9274,7 +9385,7 @@
               <a:buNone/>
             </a:pPr>
             <a:r>
-              <a:rPr b="1" lang="en" sz="1000">
+              <a:rPr lang="en" sz="1000" b="1">
                 <a:latin typeface="Open Sans"/>
                 <a:ea typeface="Open Sans"/>
                 <a:cs typeface="Open Sans"/>
@@ -9283,7 +9394,7 @@
               <a:t>✔️</a:t>
             </a:r>
             <a:r>
-              <a:rPr b="1" lang="en" sz="1000">
+              <a:rPr lang="en" sz="1000" b="1">
                 <a:solidFill>
                   <a:srgbClr val="434343"/>
                 </a:solidFill>
@@ -9302,7 +9413,7 @@
             </a:endParaRPr>
           </a:p>
           <a:p>
-            <a:pPr indent="0" lvl="0" marL="0" rtl="0" algn="l">
+            <a:pPr marL="0" lvl="0" indent="0" algn="l" rtl="0">
               <a:spcBef>
                 <a:spcPts val="0"/>
               </a:spcBef>
@@ -9311,10 +9422,7 @@
               </a:spcAft>
               <a:buNone/>
             </a:pPr>
-            <a:r>
-              <a:t/>
-            </a:r>
-            <a:endParaRPr b="1" sz="1000">
+            <a:endParaRPr sz="1000" b="1">
               <a:solidFill>
                 <a:srgbClr val="434343"/>
               </a:solidFill>
@@ -9359,13 +9467,13 @@
   <p:clrMapOvr>
     <a:masterClrMapping/>
   </p:clrMapOvr>
-  <mc:AlternateContent>
+  <mc:AlternateContent xmlns:mc="http://schemas.openxmlformats.org/markup-compatibility/2006" xmlns:p14="http://schemas.microsoft.com/office/powerpoint/2010/main">
     <mc:Choice Requires="p14">
       <p:transition spd="slow" p14:dur="1200">
         <p:fade thruBlk="1"/>
       </p:transition>
     </mc:Choice>
-    <mc:Fallback>
+    <mc:Fallback xmlns:ahyp="http://schemas.microsoft.com/office/drawing/2018/hyperlinkcolor" xmlns:p15="http://schemas.microsoft.com/office/powerpoint/2012/main" xmlns:com="http://schemas.openxmlformats.org/drawingml/2006/compatibility" xmlns:pvml="urn:schemas-microsoft-com:office:powerpoint" xmlns:v="urn:schemas-microsoft-com:vml" xmlns:o="urn:schemas-microsoft-com:office:office" xmlns:dgm="http://schemas.openxmlformats.org/drawingml/2006/diagram" xmlns:c="http://schemas.openxmlformats.org/drawingml/2006/chart" xmlns:mv="urn:schemas-microsoft-com:mac:vml" xmlns="">
       <p:transition spd="slow">
         <p:fade/>
       </p:transition>
@@ -9374,32 +9482,32 @@
   <p:timing>
     <p:tnLst>
       <p:par>
-        <p:cTn dur="indefinite" nodeType="tmRoot" restart="never">
+        <p:cTn id="1" dur="indefinite" restart="never" nodeType="tmRoot">
           <p:childTnLst>
             <p:seq concurrent="1" nextAc="seek">
-              <p:cTn dur="indefinite" id="2" nodeType="mainSeq">
+              <p:cTn id="2" dur="indefinite" nodeType="mainSeq">
                 <p:childTnLst>
                   <p:par>
-                    <p:cTn fill="hold">
+                    <p:cTn id="3" fill="hold">
                       <p:stCondLst>
                         <p:cond delay="indefinite"/>
                       </p:stCondLst>
                       <p:childTnLst>
                         <p:par>
-                          <p:cTn fill="hold">
+                          <p:cTn id="4" fill="hold">
                             <p:stCondLst>
                               <p:cond delay="0"/>
                             </p:stCondLst>
                             <p:childTnLst>
                               <p:par>
-                                <p:cTn fill="hold" nodeType="clickEffect" presetClass="entr" presetID="10" presetSubtype="0">
+                                <p:cTn id="5" presetID="10" presetClass="entr" presetSubtype="0" fill="hold" nodeType="clickEffect">
                                   <p:stCondLst>
                                     <p:cond delay="0"/>
                                   </p:stCondLst>
                                   <p:childTnLst>
                                     <p:set>
                                       <p:cBhvr>
-                                        <p:cTn dur="1" fill="hold">
+                                        <p:cTn id="6" dur="1" fill="hold">
                                           <p:stCondLst>
                                             <p:cond delay="0"/>
                                           </p:stCondLst>
@@ -9415,9 +9523,9 @@
                                         <p:strVal val="visible"/>
                                       </p:to>
                                     </p:set>
-                                    <p:animEffect filter="fade" transition="in">
+                                    <p:animEffect transition="in" filter="fade">
                                       <p:cBhvr>
-                                        <p:cTn dur="1000"/>
+                                        <p:cTn id="7" dur="1000"/>
                                         <p:tgtEl>
                                           <p:spTgt spid="98"/>
                                         </p:tgtEl>
@@ -9433,26 +9541,26 @@
                     </p:cTn>
                   </p:par>
                   <p:par>
-                    <p:cTn fill="hold">
+                    <p:cTn id="8" fill="hold">
                       <p:stCondLst>
                         <p:cond delay="indefinite"/>
                       </p:stCondLst>
                       <p:childTnLst>
                         <p:par>
-                          <p:cTn fill="hold">
+                          <p:cTn id="9" fill="hold">
                             <p:stCondLst>
                               <p:cond delay="0"/>
                             </p:stCondLst>
                             <p:childTnLst>
                               <p:par>
-                                <p:cTn fill="hold" nodeType="clickEffect" presetClass="entr" presetID="10" presetSubtype="0">
+                                <p:cTn id="10" presetID="10" presetClass="entr" presetSubtype="0" fill="hold" nodeType="clickEffect">
                                   <p:stCondLst>
                                     <p:cond delay="0"/>
                                   </p:stCondLst>
                                   <p:childTnLst>
                                     <p:set>
                                       <p:cBhvr>
-                                        <p:cTn dur="1" fill="hold">
+                                        <p:cTn id="11" dur="1" fill="hold">
                                           <p:stCondLst>
                                             <p:cond delay="0"/>
                                           </p:stCondLst>
@@ -9468,9 +9576,9 @@
                                         <p:strVal val="visible"/>
                                       </p:to>
                                     </p:set>
-                                    <p:animEffect filter="fade" transition="in">
+                                    <p:animEffect transition="in" filter="fade">
                                       <p:cBhvr>
-                                        <p:cTn dur="1000"/>
+                                        <p:cTn id="12" dur="1000"/>
                                         <p:tgtEl>
                                           <p:spTgt spid="99"/>
                                         </p:tgtEl>
@@ -9488,14 +9596,14 @@
                 </p:childTnLst>
               </p:cTn>
               <p:prevCondLst>
-                <p:cond evt="onPrev">
+                <p:cond evt="onPrev" delay="0">
                   <p:tgtEl>
                     <p:sldTgt/>
                   </p:tgtEl>
                 </p:cond>
               </p:prevCondLst>
               <p:nextCondLst>
-                <p:cond evt="onNext">
+                <p:cond evt="onNext" delay="0">
                   <p:tgtEl>
                     <p:sldTgt/>
                   </p:tgtEl>
@@ -9511,11 +9619,11 @@
 </file>
 
 <file path=ppt/slides/slide5.xml><?xml version="1.0" encoding="utf-8"?>
-<p:sld xmlns:a="http://schemas.openxmlformats.org/drawingml/2006/main" xmlns:r="http://schemas.openxmlformats.org/officeDocument/2006/relationships" xmlns:mc="http://schemas.openxmlformats.org/markup-compatibility/2006" xmlns:mv="urn:schemas-microsoft-com:mac:vml" xmlns:p="http://schemas.openxmlformats.org/presentationml/2006/main" xmlns:c="http://schemas.openxmlformats.org/drawingml/2006/chart" xmlns:dgm="http://schemas.openxmlformats.org/drawingml/2006/diagram" xmlns:o="urn:schemas-microsoft-com:office:office" xmlns:v="urn:schemas-microsoft-com:vml" xmlns:pvml="urn:schemas-microsoft-com:office:powerpoint" xmlns:com="http://schemas.openxmlformats.org/drawingml/2006/compatibility" xmlns:p14="http://schemas.microsoft.com/office/powerpoint/2010/main" xmlns:p15="http://schemas.microsoft.com/office/powerpoint/2012/main" xmlns:ahyp="http://schemas.microsoft.com/office/drawing/2018/hyperlinkcolor">
+<p:sld xmlns:a="http://schemas.openxmlformats.org/drawingml/2006/main" xmlns:r="http://schemas.openxmlformats.org/officeDocument/2006/relationships" xmlns:p="http://schemas.openxmlformats.org/presentationml/2006/main">
   <p:cSld>
     <p:spTree>
       <p:nvGrpSpPr>
-        <p:cNvPr id="103" name="Shape 103"/>
+        <p:cNvPr id="1" name="Shape 103"/>
         <p:cNvGrpSpPr/>
         <p:nvPr/>
       </p:nvGrpSpPr>
@@ -9530,7 +9638,9 @@
       <p:sp>
         <p:nvSpPr>
           <p:cNvPr id="104" name="Google Shape;104;p17"/>
-          <p:cNvSpPr txBox="1"/>
+          <p:cNvSpPr txBox="1">
+            <a:spLocks noGrp="1"/>
+          </p:cNvSpPr>
           <p:nvPr>
             <p:ph type="title"/>
           </p:nvPr>
@@ -9545,12 +9655,12 @@
           </a:prstGeom>
         </p:spPr>
         <p:txBody>
-          <a:bodyPr anchorCtr="0" anchor="t" bIns="91425" lIns="91425" spcFirstLastPara="1" rIns="91425" wrap="square" tIns="91425">
+          <a:bodyPr spcFirstLastPara="1" wrap="square" lIns="91425" tIns="91425" rIns="91425" bIns="91425" anchor="t" anchorCtr="0">
             <a:noAutofit/>
           </a:bodyPr>
           <a:lstStyle/>
           <a:p>
-            <a:pPr indent="0" lvl="0" marL="0" rtl="0" algn="ctr">
+            <a:pPr marL="0" lvl="0" indent="0" algn="ctr" rtl="0">
               <a:spcBef>
                 <a:spcPts val="0"/>
               </a:spcBef>
@@ -9560,14 +9670,14 @@
               <a:buNone/>
             </a:pPr>
             <a:r>
-              <a:rPr lang="en" sz="2800">
+              <a:rPr lang="en" sz="2800" dirty="0">
                 <a:solidFill>
                   <a:srgbClr val="4A86E8"/>
                 </a:solidFill>
               </a:rPr>
-              <a:t>KERAS John’s feedback</a:t>
+              <a:t>KERAS Alberto’s feedback</a:t>
             </a:r>
-            <a:endParaRPr sz="2800">
+            <a:endParaRPr sz="2800" dirty="0">
               <a:solidFill>
                 <a:srgbClr val="4A86E8"/>
               </a:solidFill>
@@ -9611,14 +9721,14 @@
         </p:nvSpPr>
         <p:spPr>
           <a:xfrm>
-            <a:off x="3311688" y="1749150"/>
-            <a:ext cx="3880800" cy="1645200"/>
+            <a:off x="3239638" y="2113875"/>
+            <a:ext cx="3880800" cy="972619"/>
           </a:xfrm>
           <a:prstGeom prst="wedgeRoundRectCallout">
             <a:avLst>
-              <a:gd fmla="val -64030" name="adj1"/>
-              <a:gd fmla="val 6270" name="adj2"/>
-              <a:gd fmla="val 0" name="adj3"/>
+              <a:gd name="adj1" fmla="val -64030"/>
+              <a:gd name="adj2" fmla="val 6270"/>
+              <a:gd name="adj3" fmla="val 0"/>
             </a:avLst>
           </a:prstGeom>
           <a:solidFill>
@@ -9629,12 +9739,12 @@
           </a:ln>
         </p:spPr>
         <p:txBody>
-          <a:bodyPr anchorCtr="0" anchor="ctr" bIns="91425" lIns="91425" spcFirstLastPara="1" rIns="91425" wrap="square" tIns="91425">
+          <a:bodyPr spcFirstLastPara="1" wrap="square" lIns="91425" tIns="91425" rIns="91425" bIns="91425" anchor="ctr" anchorCtr="0">
             <a:noAutofit/>
           </a:bodyPr>
           <a:lstStyle/>
           <a:p>
-            <a:pPr indent="0" lvl="0" marL="0" rtl="0" algn="l">
+            <a:pPr marL="0" lvl="0" indent="0" algn="l" rtl="0">
               <a:spcBef>
                 <a:spcPts val="0"/>
               </a:spcBef>
@@ -9644,14 +9754,14 @@
               <a:buNone/>
             </a:pPr>
             <a:r>
-              <a:rPr lang="en">
+              <a:rPr lang="en" sz="1200" dirty="0">
                 <a:solidFill>
                   <a:srgbClr val="FFFFFF"/>
                 </a:solidFill>
               </a:rPr>
               <a:t>Victor, that KERAS… New technology… Nevertheless, I do not see the final number. Come back next week with something new...</a:t>
             </a:r>
-            <a:endParaRPr>
+            <a:endParaRPr sz="1200" dirty="0">
               <a:solidFill>
                 <a:srgbClr val="FFFFFF"/>
               </a:solidFill>
@@ -9667,32 +9777,32 @@
   <p:timing>
     <p:tnLst>
       <p:par>
-        <p:cTn dur="indefinite" nodeType="tmRoot" restart="never">
+        <p:cTn id="1" dur="indefinite" restart="never" nodeType="tmRoot">
           <p:childTnLst>
             <p:seq concurrent="1" nextAc="seek">
-              <p:cTn dur="indefinite" id="2" nodeType="mainSeq">
+              <p:cTn id="2" dur="indefinite" nodeType="mainSeq">
                 <p:childTnLst>
                   <p:par>
-                    <p:cTn fill="hold">
+                    <p:cTn id="3" fill="hold">
                       <p:stCondLst>
                         <p:cond delay="indefinite"/>
                       </p:stCondLst>
                       <p:childTnLst>
                         <p:par>
-                          <p:cTn fill="hold">
+                          <p:cTn id="4" fill="hold">
                             <p:stCondLst>
                               <p:cond delay="0"/>
                             </p:stCondLst>
                             <p:childTnLst>
                               <p:par>
-                                <p:cTn fill="hold" nodeType="clickEffect" presetClass="entr" presetID="10" presetSubtype="0">
+                                <p:cTn id="5" presetID="10" presetClass="entr" presetSubtype="0" fill="hold" nodeType="clickEffect">
                                   <p:stCondLst>
                                     <p:cond delay="0"/>
                                   </p:stCondLst>
                                   <p:childTnLst>
                                     <p:set>
                                       <p:cBhvr>
-                                        <p:cTn dur="1" fill="hold">
+                                        <p:cTn id="6" dur="1" fill="hold">
                                           <p:stCondLst>
                                             <p:cond delay="0"/>
                                           </p:stCondLst>
@@ -9708,9 +9818,9 @@
                                         <p:strVal val="visible"/>
                                       </p:to>
                                     </p:set>
-                                    <p:animEffect filter="fade" transition="in">
+                                    <p:animEffect transition="in" filter="fade">
                                       <p:cBhvr>
-                                        <p:cTn dur="1000"/>
+                                        <p:cTn id="7" dur="1000"/>
                                         <p:tgtEl>
                                           <p:spTgt spid="106"/>
                                         </p:tgtEl>
@@ -9726,26 +9836,26 @@
                     </p:cTn>
                   </p:par>
                   <p:par>
-                    <p:cTn fill="hold">
+                    <p:cTn id="8" fill="hold">
                       <p:stCondLst>
                         <p:cond delay="indefinite"/>
                       </p:stCondLst>
                       <p:childTnLst>
                         <p:par>
-                          <p:cTn fill="hold">
+                          <p:cTn id="9" fill="hold">
                             <p:stCondLst>
                               <p:cond delay="0"/>
                             </p:stCondLst>
                             <p:childTnLst>
                               <p:par>
-                                <p:cTn fill="hold" nodeType="clickEffect" presetClass="entr" presetID="10" presetSubtype="0">
+                                <p:cTn id="10" presetID="10" presetClass="entr" presetSubtype="0" fill="hold" nodeType="clickEffect">
                                   <p:stCondLst>
                                     <p:cond delay="0"/>
                                   </p:stCondLst>
                                   <p:childTnLst>
                                     <p:set>
                                       <p:cBhvr>
-                                        <p:cTn dur="1" fill="hold">
+                                        <p:cTn id="11" dur="1" fill="hold">
                                           <p:stCondLst>
                                             <p:cond delay="0"/>
                                           </p:stCondLst>
@@ -9761,9 +9871,9 @@
                                         <p:strVal val="visible"/>
                                       </p:to>
                                     </p:set>
-                                    <p:animEffect filter="fade" transition="in">
+                                    <p:animEffect transition="in" filter="fade">
                                       <p:cBhvr>
-                                        <p:cTn dur="1000"/>
+                                        <p:cTn id="12" dur="1000"/>
                                         <p:tgtEl>
                                           <p:spTgt spid="105"/>
                                         </p:tgtEl>
@@ -9781,14 +9891,14 @@
                 </p:childTnLst>
               </p:cTn>
               <p:prevCondLst>
-                <p:cond evt="onPrev">
+                <p:cond evt="onPrev" delay="0">
                   <p:tgtEl>
                     <p:sldTgt/>
                   </p:tgtEl>
                 </p:cond>
               </p:prevCondLst>
               <p:nextCondLst>
-                <p:cond evt="onNext">
+                <p:cond evt="onNext" delay="0">
                   <p:tgtEl>
                     <p:sldTgt/>
                   </p:tgtEl>
@@ -9804,11 +9914,11 @@
 </file>
 
 <file path=ppt/slides/slide6.xml><?xml version="1.0" encoding="utf-8"?>
-<p:sld xmlns:a="http://schemas.openxmlformats.org/drawingml/2006/main" xmlns:r="http://schemas.openxmlformats.org/officeDocument/2006/relationships" xmlns:mc="http://schemas.openxmlformats.org/markup-compatibility/2006" xmlns:mv="urn:schemas-microsoft-com:mac:vml" xmlns:p="http://schemas.openxmlformats.org/presentationml/2006/main" xmlns:c="http://schemas.openxmlformats.org/drawingml/2006/chart" xmlns:dgm="http://schemas.openxmlformats.org/drawingml/2006/diagram" xmlns:o="urn:schemas-microsoft-com:office:office" xmlns:v="urn:schemas-microsoft-com:vml" xmlns:pvml="urn:schemas-microsoft-com:office:powerpoint" xmlns:com="http://schemas.openxmlformats.org/drawingml/2006/compatibility" xmlns:p14="http://schemas.microsoft.com/office/powerpoint/2010/main" xmlns:p15="http://schemas.microsoft.com/office/powerpoint/2012/main" xmlns:ahyp="http://schemas.microsoft.com/office/drawing/2018/hyperlinkcolor">
+<p:sld xmlns:a="http://schemas.openxmlformats.org/drawingml/2006/main" xmlns:r="http://schemas.openxmlformats.org/officeDocument/2006/relationships" xmlns:p="http://schemas.openxmlformats.org/presentationml/2006/main">
   <p:cSld>
     <p:spTree>
       <p:nvGrpSpPr>
-        <p:cNvPr id="110" name="Shape 110"/>
+        <p:cNvPr id="1" name="Shape 110"/>
         <p:cNvGrpSpPr/>
         <p:nvPr/>
       </p:nvGrpSpPr>
@@ -9851,7 +9961,9 @@
       <p:sp>
         <p:nvSpPr>
           <p:cNvPr id="112" name="Google Shape;112;p18"/>
-          <p:cNvSpPr txBox="1"/>
+          <p:cNvSpPr txBox="1">
+            <a:spLocks noGrp="1"/>
+          </p:cNvSpPr>
           <p:nvPr>
             <p:ph type="title"/>
           </p:nvPr>
@@ -9866,12 +9978,12 @@
           </a:prstGeom>
         </p:spPr>
         <p:txBody>
-          <a:bodyPr anchorCtr="0" anchor="t" bIns="91425" lIns="91425" spcFirstLastPara="1" rIns="91425" wrap="square" tIns="91425">
+          <a:bodyPr spcFirstLastPara="1" wrap="square" lIns="91425" tIns="91425" rIns="91425" bIns="91425" anchor="t" anchorCtr="0">
             <a:noAutofit/>
           </a:bodyPr>
           <a:lstStyle/>
           <a:p>
-            <a:pPr indent="0" lvl="0" marL="0" rtl="0" algn="ctr">
+            <a:pPr marL="0" lvl="0" indent="0" algn="ctr" rtl="0">
               <a:spcBef>
                 <a:spcPts val="0"/>
               </a:spcBef>
@@ -9936,12 +10048,12 @@
           </a:ln>
         </p:spPr>
         <p:txBody>
-          <a:bodyPr anchorCtr="0" anchor="t" bIns="91425" lIns="91425" spcFirstLastPara="1" rIns="91425" wrap="square" tIns="91425">
+          <a:bodyPr spcFirstLastPara="1" wrap="square" lIns="91425" tIns="91425" rIns="91425" bIns="91425" anchor="t" anchorCtr="0">
             <a:noAutofit/>
           </a:bodyPr>
           <a:lstStyle/>
           <a:p>
-            <a:pPr indent="0" lvl="0" marL="0" rtl="0" algn="l">
+            <a:pPr marL="0" lvl="0" indent="0" algn="l" rtl="0">
               <a:spcBef>
                 <a:spcPts val="0"/>
               </a:spcBef>
@@ -9951,7 +10063,7 @@
               <a:buNone/>
             </a:pPr>
             <a:r>
-              <a:rPr b="1" lang="en" sz="1000">
+              <a:rPr lang="en" sz="1000" b="1">
                 <a:latin typeface="Open Sans"/>
                 <a:ea typeface="Open Sans"/>
                 <a:cs typeface="Open Sans"/>
@@ -9960,21 +10072,21 @@
               <a:t>✔️ Making data stationary</a:t>
             </a:r>
             <a:r>
-              <a:rPr b="1" lang="en" sz="1050">
+              <a:rPr lang="en" sz="1050" b="1">
                 <a:highlight>
                   <a:srgbClr val="FFFFFF"/>
                 </a:highlight>
               </a:rPr>
               <a:t>:</a:t>
             </a:r>
-            <a:endParaRPr b="1" sz="1050">
+            <a:endParaRPr sz="1050" b="1">
               <a:highlight>
                 <a:srgbClr val="FFFFFF"/>
               </a:highlight>
             </a:endParaRPr>
           </a:p>
           <a:p>
-            <a:pPr indent="-295275" lvl="0" marL="457200" rtl="0" algn="l">
+            <a:pPr marL="457200" lvl="0" indent="-295275" algn="l" rtl="0">
               <a:spcBef>
                 <a:spcPts val="0"/>
               </a:spcBef>
@@ -9985,7 +10097,7 @@
               <a:buChar char="●"/>
             </a:pPr>
             <a:r>
-              <a:rPr b="1" lang="en" sz="1050">
+              <a:rPr lang="en" sz="1050" b="1">
                 <a:highlight>
                   <a:srgbClr val="FFFFFF"/>
                 </a:highlight>
@@ -10000,7 +10112,7 @@
             </a:endParaRPr>
           </a:p>
           <a:p>
-            <a:pPr indent="0" lvl="0" marL="0" rtl="0" algn="l">
+            <a:pPr marL="0" lvl="0" indent="0" algn="l" rtl="0">
               <a:spcBef>
                 <a:spcPts val="0"/>
               </a:spcBef>
@@ -10009,10 +10121,7 @@
               </a:spcAft>
               <a:buNone/>
             </a:pPr>
-            <a:r>
-              <a:t/>
-            </a:r>
-            <a:endParaRPr b="1" sz="1000">
+            <a:endParaRPr sz="1000" b="1">
               <a:solidFill>
                 <a:srgbClr val="434343"/>
               </a:solidFill>
@@ -10023,7 +10132,7 @@
             </a:endParaRPr>
           </a:p>
           <a:p>
-            <a:pPr indent="0" lvl="0" marL="0" rtl="0" algn="l">
+            <a:pPr marL="0" lvl="0" indent="0" algn="l" rtl="0">
               <a:spcBef>
                 <a:spcPts val="0"/>
               </a:spcBef>
@@ -10033,7 +10142,7 @@
               <a:buNone/>
             </a:pPr>
             <a:r>
-              <a:rPr b="1" lang="en" sz="1000">
+              <a:rPr lang="en" sz="1000" b="1">
                 <a:latin typeface="Open Sans"/>
                 <a:ea typeface="Open Sans"/>
                 <a:cs typeface="Open Sans"/>
@@ -10042,7 +10151,7 @@
               <a:t>✔️</a:t>
             </a:r>
             <a:r>
-              <a:rPr b="1" lang="en" sz="1000">
+              <a:rPr lang="en" sz="1000" b="1">
                 <a:solidFill>
                   <a:srgbClr val="434343"/>
                 </a:solidFill>
@@ -10053,7 +10162,7 @@
               </a:rPr>
               <a:t> Build ARIMA model:</a:t>
             </a:r>
-            <a:endParaRPr b="1" sz="1000">
+            <a:endParaRPr sz="1000" b="1">
               <a:solidFill>
                 <a:srgbClr val="434343"/>
               </a:solidFill>
@@ -10064,7 +10173,7 @@
             </a:endParaRPr>
           </a:p>
           <a:p>
-            <a:pPr indent="0" lvl="0" marL="0" rtl="0" algn="l">
+            <a:pPr marL="0" lvl="0" indent="0" algn="l" rtl="0">
               <a:spcBef>
                 <a:spcPts val="0"/>
               </a:spcBef>
@@ -10073,10 +10182,7 @@
               </a:spcAft>
               <a:buNone/>
             </a:pPr>
-            <a:r>
-              <a:t/>
-            </a:r>
-            <a:endParaRPr b="1" sz="1000">
+            <a:endParaRPr sz="1000" b="1">
               <a:solidFill>
                 <a:srgbClr val="434343"/>
               </a:solidFill>
@@ -10087,7 +10193,7 @@
             </a:endParaRPr>
           </a:p>
           <a:p>
-            <a:pPr indent="-292100" lvl="0" marL="457200" rtl="0" algn="l">
+            <a:pPr marL="457200" lvl="0" indent="-292100" algn="l" rtl="0">
               <a:spcBef>
                 <a:spcPts val="0"/>
               </a:spcBef>
@@ -10102,7 +10208,7 @@
               <a:buChar char="●"/>
             </a:pPr>
             <a:r>
-              <a:rPr b="1" lang="en" sz="1000">
+              <a:rPr lang="en" sz="1000" b="1">
                 <a:solidFill>
                   <a:srgbClr val="434343"/>
                 </a:solidFill>
@@ -10113,7 +10219,7 @@
               </a:rPr>
               <a:t>p:2</a:t>
             </a:r>
-            <a:endParaRPr b="1" sz="1000">
+            <a:endParaRPr sz="1000" b="1">
               <a:solidFill>
                 <a:srgbClr val="434343"/>
               </a:solidFill>
@@ -10124,7 +10230,7 @@
             </a:endParaRPr>
           </a:p>
           <a:p>
-            <a:pPr indent="-292100" lvl="0" marL="457200" rtl="0" algn="l">
+            <a:pPr marL="457200" lvl="0" indent="-292100" algn="l" rtl="0">
               <a:spcBef>
                 <a:spcPts val="0"/>
               </a:spcBef>
@@ -10139,7 +10245,7 @@
               <a:buChar char="●"/>
             </a:pPr>
             <a:r>
-              <a:rPr b="1" lang="en" sz="1000">
+              <a:rPr lang="en" sz="1000" b="1">
                 <a:solidFill>
                   <a:srgbClr val="434343"/>
                 </a:solidFill>
@@ -10150,7 +10256,7 @@
               </a:rPr>
               <a:t>d:1</a:t>
             </a:r>
-            <a:endParaRPr b="1" sz="1000">
+            <a:endParaRPr sz="1000" b="1">
               <a:solidFill>
                 <a:srgbClr val="434343"/>
               </a:solidFill>
@@ -10161,7 +10267,7 @@
             </a:endParaRPr>
           </a:p>
           <a:p>
-            <a:pPr indent="-292100" lvl="0" marL="457200" rtl="0" algn="l">
+            <a:pPr marL="457200" lvl="0" indent="-292100" algn="l" rtl="0">
               <a:spcBef>
                 <a:spcPts val="0"/>
               </a:spcBef>
@@ -10176,7 +10282,7 @@
               <a:buChar char="●"/>
             </a:pPr>
             <a:r>
-              <a:rPr b="1" lang="en" sz="1000">
+              <a:rPr lang="en" sz="1000" b="1">
                 <a:solidFill>
                   <a:srgbClr val="434343"/>
                 </a:solidFill>
@@ -10187,7 +10293,7 @@
               </a:rPr>
               <a:t>q: 2</a:t>
             </a:r>
-            <a:endParaRPr b="1" sz="1000">
+            <a:endParaRPr sz="1000" b="1">
               <a:solidFill>
                 <a:srgbClr val="434343"/>
               </a:solidFill>
@@ -10198,7 +10304,7 @@
             </a:endParaRPr>
           </a:p>
           <a:p>
-            <a:pPr indent="0" lvl="0" marL="457200" rtl="0" algn="l">
+            <a:pPr marL="457200" lvl="0" indent="0" algn="l" rtl="0">
               <a:spcBef>
                 <a:spcPts val="0"/>
               </a:spcBef>
@@ -10207,10 +10313,7 @@
               </a:spcAft>
               <a:buNone/>
             </a:pPr>
-            <a:r>
-              <a:t/>
-            </a:r>
-            <a:endParaRPr b="1" sz="1000">
+            <a:endParaRPr sz="1000" b="1">
               <a:solidFill>
                 <a:srgbClr val="434343"/>
               </a:solidFill>
@@ -10221,7 +10324,7 @@
             </a:endParaRPr>
           </a:p>
           <a:p>
-            <a:pPr indent="0" lvl="0" marL="0" rtl="0" algn="l">
+            <a:pPr marL="0" lvl="0" indent="0" algn="l" rtl="0">
               <a:spcBef>
                 <a:spcPts val="0"/>
               </a:spcBef>
@@ -10231,7 +10334,7 @@
               <a:buNone/>
             </a:pPr>
             <a:r>
-              <a:rPr b="1" lang="en" sz="1000">
+              <a:rPr lang="en" sz="1000" b="1">
                 <a:latin typeface="Open Sans"/>
                 <a:ea typeface="Open Sans"/>
                 <a:cs typeface="Open Sans"/>
@@ -10240,7 +10343,7 @@
               <a:t>✔️</a:t>
             </a:r>
             <a:r>
-              <a:rPr b="1" lang="en" sz="1000">
+              <a:rPr lang="en" sz="1000" b="1">
                 <a:solidFill>
                   <a:srgbClr val="434343"/>
                 </a:solidFill>
@@ -10251,7 +10354,7 @@
               </a:rPr>
               <a:t> Build SARIMAX with Grid Search</a:t>
             </a:r>
-            <a:endParaRPr b="1" sz="1000">
+            <a:endParaRPr sz="1000" b="1">
               <a:solidFill>
                 <a:srgbClr val="434343"/>
               </a:solidFill>
@@ -10262,7 +10365,7 @@
             </a:endParaRPr>
           </a:p>
           <a:p>
-            <a:pPr indent="0" lvl="0" marL="0" rtl="0" algn="l">
+            <a:pPr marL="0" lvl="0" indent="0" algn="l" rtl="0">
               <a:spcBef>
                 <a:spcPts val="0"/>
               </a:spcBef>
@@ -10271,10 +10374,7 @@
               </a:spcAft>
               <a:buNone/>
             </a:pPr>
-            <a:r>
-              <a:t/>
-            </a:r>
-            <a:endParaRPr b="1" sz="1000">
+            <a:endParaRPr sz="1000" b="1">
               <a:solidFill>
                 <a:srgbClr val="434343"/>
               </a:solidFill>
@@ -10285,7 +10385,7 @@
             </a:endParaRPr>
           </a:p>
           <a:p>
-            <a:pPr indent="-292100" lvl="0" marL="457200" rtl="0" algn="l">
+            <a:pPr marL="457200" lvl="0" indent="-292100" algn="l" rtl="0">
               <a:spcBef>
                 <a:spcPts val="0"/>
               </a:spcBef>
@@ -10300,7 +10400,7 @@
               <a:buChar char="●"/>
             </a:pPr>
             <a:r>
-              <a:rPr b="1" lang="en" sz="1000">
+              <a:rPr lang="en" sz="1000" b="1">
                 <a:solidFill>
                   <a:srgbClr val="434343"/>
                 </a:solidFill>
@@ -10311,7 +10411,7 @@
               </a:rPr>
               <a:t>p:2</a:t>
             </a:r>
-            <a:endParaRPr b="1" sz="1000">
+            <a:endParaRPr sz="1000" b="1">
               <a:solidFill>
                 <a:srgbClr val="434343"/>
               </a:solidFill>
@@ -10322,7 +10422,7 @@
             </a:endParaRPr>
           </a:p>
           <a:p>
-            <a:pPr indent="-292100" lvl="0" marL="457200" rtl="0" algn="l">
+            <a:pPr marL="457200" lvl="0" indent="-292100" algn="l" rtl="0">
               <a:spcBef>
                 <a:spcPts val="0"/>
               </a:spcBef>
@@ -10337,7 +10437,7 @@
               <a:buChar char="●"/>
             </a:pPr>
             <a:r>
-              <a:rPr b="1" lang="en" sz="1000">
+              <a:rPr lang="en" sz="1000" b="1">
                 <a:solidFill>
                   <a:srgbClr val="434343"/>
                 </a:solidFill>
@@ -10348,7 +10448,7 @@
               </a:rPr>
               <a:t>d:2</a:t>
             </a:r>
-            <a:endParaRPr b="1" sz="1000">
+            <a:endParaRPr sz="1000" b="1">
               <a:solidFill>
                 <a:srgbClr val="434343"/>
               </a:solidFill>
@@ -10359,7 +10459,7 @@
             </a:endParaRPr>
           </a:p>
           <a:p>
-            <a:pPr indent="-292100" lvl="0" marL="457200" rtl="0" algn="l">
+            <a:pPr marL="457200" lvl="0" indent="-292100" algn="l" rtl="0">
               <a:spcBef>
                 <a:spcPts val="0"/>
               </a:spcBef>
@@ -10374,7 +10474,7 @@
               <a:buChar char="●"/>
             </a:pPr>
             <a:r>
-              <a:rPr b="1" lang="en" sz="1000">
+              <a:rPr lang="en" sz="1000" b="1">
                 <a:solidFill>
                   <a:srgbClr val="434343"/>
                 </a:solidFill>
@@ -10385,7 +10485,7 @@
               </a:rPr>
               <a:t>q:1</a:t>
             </a:r>
-            <a:endParaRPr b="1" sz="1000">
+            <a:endParaRPr sz="1000" b="1">
               <a:solidFill>
                 <a:srgbClr val="434343"/>
               </a:solidFill>
@@ -10396,7 +10496,7 @@
             </a:endParaRPr>
           </a:p>
           <a:p>
-            <a:pPr indent="-292100" lvl="0" marL="457200" rtl="0" algn="l">
+            <a:pPr marL="457200" lvl="0" indent="-292100" algn="l" rtl="0">
               <a:spcBef>
                 <a:spcPts val="0"/>
               </a:spcBef>
@@ -10411,7 +10511,7 @@
               <a:buChar char="●"/>
             </a:pPr>
             <a:r>
-              <a:rPr b="1" lang="en" sz="1000">
+              <a:rPr lang="en" sz="1000" b="1">
                 <a:solidFill>
                   <a:srgbClr val="434343"/>
                 </a:solidFill>
@@ -10422,7 +10522,7 @@
               </a:rPr>
               <a:t>Seasonal order: (1,2,1,12)</a:t>
             </a:r>
-            <a:endParaRPr b="1" sz="1000">
+            <a:endParaRPr sz="1000" b="1">
               <a:solidFill>
                 <a:srgbClr val="434343"/>
               </a:solidFill>
@@ -10442,32 +10542,32 @@
   <p:timing>
     <p:tnLst>
       <p:par>
-        <p:cTn dur="indefinite" nodeType="tmRoot" restart="never">
+        <p:cTn id="1" dur="indefinite" restart="never" nodeType="tmRoot">
           <p:childTnLst>
             <p:seq concurrent="1" nextAc="seek">
-              <p:cTn dur="indefinite" id="2" nodeType="mainSeq">
+              <p:cTn id="2" dur="indefinite" nodeType="mainSeq">
                 <p:childTnLst>
                   <p:par>
-                    <p:cTn fill="hold">
+                    <p:cTn id="3" fill="hold">
                       <p:stCondLst>
                         <p:cond delay="indefinite"/>
                       </p:stCondLst>
                       <p:childTnLst>
                         <p:par>
-                          <p:cTn fill="hold">
+                          <p:cTn id="4" fill="hold">
                             <p:stCondLst>
                               <p:cond delay="0"/>
                             </p:stCondLst>
                             <p:childTnLst>
                               <p:par>
-                                <p:cTn fill="hold" nodeType="clickEffect" presetClass="entr" presetID="10" presetSubtype="0">
+                                <p:cTn id="5" presetID="10" presetClass="entr" presetSubtype="0" fill="hold" nodeType="clickEffect">
                                   <p:stCondLst>
                                     <p:cond delay="0"/>
                                   </p:stCondLst>
                                   <p:childTnLst>
                                     <p:set>
                                       <p:cBhvr>
-                                        <p:cTn dur="1" fill="hold">
+                                        <p:cTn id="6" dur="1" fill="hold">
                                           <p:stCondLst>
                                             <p:cond delay="0"/>
                                           </p:stCondLst>
@@ -10483,9 +10583,9 @@
                                         <p:strVal val="visible"/>
                                       </p:to>
                                     </p:set>
-                                    <p:animEffect filter="fade" transition="in">
+                                    <p:animEffect transition="in" filter="fade">
                                       <p:cBhvr>
-                                        <p:cTn dur="1000"/>
+                                        <p:cTn id="7" dur="1000"/>
                                         <p:tgtEl>
                                           <p:spTgt spid="114"/>
                                         </p:tgtEl>
@@ -10501,26 +10601,26 @@
                     </p:cTn>
                   </p:par>
                   <p:par>
-                    <p:cTn fill="hold">
+                    <p:cTn id="8" fill="hold">
                       <p:stCondLst>
                         <p:cond delay="indefinite"/>
                       </p:stCondLst>
                       <p:childTnLst>
                         <p:par>
-                          <p:cTn fill="hold">
+                          <p:cTn id="9" fill="hold">
                             <p:stCondLst>
                               <p:cond delay="0"/>
                             </p:stCondLst>
                             <p:childTnLst>
                               <p:par>
-                                <p:cTn fill="hold" nodeType="clickEffect" presetClass="entr" presetID="10" presetSubtype="0">
+                                <p:cTn id="10" presetID="10" presetClass="entr" presetSubtype="0" fill="hold" nodeType="clickEffect">
                                   <p:stCondLst>
                                     <p:cond delay="0"/>
                                   </p:stCondLst>
                                   <p:childTnLst>
                                     <p:set>
                                       <p:cBhvr>
-                                        <p:cTn dur="1" fill="hold">
+                                        <p:cTn id="11" dur="1" fill="hold">
                                           <p:stCondLst>
                                             <p:cond delay="0"/>
                                           </p:stCondLst>
@@ -10536,9 +10636,9 @@
                                         <p:strVal val="visible"/>
                                       </p:to>
                                     </p:set>
-                                    <p:animEffect filter="fade" transition="in">
+                                    <p:animEffect transition="in" filter="fade">
                                       <p:cBhvr>
-                                        <p:cTn dur="1000"/>
+                                        <p:cTn id="12" dur="1000"/>
                                         <p:tgtEl>
                                           <p:spTgt spid="113"/>
                                         </p:tgtEl>
@@ -10556,14 +10656,14 @@
                 </p:childTnLst>
               </p:cTn>
               <p:prevCondLst>
-                <p:cond evt="onPrev">
+                <p:cond evt="onPrev" delay="0">
                   <p:tgtEl>
                     <p:sldTgt/>
                   </p:tgtEl>
                 </p:cond>
               </p:prevCondLst>
               <p:nextCondLst>
-                <p:cond evt="onNext">
+                <p:cond evt="onNext" delay="0">
                   <p:tgtEl>
                     <p:sldTgt/>
                   </p:tgtEl>
@@ -10579,11 +10679,11 @@
 </file>
 
 <file path=ppt/slides/slide7.xml><?xml version="1.0" encoding="utf-8"?>
-<p:sld xmlns:a="http://schemas.openxmlformats.org/drawingml/2006/main" xmlns:r="http://schemas.openxmlformats.org/officeDocument/2006/relationships" xmlns:mc="http://schemas.openxmlformats.org/markup-compatibility/2006" xmlns:mv="urn:schemas-microsoft-com:mac:vml" xmlns:p="http://schemas.openxmlformats.org/presentationml/2006/main" xmlns:c="http://schemas.openxmlformats.org/drawingml/2006/chart" xmlns:dgm="http://schemas.openxmlformats.org/drawingml/2006/diagram" xmlns:o="urn:schemas-microsoft-com:office:office" xmlns:v="urn:schemas-microsoft-com:vml" xmlns:pvml="urn:schemas-microsoft-com:office:powerpoint" xmlns:com="http://schemas.openxmlformats.org/drawingml/2006/compatibility" xmlns:p14="http://schemas.microsoft.com/office/powerpoint/2010/main" xmlns:p15="http://schemas.microsoft.com/office/powerpoint/2012/main" xmlns:ahyp="http://schemas.microsoft.com/office/drawing/2018/hyperlinkcolor">
+<p:sld xmlns:a="http://schemas.openxmlformats.org/drawingml/2006/main" xmlns:r="http://schemas.openxmlformats.org/officeDocument/2006/relationships" xmlns:p="http://schemas.openxmlformats.org/presentationml/2006/main">
   <p:cSld>
     <p:spTree>
       <p:nvGrpSpPr>
-        <p:cNvPr id="118" name="Shape 118"/>
+        <p:cNvPr id="1" name="Shape 118"/>
         <p:cNvGrpSpPr/>
         <p:nvPr/>
       </p:nvGrpSpPr>
@@ -10598,7 +10698,9 @@
       <p:sp>
         <p:nvSpPr>
           <p:cNvPr id="119" name="Google Shape;119;p19"/>
-          <p:cNvSpPr txBox="1"/>
+          <p:cNvSpPr txBox="1">
+            <a:spLocks noGrp="1"/>
+          </p:cNvSpPr>
           <p:nvPr>
             <p:ph type="title"/>
           </p:nvPr>
@@ -10613,12 +10715,12 @@
           </a:prstGeom>
         </p:spPr>
         <p:txBody>
-          <a:bodyPr anchorCtr="0" anchor="t" bIns="91425" lIns="91425" spcFirstLastPara="1" rIns="91425" wrap="square" tIns="91425">
+          <a:bodyPr spcFirstLastPara="1" wrap="square" lIns="91425" tIns="91425" rIns="91425" bIns="91425" anchor="t" anchorCtr="0">
             <a:noAutofit/>
           </a:bodyPr>
           <a:lstStyle/>
           <a:p>
-            <a:pPr indent="0" lvl="0" marL="0" rtl="0" algn="ctr">
+            <a:pPr marL="0" lvl="0" indent="0" algn="ctr" rtl="0">
               <a:spcBef>
                 <a:spcPts val="0"/>
               </a:spcBef>
@@ -10628,22 +10730,14 @@
               <a:buNone/>
             </a:pPr>
             <a:r>
-              <a:rPr lang="en" sz="2800">
+              <a:rPr lang="en" sz="2800" dirty="0">
                 <a:solidFill>
                   <a:srgbClr val="4A86E8"/>
                 </a:solidFill>
               </a:rPr>
-              <a:t>ARIMA and SARIMAX</a:t>
+              <a:t>ARIMA and SARIMAX Alberto’s feedback</a:t>
             </a:r>
-            <a:r>
-              <a:rPr lang="en" sz="2800">
-                <a:solidFill>
-                  <a:srgbClr val="4A86E8"/>
-                </a:solidFill>
-              </a:rPr>
-              <a:t> John’s feedback</a:t>
-            </a:r>
-            <a:endParaRPr sz="2800">
+            <a:endParaRPr sz="2800" dirty="0">
               <a:solidFill>
                 <a:srgbClr val="4A86E8"/>
               </a:solidFill>
@@ -10687,14 +10781,14 @@
         </p:nvSpPr>
         <p:spPr>
           <a:xfrm>
-            <a:off x="3812075" y="1812750"/>
-            <a:ext cx="3897000" cy="1518000"/>
+            <a:off x="3812075" y="1949725"/>
+            <a:ext cx="3595994" cy="1244050"/>
           </a:xfrm>
           <a:prstGeom prst="wedgeRoundRectCallout">
             <a:avLst>
-              <a:gd fmla="val -63335" name="adj1"/>
-              <a:gd fmla="val 21516" name="adj2"/>
-              <a:gd fmla="val 0" name="adj3"/>
+              <a:gd name="adj1" fmla="val -63335"/>
+              <a:gd name="adj2" fmla="val 21516"/>
+              <a:gd name="adj3" fmla="val 0"/>
             </a:avLst>
           </a:prstGeom>
           <a:solidFill>
@@ -10705,12 +10799,12 @@
           </a:ln>
         </p:spPr>
         <p:txBody>
-          <a:bodyPr anchorCtr="0" anchor="ctr" bIns="91425" lIns="91425" spcFirstLastPara="1" rIns="91425" wrap="square" tIns="91425">
+          <a:bodyPr spcFirstLastPara="1" wrap="square" lIns="91425" tIns="91425" rIns="91425" bIns="91425" anchor="ctr" anchorCtr="0">
             <a:noAutofit/>
           </a:bodyPr>
           <a:lstStyle/>
           <a:p>
-            <a:pPr indent="0" lvl="0" marL="0" rtl="0" algn="l">
+            <a:pPr marL="0" lvl="0" indent="0" algn="l" rtl="0">
               <a:spcBef>
                 <a:spcPts val="0"/>
               </a:spcBef>
@@ -10720,21 +10814,21 @@
               <a:buNone/>
             </a:pPr>
             <a:r>
-              <a:rPr lang="en">
+              <a:rPr lang="en" sz="1200" dirty="0">
                 <a:solidFill>
                   <a:srgbClr val="FFFFFF"/>
                 </a:solidFill>
               </a:rPr>
               <a:t>Victor. That’s improving but can you do something better? Something more dynamic.</a:t>
             </a:r>
-            <a:endParaRPr>
+            <a:endParaRPr sz="1200" dirty="0">
               <a:solidFill>
                 <a:srgbClr val="FFFFFF"/>
               </a:solidFill>
             </a:endParaRPr>
           </a:p>
           <a:p>
-            <a:pPr indent="0" lvl="0" marL="0" rtl="0" algn="l">
+            <a:pPr marL="0" lvl="0" indent="0" algn="l" rtl="0">
               <a:spcBef>
                 <a:spcPts val="0"/>
               </a:spcBef>
@@ -10744,21 +10838,21 @@
               <a:buNone/>
             </a:pPr>
             <a:r>
-              <a:rPr lang="en">
+              <a:rPr lang="en" sz="1200" dirty="0">
                 <a:solidFill>
                   <a:srgbClr val="FFFFFF"/>
                 </a:solidFill>
               </a:rPr>
               <a:t>And one little change, I want the prediction for our products too.</a:t>
             </a:r>
-            <a:endParaRPr>
+            <a:endParaRPr sz="1200" dirty="0">
               <a:solidFill>
                 <a:srgbClr val="FFFFFF"/>
               </a:solidFill>
             </a:endParaRPr>
           </a:p>
           <a:p>
-            <a:pPr indent="0" lvl="0" marL="0" rtl="0" algn="l">
+            <a:pPr marL="0" lvl="0" indent="0" algn="l" rtl="0">
               <a:spcBef>
                 <a:spcPts val="0"/>
               </a:spcBef>
@@ -10767,10 +10861,7 @@
               </a:spcAft>
               <a:buNone/>
             </a:pPr>
-            <a:r>
-              <a:t/>
-            </a:r>
-            <a:endParaRPr>
+            <a:endParaRPr dirty="0">
               <a:solidFill>
                 <a:srgbClr val="FFFFFF"/>
               </a:solidFill>
@@ -10786,32 +10877,32 @@
   <p:timing>
     <p:tnLst>
       <p:par>
-        <p:cTn dur="indefinite" nodeType="tmRoot" restart="never">
+        <p:cTn id="1" dur="indefinite" restart="never" nodeType="tmRoot">
           <p:childTnLst>
             <p:seq concurrent="1" nextAc="seek">
-              <p:cTn dur="indefinite" id="2" nodeType="mainSeq">
+              <p:cTn id="2" dur="indefinite" nodeType="mainSeq">
                 <p:childTnLst>
                   <p:par>
-                    <p:cTn fill="hold">
+                    <p:cTn id="3" fill="hold">
                       <p:stCondLst>
                         <p:cond delay="indefinite"/>
                       </p:stCondLst>
                       <p:childTnLst>
                         <p:par>
-                          <p:cTn fill="hold">
+                          <p:cTn id="4" fill="hold">
                             <p:stCondLst>
                               <p:cond delay="0"/>
                             </p:stCondLst>
                             <p:childTnLst>
                               <p:par>
-                                <p:cTn fill="hold" nodeType="clickEffect" presetClass="entr" presetID="10" presetSubtype="0">
+                                <p:cTn id="5" presetID="10" presetClass="entr" presetSubtype="0" fill="hold" nodeType="clickEffect">
                                   <p:stCondLst>
                                     <p:cond delay="0"/>
                                   </p:stCondLst>
                                   <p:childTnLst>
                                     <p:set>
                                       <p:cBhvr>
-                                        <p:cTn dur="1" fill="hold">
+                                        <p:cTn id="6" dur="1" fill="hold">
                                           <p:stCondLst>
                                             <p:cond delay="0"/>
                                           </p:stCondLst>
@@ -10827,9 +10918,9 @@
                                         <p:strVal val="visible"/>
                                       </p:to>
                                     </p:set>
-                                    <p:animEffect filter="fade" transition="in">
+                                    <p:animEffect transition="in" filter="fade">
                                       <p:cBhvr>
-                                        <p:cTn dur="1000"/>
+                                        <p:cTn id="7" dur="1000"/>
                                         <p:tgtEl>
                                           <p:spTgt spid="121"/>
                                         </p:tgtEl>
@@ -10845,26 +10936,26 @@
                     </p:cTn>
                   </p:par>
                   <p:par>
-                    <p:cTn fill="hold">
+                    <p:cTn id="8" fill="hold">
                       <p:stCondLst>
                         <p:cond delay="indefinite"/>
                       </p:stCondLst>
                       <p:childTnLst>
                         <p:par>
-                          <p:cTn fill="hold">
+                          <p:cTn id="9" fill="hold">
                             <p:stCondLst>
                               <p:cond delay="0"/>
                             </p:stCondLst>
                             <p:childTnLst>
                               <p:par>
-                                <p:cTn fill="hold" nodeType="clickEffect" presetClass="entr" presetID="10" presetSubtype="0">
+                                <p:cTn id="10" presetID="10" presetClass="entr" presetSubtype="0" fill="hold" nodeType="clickEffect">
                                   <p:stCondLst>
                                     <p:cond delay="0"/>
                                   </p:stCondLst>
                                   <p:childTnLst>
                                     <p:set>
                                       <p:cBhvr>
-                                        <p:cTn dur="1" fill="hold">
+                                        <p:cTn id="11" dur="1" fill="hold">
                                           <p:stCondLst>
                                             <p:cond delay="0"/>
                                           </p:stCondLst>
@@ -10880,9 +10971,9 @@
                                         <p:strVal val="visible"/>
                                       </p:to>
                                     </p:set>
-                                    <p:animEffect filter="fade" transition="in">
+                                    <p:animEffect transition="in" filter="fade">
                                       <p:cBhvr>
-                                        <p:cTn dur="1000"/>
+                                        <p:cTn id="12" dur="1000"/>
                                         <p:tgtEl>
                                           <p:spTgt spid="120"/>
                                         </p:tgtEl>
@@ -10900,14 +10991,14 @@
                 </p:childTnLst>
               </p:cTn>
               <p:prevCondLst>
-                <p:cond evt="onPrev">
+                <p:cond evt="onPrev" delay="0">
                   <p:tgtEl>
                     <p:sldTgt/>
                   </p:tgtEl>
                 </p:cond>
               </p:prevCondLst>
               <p:nextCondLst>
-                <p:cond evt="onNext">
+                <p:cond evt="onNext" delay="0">
                   <p:tgtEl>
                     <p:sldTgt/>
                   </p:tgtEl>
@@ -10923,11 +11014,11 @@
 </file>
 
 <file path=ppt/slides/slide8.xml><?xml version="1.0" encoding="utf-8"?>
-<p:sld xmlns:a="http://schemas.openxmlformats.org/drawingml/2006/main" xmlns:r="http://schemas.openxmlformats.org/officeDocument/2006/relationships" xmlns:mc="http://schemas.openxmlformats.org/markup-compatibility/2006" xmlns:mv="urn:schemas-microsoft-com:mac:vml" xmlns:p="http://schemas.openxmlformats.org/presentationml/2006/main" xmlns:c="http://schemas.openxmlformats.org/drawingml/2006/chart" xmlns:dgm="http://schemas.openxmlformats.org/drawingml/2006/diagram" xmlns:o="urn:schemas-microsoft-com:office:office" xmlns:v="urn:schemas-microsoft-com:vml" xmlns:pvml="urn:schemas-microsoft-com:office:powerpoint" xmlns:com="http://schemas.openxmlformats.org/drawingml/2006/compatibility" xmlns:p14="http://schemas.microsoft.com/office/powerpoint/2010/main" xmlns:p15="http://schemas.microsoft.com/office/powerpoint/2012/main" xmlns:ahyp="http://schemas.microsoft.com/office/drawing/2018/hyperlinkcolor">
+<p:sld xmlns:a="http://schemas.openxmlformats.org/drawingml/2006/main" xmlns:r="http://schemas.openxmlformats.org/officeDocument/2006/relationships" xmlns:p="http://schemas.openxmlformats.org/presentationml/2006/main">
   <p:cSld>
     <p:spTree>
       <p:nvGrpSpPr>
-        <p:cNvPr id="125" name="Shape 125"/>
+        <p:cNvPr id="1" name="Shape 125"/>
         <p:cNvGrpSpPr/>
         <p:nvPr/>
       </p:nvGrpSpPr>
@@ -10970,7 +11061,9 @@
       <p:sp>
         <p:nvSpPr>
           <p:cNvPr id="127" name="Google Shape;127;p20"/>
-          <p:cNvSpPr txBox="1"/>
+          <p:cNvSpPr txBox="1">
+            <a:spLocks noGrp="1"/>
+          </p:cNvSpPr>
           <p:nvPr>
             <p:ph type="title"/>
           </p:nvPr>
@@ -10985,12 +11078,12 @@
           </a:prstGeom>
         </p:spPr>
         <p:txBody>
-          <a:bodyPr anchorCtr="0" anchor="t" bIns="91425" lIns="91425" spcFirstLastPara="1" rIns="91425" wrap="square" tIns="91425">
+          <a:bodyPr spcFirstLastPara="1" wrap="square" lIns="91425" tIns="91425" rIns="91425" bIns="91425" anchor="t" anchorCtr="0">
             <a:noAutofit/>
           </a:bodyPr>
           <a:lstStyle/>
           <a:p>
-            <a:pPr indent="0" lvl="0" marL="0" rtl="0" algn="ctr">
+            <a:pPr marL="0" lvl="0" indent="0" algn="ctr" rtl="0">
               <a:spcBef>
                 <a:spcPts val="0"/>
               </a:spcBef>
@@ -11027,12 +11120,12 @@
           </a:ln>
         </p:spPr>
         <p:txBody>
-          <a:bodyPr anchorCtr="0" anchor="t" bIns="91425" lIns="91425" spcFirstLastPara="1" rIns="91425" wrap="square" tIns="91425">
+          <a:bodyPr spcFirstLastPara="1" wrap="square" lIns="91425" tIns="91425" rIns="91425" bIns="91425" anchor="t" anchorCtr="0">
             <a:noAutofit/>
           </a:bodyPr>
           <a:lstStyle/>
           <a:p>
-            <a:pPr indent="0" lvl="0" marL="0" rtl="0" algn="l">
+            <a:pPr marL="0" lvl="0" indent="0" algn="l" rtl="0">
               <a:spcBef>
                 <a:spcPts val="0"/>
               </a:spcBef>
@@ -11042,7 +11135,7 @@
               <a:buNone/>
             </a:pPr>
             <a:r>
-              <a:rPr b="1" lang="en" sz="1000">
+              <a:rPr lang="en" sz="1000" b="1" dirty="0">
                 <a:latin typeface="Open Sans"/>
                 <a:ea typeface="Open Sans"/>
                 <a:cs typeface="Open Sans"/>
@@ -11050,7 +11143,7 @@
               </a:rPr>
               <a:t>✔️ ARIMA with a 95% confidence interval</a:t>
             </a:r>
-            <a:endParaRPr sz="1100">
+            <a:endParaRPr sz="1100" dirty="0">
               <a:latin typeface="Open Sans"/>
               <a:ea typeface="Open Sans"/>
               <a:cs typeface="Open Sans"/>
@@ -11058,7 +11151,7 @@
             </a:endParaRPr>
           </a:p>
           <a:p>
-            <a:pPr indent="0" lvl="0" marL="0" rtl="0" algn="l">
+            <a:pPr marL="0" lvl="0" indent="0" algn="l" rtl="0">
               <a:spcBef>
                 <a:spcPts val="0"/>
               </a:spcBef>
@@ -11067,10 +11160,7 @@
               </a:spcAft>
               <a:buNone/>
             </a:pPr>
-            <a:r>
-              <a:t/>
-            </a:r>
-            <a:endParaRPr b="1" sz="1000">
+            <a:endParaRPr sz="1000" b="1" dirty="0">
               <a:solidFill>
                 <a:srgbClr val="434343"/>
               </a:solidFill>
@@ -11081,7 +11171,7 @@
             </a:endParaRPr>
           </a:p>
           <a:p>
-            <a:pPr indent="0" lvl="0" marL="0" rtl="0" algn="l">
+            <a:pPr marL="0" lvl="0" indent="0" algn="l" rtl="0">
               <a:spcBef>
                 <a:spcPts val="0"/>
               </a:spcBef>
@@ -11091,7 +11181,7 @@
               <a:buNone/>
             </a:pPr>
             <a:r>
-              <a:rPr b="1" lang="en" sz="1000">
+              <a:rPr lang="en" sz="1000" b="1" dirty="0">
                 <a:latin typeface="Open Sans"/>
                 <a:ea typeface="Open Sans"/>
                 <a:cs typeface="Open Sans"/>
@@ -11100,7 +11190,7 @@
               <a:t>✔️</a:t>
             </a:r>
             <a:r>
-              <a:rPr b="1" lang="en" sz="1000">
+              <a:rPr lang="en" sz="1000" b="1" dirty="0">
                 <a:solidFill>
                   <a:srgbClr val="434343"/>
                 </a:solidFill>
@@ -11111,7 +11201,7 @@
               </a:rPr>
               <a:t> Dynamic</a:t>
             </a:r>
-            <a:endParaRPr b="1" sz="1000">
+            <a:endParaRPr sz="1000" b="1" dirty="0">
               <a:solidFill>
                 <a:srgbClr val="434343"/>
               </a:solidFill>
@@ -11122,7 +11212,7 @@
             </a:endParaRPr>
           </a:p>
           <a:p>
-            <a:pPr indent="0" lvl="0" marL="0" rtl="0" algn="l">
+            <a:pPr marL="0" lvl="0" indent="0" algn="l" rtl="0">
               <a:spcBef>
                 <a:spcPts val="0"/>
               </a:spcBef>
@@ -11131,10 +11221,7 @@
               </a:spcAft>
               <a:buNone/>
             </a:pPr>
-            <a:r>
-              <a:t/>
-            </a:r>
-            <a:endParaRPr b="1" sz="1000">
+            <a:endParaRPr sz="1000" b="1" dirty="0">
               <a:solidFill>
                 <a:srgbClr val="434343"/>
               </a:solidFill>
@@ -11145,7 +11232,7 @@
             </a:endParaRPr>
           </a:p>
           <a:p>
-            <a:pPr indent="0" lvl="0" marL="0" rtl="0" algn="l">
+            <a:pPr marL="0" lvl="0" indent="0" algn="l" rtl="0">
               <a:spcBef>
                 <a:spcPts val="0"/>
               </a:spcBef>
@@ -11155,7 +11242,7 @@
               <a:buNone/>
             </a:pPr>
             <a:r>
-              <a:rPr b="1" lang="en" sz="1000">
+              <a:rPr lang="en" sz="1000" b="1" dirty="0">
                 <a:latin typeface="Open Sans"/>
                 <a:ea typeface="Open Sans"/>
                 <a:cs typeface="Open Sans"/>
@@ -11164,7 +11251,7 @@
               <a:t>✔️</a:t>
             </a:r>
             <a:r>
-              <a:rPr b="1" lang="en" sz="1000">
+              <a:rPr lang="en" sz="1000" b="1" dirty="0">
                 <a:solidFill>
                   <a:srgbClr val="434343"/>
                 </a:solidFill>
@@ -11175,7 +11262,7 @@
               </a:rPr>
               <a:t> Category and product detail with two simple clicks</a:t>
             </a:r>
-            <a:endParaRPr b="1" sz="1000">
+            <a:endParaRPr sz="1000" b="1" dirty="0">
               <a:solidFill>
                 <a:srgbClr val="434343"/>
               </a:solidFill>
@@ -11186,7 +11273,7 @@
             </a:endParaRPr>
           </a:p>
           <a:p>
-            <a:pPr indent="0" lvl="0" marL="0" rtl="0" algn="l">
+            <a:pPr marL="0" lvl="0" indent="0" algn="l" rtl="0">
               <a:spcBef>
                 <a:spcPts val="0"/>
               </a:spcBef>
@@ -11195,10 +11282,7 @@
               </a:spcAft>
               <a:buNone/>
             </a:pPr>
-            <a:r>
-              <a:t/>
-            </a:r>
-            <a:endParaRPr b="1" sz="1000">
+            <a:endParaRPr lang="es-ES" sz="1000" b="1" dirty="0">
               <a:solidFill>
                 <a:srgbClr val="434343"/>
               </a:solidFill>
@@ -11209,7 +11293,7 @@
             </a:endParaRPr>
           </a:p>
           <a:p>
-            <a:pPr indent="0" lvl="0" marL="0" rtl="0" algn="l">
+            <a:pPr marL="0" lvl="0" indent="0" algn="l" rtl="0">
               <a:spcBef>
                 <a:spcPts val="0"/>
               </a:spcBef>
@@ -11218,8 +11302,19 @@
               </a:spcAft>
               <a:buNone/>
             </a:pPr>
+            <a:endParaRPr lang="es-ES" sz="1000" b="1" dirty="0">
+              <a:solidFill>
+                <a:srgbClr val="434343"/>
+              </a:solidFill>
+              <a:latin typeface="Open Sans"/>
+              <a:ea typeface="Open Sans"/>
+              <a:cs typeface="Open Sans"/>
+              <a:sym typeface="Open Sans"/>
+            </a:endParaRPr>
+          </a:p>
+          <a:p>
             <a:r>
-              <a:rPr b="1" lang="en" sz="1000">
+              <a:rPr lang="en-US" sz="1000" b="1" dirty="0">
                 <a:latin typeface="Open Sans"/>
                 <a:ea typeface="Open Sans"/>
                 <a:cs typeface="Open Sans"/>
@@ -11228,7 +11323,59 @@
               <a:t>✔️</a:t>
             </a:r>
             <a:r>
-              <a:rPr b="1" lang="en" sz="1000">
+              <a:rPr lang="en-US" sz="1000" b="1" dirty="0">
+                <a:solidFill>
+                  <a:srgbClr val="434343"/>
+                </a:solidFill>
+                <a:latin typeface="Open Sans"/>
+                <a:ea typeface="Open Sans"/>
+                <a:cs typeface="Open Sans"/>
+                <a:sym typeface="Open Sans"/>
+              </a:rPr>
+              <a:t> Both sales and unit prediction in the same page</a:t>
+            </a:r>
+          </a:p>
+          <a:p>
+            <a:pPr marL="0" lvl="0" indent="0" algn="l" rtl="0">
+              <a:spcBef>
+                <a:spcPts val="0"/>
+              </a:spcBef>
+              <a:spcAft>
+                <a:spcPts val="0"/>
+              </a:spcAft>
+              <a:buNone/>
+            </a:pPr>
+            <a:endParaRPr sz="1000" b="1" dirty="0">
+              <a:solidFill>
+                <a:srgbClr val="434343"/>
+              </a:solidFill>
+              <a:latin typeface="Open Sans"/>
+              <a:ea typeface="Open Sans"/>
+              <a:cs typeface="Open Sans"/>
+              <a:sym typeface="Open Sans"/>
+            </a:endParaRPr>
+          </a:p>
+          <a:p>
+            <a:pPr marL="0" lvl="0" indent="0" algn="l" rtl="0">
+              <a:spcBef>
+                <a:spcPts val="0"/>
+              </a:spcBef>
+              <a:spcAft>
+                <a:spcPts val="0"/>
+              </a:spcAft>
+              <a:buNone/>
+            </a:pPr>
+            <a:r>
+              <a:rPr lang="en" sz="1000" b="1" dirty="0">
+                <a:latin typeface="Open Sans"/>
+                <a:ea typeface="Open Sans"/>
+                <a:cs typeface="Open Sans"/>
+                <a:sym typeface="Open Sans"/>
+              </a:rPr>
+              <a:t>✔️</a:t>
+            </a:r>
+            <a:r>
+              <a:rPr lang="en" sz="1000" b="1" dirty="0">
                 <a:solidFill>
                   <a:srgbClr val="434343"/>
                 </a:solidFill>
@@ -11239,7 +11386,7 @@
               </a:rPr>
               <a:t> Lower bound</a:t>
             </a:r>
-            <a:endParaRPr b="1" sz="1000">
+            <a:endParaRPr sz="1000" b="1" dirty="0">
               <a:solidFill>
                 <a:srgbClr val="434343"/>
               </a:solidFill>
@@ -11250,7 +11397,7 @@
             </a:endParaRPr>
           </a:p>
           <a:p>
-            <a:pPr indent="0" lvl="0" marL="0" rtl="0" algn="l">
+            <a:pPr marL="0" lvl="0" indent="0" algn="l" rtl="0">
               <a:spcBef>
                 <a:spcPts val="0"/>
               </a:spcBef>
@@ -11260,7 +11407,7 @@
               <a:buNone/>
             </a:pPr>
             <a:r>
-              <a:rPr b="1" lang="en" sz="1000">
+              <a:rPr lang="en" sz="1000" b="1" dirty="0">
                 <a:latin typeface="Open Sans"/>
                 <a:ea typeface="Open Sans"/>
                 <a:cs typeface="Open Sans"/>
@@ -11269,7 +11416,7 @@
               <a:t>✔️</a:t>
             </a:r>
             <a:r>
-              <a:rPr b="1" lang="en" sz="1000">
+              <a:rPr lang="en" sz="1000" b="1" dirty="0">
                 <a:solidFill>
                   <a:srgbClr val="434343"/>
                 </a:solidFill>
@@ -11280,7 +11427,7 @@
               </a:rPr>
               <a:t> Prediction</a:t>
             </a:r>
-            <a:endParaRPr b="1" sz="1000">
+            <a:endParaRPr sz="1000" b="1" dirty="0">
               <a:solidFill>
                 <a:srgbClr val="434343"/>
               </a:solidFill>
@@ -11291,7 +11438,7 @@
             </a:endParaRPr>
           </a:p>
           <a:p>
-            <a:pPr indent="0" lvl="0" marL="0" rtl="0" algn="l">
+            <a:pPr marL="0" lvl="0" indent="0" algn="l" rtl="0">
               <a:spcBef>
                 <a:spcPts val="0"/>
               </a:spcBef>
@@ -11301,7 +11448,7 @@
               <a:buNone/>
             </a:pPr>
             <a:r>
-              <a:rPr b="1" lang="en" sz="1000">
+              <a:rPr lang="en" sz="1000" b="1" dirty="0">
                 <a:latin typeface="Open Sans"/>
                 <a:ea typeface="Open Sans"/>
                 <a:cs typeface="Open Sans"/>
@@ -11310,7 +11457,7 @@
               <a:t>✔️</a:t>
             </a:r>
             <a:r>
-              <a:rPr b="1" lang="en" sz="1000">
+              <a:rPr lang="en" sz="1000" b="1" dirty="0">
                 <a:solidFill>
                   <a:srgbClr val="434343"/>
                 </a:solidFill>
@@ -11321,7 +11468,7 @@
               </a:rPr>
               <a:t> Upper bound</a:t>
             </a:r>
-            <a:endParaRPr b="1" sz="1000">
+            <a:endParaRPr sz="1000" b="1" dirty="0">
               <a:solidFill>
                 <a:srgbClr val="434343"/>
               </a:solidFill>
@@ -11332,7 +11479,7 @@
             </a:endParaRPr>
           </a:p>
           <a:p>
-            <a:pPr indent="0" lvl="0" marL="0" rtl="0" algn="l">
+            <a:pPr marL="0" lvl="0" indent="0" algn="l" rtl="0">
               <a:spcBef>
                 <a:spcPts val="0"/>
               </a:spcBef>
@@ -11341,10 +11488,7 @@
               </a:spcAft>
               <a:buNone/>
             </a:pPr>
-            <a:r>
-              <a:t/>
-            </a:r>
-            <a:endParaRPr b="1" sz="1000">
+            <a:endParaRPr sz="1000" b="1" dirty="0">
               <a:solidFill>
                 <a:srgbClr val="434343"/>
               </a:solidFill>
@@ -11358,29 +11502,32 @@
       </p:sp>
       <p:pic>
         <p:nvPicPr>
-          <p:cNvPr id="129" name="Google Shape;129;p20"/>
-          <p:cNvPicPr preferRelativeResize="0"/>
+          <p:cNvPr id="3" name="Imagen 2">
+            <a:extLst>
+              <a:ext uri="{FF2B5EF4-FFF2-40B4-BE49-F238E27FC236}">
+                <a16:creationId xmlns:a16="http://schemas.microsoft.com/office/drawing/2014/main" id="{84122BA3-624A-4227-B906-1866AF17F18B}"/>
+              </a:ext>
+            </a:extLst>
+          </p:cNvPr>
+          <p:cNvPicPr>
+            <a:picLocks noChangeAspect="1"/>
+          </p:cNvPicPr>
           <p:nvPr/>
         </p:nvPicPr>
-        <p:blipFill rotWithShape="1">
-          <a:blip r:embed="rId4">
-            <a:alphaModFix/>
-          </a:blip>
-          <a:srcRect b="13514" l="56962" r="8980" t="20722"/>
-          <a:stretch/>
+        <p:blipFill>
+          <a:blip r:embed="rId4"/>
+          <a:stretch>
+            <a:fillRect/>
+          </a:stretch>
         </p:blipFill>
         <p:spPr>
           <a:xfrm>
-            <a:off x="2696300" y="1235650"/>
-            <a:ext cx="6265853" cy="3424000"/>
+            <a:off x="2747400" y="1118600"/>
+            <a:ext cx="6134013" cy="3497580"/>
           </a:xfrm>
           <a:prstGeom prst="rect">
             <a:avLst/>
           </a:prstGeom>
-          <a:noFill/>
-          <a:ln>
-            <a:noFill/>
-          </a:ln>
         </p:spPr>
       </p:pic>
     </p:spTree>
@@ -11391,32 +11538,32 @@
   <p:timing>
     <p:tnLst>
       <p:par>
-        <p:cTn dur="indefinite" nodeType="tmRoot" restart="never">
+        <p:cTn id="1" dur="indefinite" restart="never" nodeType="tmRoot">
           <p:childTnLst>
             <p:seq concurrent="1" nextAc="seek">
-              <p:cTn dur="indefinite" id="2" nodeType="mainSeq">
+              <p:cTn id="2" dur="indefinite" nodeType="mainSeq">
                 <p:childTnLst>
                   <p:par>
-                    <p:cTn fill="hold">
+                    <p:cTn id="3" fill="hold">
                       <p:stCondLst>
                         <p:cond delay="indefinite"/>
                       </p:stCondLst>
                       <p:childTnLst>
                         <p:par>
-                          <p:cTn fill="hold">
+                          <p:cTn id="4" fill="hold">
                             <p:stCondLst>
                               <p:cond delay="0"/>
                             </p:stCondLst>
                             <p:childTnLst>
                               <p:par>
-                                <p:cTn fill="hold" nodeType="clickEffect" presetClass="entr" presetID="10" presetSubtype="0">
+                                <p:cTn id="5" presetID="10" presetClass="entr" presetSubtype="0" fill="hold" nodeType="clickEffect">
                                   <p:stCondLst>
                                     <p:cond delay="0"/>
                                   </p:stCondLst>
                                   <p:childTnLst>
                                     <p:set>
                                       <p:cBhvr>
-                                        <p:cTn dur="1" fill="hold">
+                                        <p:cTn id="6" dur="1" fill="hold">
                                           <p:stCondLst>
                                             <p:cond delay="0"/>
                                           </p:stCondLst>
@@ -11432,9 +11579,9 @@
                                         <p:strVal val="visible"/>
                                       </p:to>
                                     </p:set>
-                                    <p:animEffect filter="fade" transition="in">
+                                    <p:animEffect transition="in" filter="fade">
                                       <p:cBhvr>
-                                        <p:cTn dur="1000"/>
+                                        <p:cTn id="7" dur="1000"/>
                                         <p:tgtEl>
                                           <p:spTgt spid="127"/>
                                         </p:tgtEl>
@@ -11444,14 +11591,14 @@
                                 </p:cTn>
                               </p:par>
                               <p:par>
-                                <p:cTn fill="hold" nodeType="withEffect" presetClass="entr" presetID="10" presetSubtype="0">
+                                <p:cTn id="8" presetID="10" presetClass="entr" presetSubtype="0" fill="hold" nodeType="withEffect">
                                   <p:stCondLst>
                                     <p:cond delay="0"/>
                                   </p:stCondLst>
                                   <p:childTnLst>
                                     <p:set>
                                       <p:cBhvr>
-                                        <p:cTn dur="1" fill="hold">
+                                        <p:cTn id="9" dur="1" fill="hold">
                                           <p:stCondLst>
                                             <p:cond delay="0"/>
                                           </p:stCondLst>
@@ -11467,9 +11614,9 @@
                                         <p:strVal val="visible"/>
                                       </p:to>
                                     </p:set>
-                                    <p:animEffect filter="fade" transition="in">
+                                    <p:animEffect transition="in" filter="fade">
                                       <p:cBhvr>
-                                        <p:cTn dur="1000"/>
+                                        <p:cTn id="10" dur="1000"/>
                                         <p:tgtEl>
                                           <p:spTgt spid="126"/>
                                         </p:tgtEl>
@@ -11478,33 +11625,15 @@
                                   </p:childTnLst>
                                 </p:cTn>
                               </p:par>
-                            </p:childTnLst>
-                          </p:cTn>
-                        </p:par>
-                      </p:childTnLst>
-                    </p:cTn>
-                  </p:par>
-                  <p:par>
-                    <p:cTn fill="hold">
-                      <p:stCondLst>
-                        <p:cond delay="indefinite"/>
-                      </p:stCondLst>
-                      <p:childTnLst>
-                        <p:par>
-                          <p:cTn fill="hold">
-                            <p:stCondLst>
-                              <p:cond delay="0"/>
-                            </p:stCondLst>
-                            <p:childTnLst>
                               <p:par>
-                                <p:cTn fill="hold" nodeType="clickEffect" presetClass="entr" presetID="10" presetSubtype="0">
+                                <p:cTn id="11" presetID="10" presetClass="entr" presetSubtype="0" fill="hold" nodeType="withEffect">
                                   <p:stCondLst>
                                     <p:cond delay="0"/>
                                   </p:stCondLst>
                                   <p:childTnLst>
                                     <p:set>
                                       <p:cBhvr>
-                                        <p:cTn dur="1" fill="hold">
+                                        <p:cTn id="12" dur="1" fill="hold">
                                           <p:stCondLst>
                                             <p:cond delay="0"/>
                                           </p:stCondLst>
@@ -11520,46 +11649,11 @@
                                         <p:strVal val="visible"/>
                                       </p:to>
                                     </p:set>
-                                    <p:animEffect filter="fade" transition="in">
+                                    <p:animEffect transition="in" filter="fade">
                                       <p:cBhvr>
-                                        <p:cTn dur="1000"/>
+                                        <p:cTn id="13" dur="1000"/>
                                         <p:tgtEl>
                                           <p:spTgt spid="128"/>
-                                        </p:tgtEl>
-                                      </p:cBhvr>
-                                    </p:animEffect>
-                                  </p:childTnLst>
-                                </p:cTn>
-                              </p:par>
-                              <p:par>
-                                <p:cTn fill="hold" nodeType="withEffect" presetClass="entr" presetID="10" presetSubtype="0">
-                                  <p:stCondLst>
-                                    <p:cond delay="0"/>
-                                  </p:stCondLst>
-                                  <p:childTnLst>
-                                    <p:set>
-                                      <p:cBhvr>
-                                        <p:cTn dur="1" fill="hold">
-                                          <p:stCondLst>
-                                            <p:cond delay="0"/>
-                                          </p:stCondLst>
-                                        </p:cTn>
-                                        <p:tgtEl>
-                                          <p:spTgt spid="129"/>
-                                        </p:tgtEl>
-                                        <p:attrNameLst>
-                                          <p:attrName>style.visibility</p:attrName>
-                                        </p:attrNameLst>
-                                      </p:cBhvr>
-                                      <p:to>
-                                        <p:strVal val="visible"/>
-                                      </p:to>
-                                    </p:set>
-                                    <p:animEffect filter="fade" transition="in">
-                                      <p:cBhvr>
-                                        <p:cTn dur="1000"/>
-                                        <p:tgtEl>
-                                          <p:spTgt spid="129"/>
                                         </p:tgtEl>
                                       </p:cBhvr>
                                     </p:animEffect>
@@ -11572,17 +11666,62 @@
                       </p:childTnLst>
                     </p:cTn>
                   </p:par>
+                  <p:par>
+                    <p:cTn id="14" fill="hold">
+                      <p:stCondLst>
+                        <p:cond delay="indefinite"/>
+                      </p:stCondLst>
+                      <p:childTnLst>
+                        <p:par>
+                          <p:cTn id="15" fill="hold">
+                            <p:stCondLst>
+                              <p:cond delay="0"/>
+                            </p:stCondLst>
+                            <p:childTnLst>
+                              <p:par>
+                                <p:cTn id="16" presetID="1" presetClass="entr" presetSubtype="0" fill="hold" nodeType="clickEffect">
+                                  <p:stCondLst>
+                                    <p:cond delay="0"/>
+                                  </p:stCondLst>
+                                  <p:childTnLst>
+                                    <p:set>
+                                      <p:cBhvr>
+                                        <p:cTn id="17" dur="1" fill="hold">
+                                          <p:stCondLst>
+                                            <p:cond delay="0"/>
+                                          </p:stCondLst>
+                                        </p:cTn>
+                                        <p:tgtEl>
+                                          <p:spTgt spid="3"/>
+                                        </p:tgtEl>
+                                        <p:attrNameLst>
+                                          <p:attrName>style.visibility</p:attrName>
+                                        </p:attrNameLst>
+                                      </p:cBhvr>
+                                      <p:to>
+                                        <p:strVal val="visible"/>
+                                      </p:to>
+                                    </p:set>
+                                  </p:childTnLst>
+                                </p:cTn>
+                              </p:par>
+                            </p:childTnLst>
+                          </p:cTn>
+                        </p:par>
+                      </p:childTnLst>
+                    </p:cTn>
+                  </p:par>
                 </p:childTnLst>
               </p:cTn>
               <p:prevCondLst>
-                <p:cond evt="onPrev">
+                <p:cond evt="onPrev" delay="0">
                   <p:tgtEl>
                     <p:sldTgt/>
                   </p:tgtEl>
                 </p:cond>
               </p:prevCondLst>
               <p:nextCondLst>
-                <p:cond evt="onNext">
+                <p:cond evt="onNext" delay="0">
                   <p:tgtEl>
                     <p:sldTgt/>
                   </p:tgtEl>
@@ -11598,11 +11737,11 @@
 </file>
 
 <file path=ppt/slides/slide9.xml><?xml version="1.0" encoding="utf-8"?>
-<p:sld xmlns:a="http://schemas.openxmlformats.org/drawingml/2006/main" xmlns:r="http://schemas.openxmlformats.org/officeDocument/2006/relationships" xmlns:mc="http://schemas.openxmlformats.org/markup-compatibility/2006" xmlns:mv="urn:schemas-microsoft-com:mac:vml" xmlns:p="http://schemas.openxmlformats.org/presentationml/2006/main" xmlns:c="http://schemas.openxmlformats.org/drawingml/2006/chart" xmlns:dgm="http://schemas.openxmlformats.org/drawingml/2006/diagram" xmlns:o="urn:schemas-microsoft-com:office:office" xmlns:v="urn:schemas-microsoft-com:vml" xmlns:pvml="urn:schemas-microsoft-com:office:powerpoint" xmlns:com="http://schemas.openxmlformats.org/drawingml/2006/compatibility" xmlns:p14="http://schemas.microsoft.com/office/powerpoint/2010/main" xmlns:p15="http://schemas.microsoft.com/office/powerpoint/2012/main" xmlns:ahyp="http://schemas.microsoft.com/office/drawing/2018/hyperlinkcolor">
+<p:sld xmlns:a="http://schemas.openxmlformats.org/drawingml/2006/main" xmlns:r="http://schemas.openxmlformats.org/officeDocument/2006/relationships" xmlns:p="http://schemas.openxmlformats.org/presentationml/2006/main">
   <p:cSld>
     <p:spTree>
       <p:nvGrpSpPr>
-        <p:cNvPr id="133" name="Shape 133"/>
+        <p:cNvPr id="1" name="Shape 133"/>
         <p:cNvGrpSpPr/>
         <p:nvPr/>
       </p:nvGrpSpPr>
@@ -11617,7 +11756,9 @@
       <p:sp>
         <p:nvSpPr>
           <p:cNvPr id="134" name="Google Shape;134;p21"/>
-          <p:cNvSpPr txBox="1"/>
+          <p:cNvSpPr txBox="1">
+            <a:spLocks noGrp="1"/>
+          </p:cNvSpPr>
           <p:nvPr>
             <p:ph type="title"/>
           </p:nvPr>
@@ -11632,12 +11773,12 @@
           </a:prstGeom>
         </p:spPr>
         <p:txBody>
-          <a:bodyPr anchorCtr="0" anchor="t" bIns="91425" lIns="91425" spcFirstLastPara="1" rIns="91425" wrap="square" tIns="91425">
+          <a:bodyPr spcFirstLastPara="1" wrap="square" lIns="91425" tIns="91425" rIns="91425" bIns="91425" anchor="t" anchorCtr="0">
             <a:noAutofit/>
           </a:bodyPr>
           <a:lstStyle/>
           <a:p>
-            <a:pPr indent="0" lvl="0" marL="0" rtl="0" algn="ctr">
+            <a:pPr marL="0" lvl="0" indent="0" algn="ctr" rtl="0">
               <a:spcBef>
                 <a:spcPts val="0"/>
               </a:spcBef>
@@ -11647,22 +11788,14 @@
               <a:buNone/>
             </a:pPr>
             <a:r>
-              <a:rPr lang="en" sz="2800">
+              <a:rPr lang="en" sz="2800" dirty="0">
                 <a:solidFill>
                   <a:srgbClr val="4A86E8"/>
                 </a:solidFill>
               </a:rPr>
-              <a:t>Power BI </a:t>
+              <a:t>Power BI Alberto’s feedback</a:t>
             </a:r>
-            <a:r>
-              <a:rPr lang="en" sz="2800">
-                <a:solidFill>
-                  <a:srgbClr val="4A86E8"/>
-                </a:solidFill>
-              </a:rPr>
-              <a:t>John’s feedback</a:t>
-            </a:r>
-            <a:endParaRPr sz="3400">
+            <a:endParaRPr sz="3400" dirty="0">
               <a:solidFill>
                 <a:srgbClr val="4A86E8"/>
               </a:solidFill>
@@ -11683,9 +11816,9 @@
           </a:xfrm>
           <a:prstGeom prst="wedgeRoundRectCallout">
             <a:avLst>
-              <a:gd fmla="val -87768" name="adj1"/>
-              <a:gd fmla="val -16990" name="adj2"/>
-              <a:gd fmla="val 0" name="adj3"/>
+              <a:gd name="adj1" fmla="val -87768"/>
+              <a:gd name="adj2" fmla="val -16990"/>
+              <a:gd name="adj3" fmla="val 0"/>
             </a:avLst>
           </a:prstGeom>
           <a:solidFill>
@@ -11696,12 +11829,12 @@
           </a:ln>
         </p:spPr>
         <p:txBody>
-          <a:bodyPr anchorCtr="0" anchor="ctr" bIns="91425" lIns="91425" spcFirstLastPara="1" rIns="91425" wrap="square" tIns="91425">
+          <a:bodyPr spcFirstLastPara="1" wrap="square" lIns="91425" tIns="91425" rIns="91425" bIns="91425" anchor="ctr" anchorCtr="0">
             <a:noAutofit/>
           </a:bodyPr>
           <a:lstStyle/>
           <a:p>
-            <a:pPr indent="0" lvl="0" marL="0" rtl="0" algn="l">
+            <a:pPr marL="0" lvl="0" indent="0" algn="l" rtl="0">
               <a:spcBef>
                 <a:spcPts val="0"/>
               </a:spcBef>
@@ -11711,7 +11844,7 @@
               <a:buNone/>
             </a:pPr>
             <a:r>
-              <a:rPr lang="en">
+              <a:rPr lang="en" sz="1200" dirty="0">
                 <a:solidFill>
                   <a:srgbClr val="FFFFFF"/>
                 </a:solidFill>
@@ -11719,14 +11852,14 @@
               <a:t>Victor. That’s what I wanted. I can control sales, stock and everything. That’s </a:t>
             </a:r>
             <a:r>
-              <a:rPr lang="en" sz="1600">
+              <a:rPr lang="en" dirty="0">
                 <a:solidFill>
                   <a:srgbClr val="FFFFFF"/>
                 </a:solidFill>
               </a:rPr>
               <a:t>MAGIC.</a:t>
             </a:r>
-            <a:endParaRPr sz="1600">
+            <a:endParaRPr dirty="0">
               <a:solidFill>
                 <a:srgbClr val="FFFFFF"/>
               </a:solidFill>
@@ -11770,32 +11903,32 @@
   <p:timing>
     <p:tnLst>
       <p:par>
-        <p:cTn dur="indefinite" nodeType="tmRoot" restart="never">
+        <p:cTn id="1" dur="indefinite" restart="never" nodeType="tmRoot">
           <p:childTnLst>
             <p:seq concurrent="1" nextAc="seek">
-              <p:cTn dur="indefinite" id="2" nodeType="mainSeq">
+              <p:cTn id="2" dur="indefinite" nodeType="mainSeq">
                 <p:childTnLst>
                   <p:par>
-                    <p:cTn fill="hold">
+                    <p:cTn id="3" fill="hold">
                       <p:stCondLst>
                         <p:cond delay="indefinite"/>
                       </p:stCondLst>
                       <p:childTnLst>
                         <p:par>
-                          <p:cTn fill="hold">
+                          <p:cTn id="4" fill="hold">
                             <p:stCondLst>
                               <p:cond delay="0"/>
                             </p:stCondLst>
                             <p:childTnLst>
                               <p:par>
-                                <p:cTn fill="hold" nodeType="clickEffect" presetClass="entr" presetID="10" presetSubtype="0">
+                                <p:cTn id="5" presetID="10" presetClass="entr" presetSubtype="0" fill="hold" nodeType="clickEffect">
                                   <p:stCondLst>
                                     <p:cond delay="0"/>
                                   </p:stCondLst>
                                   <p:childTnLst>
                                     <p:set>
                                       <p:cBhvr>
-                                        <p:cTn dur="1" fill="hold">
+                                        <p:cTn id="6" dur="1" fill="hold">
                                           <p:stCondLst>
                                             <p:cond delay="0"/>
                                           </p:stCondLst>
@@ -11811,9 +11944,9 @@
                                         <p:strVal val="visible"/>
                                       </p:to>
                                     </p:set>
-                                    <p:animEffect filter="fade" transition="in">
+                                    <p:animEffect transition="in" filter="fade">
                                       <p:cBhvr>
-                                        <p:cTn dur="1000"/>
+                                        <p:cTn id="7" dur="1000"/>
                                         <p:tgtEl>
                                           <p:spTgt spid="135"/>
                                         </p:tgtEl>
@@ -11829,26 +11962,26 @@
                     </p:cTn>
                   </p:par>
                   <p:par>
-                    <p:cTn fill="hold">
+                    <p:cTn id="8" fill="hold">
                       <p:stCondLst>
                         <p:cond delay="indefinite"/>
                       </p:stCondLst>
                       <p:childTnLst>
                         <p:par>
-                          <p:cTn fill="hold">
+                          <p:cTn id="9" fill="hold">
                             <p:stCondLst>
                               <p:cond delay="0"/>
                             </p:stCondLst>
                             <p:childTnLst>
                               <p:par>
-                                <p:cTn fill="hold" nodeType="clickEffect" presetClass="entr" presetID="10" presetSubtype="0">
+                                <p:cTn id="10" presetID="10" presetClass="entr" presetSubtype="0" fill="hold" nodeType="clickEffect">
                                   <p:stCondLst>
                                     <p:cond delay="0"/>
                                   </p:stCondLst>
                                   <p:childTnLst>
                                     <p:set>
                                       <p:cBhvr>
-                                        <p:cTn dur="1" fill="hold">
+                                        <p:cTn id="11" dur="1" fill="hold">
                                           <p:stCondLst>
                                             <p:cond delay="0"/>
                                           </p:stCondLst>
@@ -11864,9 +11997,9 @@
                                         <p:strVal val="visible"/>
                                       </p:to>
                                     </p:set>
-                                    <p:animEffect filter="fade" transition="in">
+                                    <p:animEffect transition="in" filter="fade">
                                       <p:cBhvr>
-                                        <p:cTn dur="1000"/>
+                                        <p:cTn id="12" dur="1000"/>
                                         <p:tgtEl>
                                           <p:spTgt spid="136"/>
                                         </p:tgtEl>
@@ -11884,14 +12017,14 @@
                 </p:childTnLst>
               </p:cTn>
               <p:prevCondLst>
-                <p:cond evt="onPrev">
+                <p:cond evt="onPrev" delay="0">
                   <p:tgtEl>
                     <p:sldTgt/>
                   </p:tgtEl>
                 </p:cond>
               </p:prevCondLst>
               <p:nextCondLst>
-                <p:cond evt="onNext">
+                <p:cond evt="onNext" delay="0">
                   <p:tgtEl>
                     <p:sldTgt/>
                   </p:tgtEl>
@@ -11907,7 +12040,288 @@
 </file>
 
 <file path=ppt/theme/theme1.xml><?xml version="1.0" encoding="utf-8"?>
-<a:theme xmlns:a="http://schemas.openxmlformats.org/drawingml/2006/main" xmlns:r="http://schemas.openxmlformats.org/officeDocument/2006/relationships">
+<a:theme xmlns:a="http://schemas.openxmlformats.org/drawingml/2006/main" name="Tropic">
+  <a:themeElements>
+    <a:clrScheme name="Tropic">
+      <a:dk1>
+        <a:srgbClr val="A1E8D9"/>
+      </a:dk1>
+      <a:lt1>
+        <a:srgbClr val="FFFFFF"/>
+      </a:lt1>
+      <a:dk2>
+        <a:srgbClr val="695D46"/>
+      </a:dk2>
+      <a:lt2>
+        <a:srgbClr val="B3A77D"/>
+      </a:lt2>
+      <a:accent1>
+        <a:srgbClr val="EF6C00"/>
+      </a:accent1>
+      <a:accent2>
+        <a:srgbClr val="009668"/>
+      </a:accent2>
+      <a:accent3>
+        <a:srgbClr val="4DB6AC"/>
+      </a:accent3>
+      <a:accent4>
+        <a:srgbClr val="FF9800"/>
+      </a:accent4>
+      <a:accent5>
+        <a:srgbClr val="CE93D8"/>
+      </a:accent5>
+      <a:accent6>
+        <a:srgbClr val="EEFF41"/>
+      </a:accent6>
+      <a:hlink>
+        <a:srgbClr val="CE93D8"/>
+      </a:hlink>
+      <a:folHlink>
+        <a:srgbClr val="CE93D8"/>
+      </a:folHlink>
+    </a:clrScheme>
+    <a:fontScheme name="Office">
+      <a:majorFont>
+        <a:latin typeface="Arial"/>
+        <a:ea typeface=""/>
+        <a:cs typeface=""/>
+        <a:font script="Jpan" typeface="ＭＳ Ｐゴシック"/>
+        <a:font script="Hang" typeface="맑은 고딕"/>
+        <a:font script="Hans" typeface="宋体"/>
+        <a:font script="Hant" typeface="新細明體"/>
+        <a:font script="Arab" typeface="Times New Roman"/>
+        <a:font script="Hebr" typeface="Times New Roman"/>
+        <a:font script="Thai" typeface="Angsana New"/>
+        <a:font script="Ethi" typeface="Nyala"/>
+        <a:font script="Beng" typeface="Vrinda"/>
+        <a:font script="Gujr" typeface="Shruti"/>
+        <a:font script="Khmr" typeface="MoolBoran"/>
+        <a:font script="Knda" typeface="Tunga"/>
+        <a:font script="Guru" typeface="Raavi"/>
+        <a:font script="Cans" typeface="Euphemia"/>
+        <a:font script="Cher" typeface="Plantagenet Cherokee"/>
+        <a:font script="Yiii" typeface="Microsoft Yi Baiti"/>
+        <a:font script="Tibt" typeface="Microsoft Himalaya"/>
+        <a:font script="Thaa" typeface="MV Boli"/>
+        <a:font script="Deva" typeface="Mangal"/>
+        <a:font script="Telu" typeface="Gautami"/>
+        <a:font script="Taml" typeface="Latha"/>
+        <a:font script="Syrc" typeface="Estrangelo Edessa"/>
+        <a:font script="Orya" typeface="Kalinga"/>
+        <a:font script="Mlym" typeface="Kartika"/>
+        <a:font script="Laoo" typeface="DokChampa"/>
+        <a:font script="Sinh" typeface="Iskoola Pota"/>
+        <a:font script="Mong" typeface="Mongolian Baiti"/>
+        <a:font script="Viet" typeface="Times New Roman"/>
+        <a:font script="Uigh" typeface="Microsoft Uighur"/>
+        <a:font script="Geor" typeface="Sylfaen"/>
+      </a:majorFont>
+      <a:minorFont>
+        <a:latin typeface="Arial"/>
+        <a:ea typeface=""/>
+        <a:cs typeface=""/>
+        <a:font script="Jpan" typeface="ＭＳ Ｐゴシック"/>
+        <a:font script="Hang" typeface="맑은 고딕"/>
+        <a:font script="Hans" typeface="宋体"/>
+        <a:font script="Hant" typeface="新細明體"/>
+        <a:font script="Arab" typeface="Arial"/>
+        <a:font script="Hebr" typeface="Arial"/>
+        <a:font script="Thai" typeface="Cordia New"/>
+        <a:font script="Ethi" typeface="Nyala"/>
+        <a:font script="Beng" typeface="Vrinda"/>
+        <a:font script="Gujr" typeface="Shruti"/>
+        <a:font script="Khmr" typeface="DaunPenh"/>
+        <a:font script="Knda" typeface="Tunga"/>
+        <a:font script="Guru" typeface="Raavi"/>
+        <a:font script="Cans" typeface="Euphemia"/>
+        <a:font script="Cher" typeface="Plantagenet Cherokee"/>
+        <a:font script="Yiii" typeface="Microsoft Yi Baiti"/>
+        <a:font script="Tibt" typeface="Microsoft Himalaya"/>
+        <a:font script="Thaa" typeface="MV Boli"/>
+        <a:font script="Deva" typeface="Mangal"/>
+        <a:font script="Telu" typeface="Gautami"/>
+        <a:font script="Taml" typeface="Latha"/>
+        <a:font script="Syrc" typeface="Estrangelo Edessa"/>
+        <a:font script="Orya" typeface="Kalinga"/>
+        <a:font script="Mlym" typeface="Kartika"/>
+        <a:font script="Laoo" typeface="DokChampa"/>
+        <a:font script="Sinh" typeface="Iskoola Pota"/>
+        <a:font script="Mong" typeface="Mongolian Baiti"/>
+        <a:font script="Viet" typeface="Arial"/>
+        <a:font script="Uigh" typeface="Microsoft Uighur"/>
+        <a:font script="Geor" typeface="Sylfaen"/>
+      </a:minorFont>
+    </a:fontScheme>
+    <a:fmtScheme name="Office">
+      <a:fillStyleLst>
+        <a:solidFill>
+          <a:schemeClr val="phClr"/>
+        </a:solidFill>
+        <a:gradFill rotWithShape="1">
+          <a:gsLst>
+            <a:gs pos="0">
+              <a:schemeClr val="phClr">
+                <a:tint val="50000"/>
+                <a:satMod val="300000"/>
+              </a:schemeClr>
+            </a:gs>
+            <a:gs pos="35000">
+              <a:schemeClr val="phClr">
+                <a:tint val="37000"/>
+                <a:satMod val="300000"/>
+              </a:schemeClr>
+            </a:gs>
+            <a:gs pos="100000">
+              <a:schemeClr val="phClr">
+                <a:tint val="15000"/>
+                <a:satMod val="350000"/>
+              </a:schemeClr>
+            </a:gs>
+          </a:gsLst>
+          <a:lin ang="16200000" scaled="1"/>
+        </a:gradFill>
+        <a:gradFill rotWithShape="1">
+          <a:gsLst>
+            <a:gs pos="0">
+              <a:schemeClr val="phClr">
+                <a:tint val="100000"/>
+                <a:shade val="100000"/>
+                <a:satMod val="130000"/>
+              </a:schemeClr>
+            </a:gs>
+            <a:gs pos="100000">
+              <a:schemeClr val="phClr">
+                <a:tint val="50000"/>
+                <a:shade val="100000"/>
+                <a:satMod val="350000"/>
+              </a:schemeClr>
+            </a:gs>
+          </a:gsLst>
+          <a:lin ang="16200000" scaled="0"/>
+        </a:gradFill>
+      </a:fillStyleLst>
+      <a:lnStyleLst>
+        <a:ln w="9525" cap="flat" cmpd="sng" algn="ctr">
+          <a:solidFill>
+            <a:schemeClr val="phClr">
+              <a:shade val="95000"/>
+              <a:satMod val="105000"/>
+            </a:schemeClr>
+          </a:solidFill>
+          <a:prstDash val="solid"/>
+        </a:ln>
+        <a:ln w="25400" cap="flat" cmpd="sng" algn="ctr">
+          <a:solidFill>
+            <a:schemeClr val="phClr"/>
+          </a:solidFill>
+          <a:prstDash val="solid"/>
+        </a:ln>
+        <a:ln w="38100" cap="flat" cmpd="sng" algn="ctr">
+          <a:solidFill>
+            <a:schemeClr val="phClr"/>
+          </a:solidFill>
+          <a:prstDash val="solid"/>
+        </a:ln>
+      </a:lnStyleLst>
+      <a:effectStyleLst>
+        <a:effectStyle>
+          <a:effectLst>
+            <a:outerShdw blurRad="40000" dist="20000" dir="5400000" rotWithShape="0">
+              <a:srgbClr val="000000">
+                <a:alpha val="38000"/>
+              </a:srgbClr>
+            </a:outerShdw>
+          </a:effectLst>
+        </a:effectStyle>
+        <a:effectStyle>
+          <a:effectLst>
+            <a:outerShdw blurRad="40000" dist="23000" dir="5400000" rotWithShape="0">
+              <a:srgbClr val="000000">
+                <a:alpha val="35000"/>
+              </a:srgbClr>
+            </a:outerShdw>
+          </a:effectLst>
+        </a:effectStyle>
+        <a:effectStyle>
+          <a:effectLst>
+            <a:outerShdw blurRad="40000" dist="23000" dir="5400000" rotWithShape="0">
+              <a:srgbClr val="000000">
+                <a:alpha val="35000"/>
+              </a:srgbClr>
+            </a:outerShdw>
+          </a:effectLst>
+          <a:scene3d>
+            <a:camera prst="orthographicFront">
+              <a:rot lat="0" lon="0" rev="0"/>
+            </a:camera>
+            <a:lightRig rig="threePt" dir="t">
+              <a:rot lat="0" lon="0" rev="1200000"/>
+            </a:lightRig>
+          </a:scene3d>
+          <a:sp3d>
+            <a:bevelT w="63500" h="25400"/>
+          </a:sp3d>
+        </a:effectStyle>
+      </a:effectStyleLst>
+      <a:bgFillStyleLst>
+        <a:solidFill>
+          <a:schemeClr val="phClr"/>
+        </a:solidFill>
+        <a:gradFill rotWithShape="1">
+          <a:gsLst>
+            <a:gs pos="0">
+              <a:schemeClr val="phClr">
+                <a:tint val="40000"/>
+                <a:satMod val="350000"/>
+              </a:schemeClr>
+            </a:gs>
+            <a:gs pos="40000">
+              <a:schemeClr val="phClr">
+                <a:tint val="45000"/>
+                <a:shade val="99000"/>
+                <a:satMod val="350000"/>
+              </a:schemeClr>
+            </a:gs>
+            <a:gs pos="100000">
+              <a:schemeClr val="phClr">
+                <a:shade val="20000"/>
+                <a:satMod val="255000"/>
+              </a:schemeClr>
+            </a:gs>
+          </a:gsLst>
+          <a:path path="circle">
+            <a:fillToRect l="50000" t="-80000" r="50000" b="180000"/>
+          </a:path>
+        </a:gradFill>
+        <a:gradFill rotWithShape="1">
+          <a:gsLst>
+            <a:gs pos="0">
+              <a:schemeClr val="phClr">
+                <a:tint val="80000"/>
+                <a:satMod val="300000"/>
+              </a:schemeClr>
+            </a:gs>
+            <a:gs pos="100000">
+              <a:schemeClr val="phClr">
+                <a:shade val="30000"/>
+                <a:satMod val="200000"/>
+              </a:schemeClr>
+            </a:gs>
+          </a:gsLst>
+          <a:path path="circle">
+            <a:fillToRect l="50000" t="50000" r="50000" b="50000"/>
+          </a:path>
+        </a:gradFill>
+      </a:bgFillStyleLst>
+    </a:fmtScheme>
+  </a:themeElements>
+  <a:objectDefaults/>
+  <a:extraClrSchemeLst/>
+</a:theme>
+</file>
+
+<file path=ppt/theme/theme2.xml><?xml version="1.0" encoding="utf-8"?>
+<a:theme xmlns:a="http://schemas.openxmlformats.org/drawingml/2006/main">
   <a:themeElements>
     <a:clrScheme name="Default">
       <a:dk1>
@@ -12182,284 +12596,7 @@
       </a:bgFillStyleLst>
     </a:fmtScheme>
   </a:themeElements>
-</a:theme>
-</file>
-
-<file path=ppt/theme/theme2.xml><?xml version="1.0" encoding="utf-8"?>
-<a:theme xmlns:a="http://schemas.openxmlformats.org/drawingml/2006/main" xmlns:r="http://schemas.openxmlformats.org/officeDocument/2006/relationships" name="Tropic">
-  <a:themeElements>
-    <a:clrScheme name="Tropic">
-      <a:dk1>
-        <a:srgbClr val="A1E8D9"/>
-      </a:dk1>
-      <a:lt1>
-        <a:srgbClr val="FFFFFF"/>
-      </a:lt1>
-      <a:dk2>
-        <a:srgbClr val="695D46"/>
-      </a:dk2>
-      <a:lt2>
-        <a:srgbClr val="B3A77D"/>
-      </a:lt2>
-      <a:accent1>
-        <a:srgbClr val="EF6C00"/>
-      </a:accent1>
-      <a:accent2>
-        <a:srgbClr val="009668"/>
-      </a:accent2>
-      <a:accent3>
-        <a:srgbClr val="4DB6AC"/>
-      </a:accent3>
-      <a:accent4>
-        <a:srgbClr val="FF9800"/>
-      </a:accent4>
-      <a:accent5>
-        <a:srgbClr val="CE93D8"/>
-      </a:accent5>
-      <a:accent6>
-        <a:srgbClr val="EEFF41"/>
-      </a:accent6>
-      <a:hlink>
-        <a:srgbClr val="CE93D8"/>
-      </a:hlink>
-      <a:folHlink>
-        <a:srgbClr val="CE93D8"/>
-      </a:folHlink>
-    </a:clrScheme>
-    <a:fontScheme name="Office">
-      <a:majorFont>
-        <a:latin typeface="Arial"/>
-        <a:ea typeface=""/>
-        <a:cs typeface=""/>
-        <a:font script="Jpan" typeface="ＭＳ Ｐゴシック"/>
-        <a:font script="Hang" typeface="맑은 고딕"/>
-        <a:font script="Hans" typeface="宋体"/>
-        <a:font script="Hant" typeface="新細明體"/>
-        <a:font script="Arab" typeface="Times New Roman"/>
-        <a:font script="Hebr" typeface="Times New Roman"/>
-        <a:font script="Thai" typeface="Angsana New"/>
-        <a:font script="Ethi" typeface="Nyala"/>
-        <a:font script="Beng" typeface="Vrinda"/>
-        <a:font script="Gujr" typeface="Shruti"/>
-        <a:font script="Khmr" typeface="MoolBoran"/>
-        <a:font script="Knda" typeface="Tunga"/>
-        <a:font script="Guru" typeface="Raavi"/>
-        <a:font script="Cans" typeface="Euphemia"/>
-        <a:font script="Cher" typeface="Plantagenet Cherokee"/>
-        <a:font script="Yiii" typeface="Microsoft Yi Baiti"/>
-        <a:font script="Tibt" typeface="Microsoft Himalaya"/>
-        <a:font script="Thaa" typeface="MV Boli"/>
-        <a:font script="Deva" typeface="Mangal"/>
-        <a:font script="Telu" typeface="Gautami"/>
-        <a:font script="Taml" typeface="Latha"/>
-        <a:font script="Syrc" typeface="Estrangelo Edessa"/>
-        <a:font script="Orya" typeface="Kalinga"/>
-        <a:font script="Mlym" typeface="Kartika"/>
-        <a:font script="Laoo" typeface="DokChampa"/>
-        <a:font script="Sinh" typeface="Iskoola Pota"/>
-        <a:font script="Mong" typeface="Mongolian Baiti"/>
-        <a:font script="Viet" typeface="Times New Roman"/>
-        <a:font script="Uigh" typeface="Microsoft Uighur"/>
-        <a:font script="Geor" typeface="Sylfaen"/>
-      </a:majorFont>
-      <a:minorFont>
-        <a:latin typeface="Arial"/>
-        <a:ea typeface=""/>
-        <a:cs typeface=""/>
-        <a:font script="Jpan" typeface="ＭＳ Ｐゴシック"/>
-        <a:font script="Hang" typeface="맑은 고딕"/>
-        <a:font script="Hans" typeface="宋体"/>
-        <a:font script="Hant" typeface="新細明體"/>
-        <a:font script="Arab" typeface="Arial"/>
-        <a:font script="Hebr" typeface="Arial"/>
-        <a:font script="Thai" typeface="Cordia New"/>
-        <a:font script="Ethi" typeface="Nyala"/>
-        <a:font script="Beng" typeface="Vrinda"/>
-        <a:font script="Gujr" typeface="Shruti"/>
-        <a:font script="Khmr" typeface="DaunPenh"/>
-        <a:font script="Knda" typeface="Tunga"/>
-        <a:font script="Guru" typeface="Raavi"/>
-        <a:font script="Cans" typeface="Euphemia"/>
-        <a:font script="Cher" typeface="Plantagenet Cherokee"/>
-        <a:font script="Yiii" typeface="Microsoft Yi Baiti"/>
-        <a:font script="Tibt" typeface="Microsoft Himalaya"/>
-        <a:font script="Thaa" typeface="MV Boli"/>
-        <a:font script="Deva" typeface="Mangal"/>
-        <a:font script="Telu" typeface="Gautami"/>
-        <a:font script="Taml" typeface="Latha"/>
-        <a:font script="Syrc" typeface="Estrangelo Edessa"/>
-        <a:font script="Orya" typeface="Kalinga"/>
-        <a:font script="Mlym" typeface="Kartika"/>
-        <a:font script="Laoo" typeface="DokChampa"/>
-        <a:font script="Sinh" typeface="Iskoola Pota"/>
-        <a:font script="Mong" typeface="Mongolian Baiti"/>
-        <a:font script="Viet" typeface="Arial"/>
-        <a:font script="Uigh" typeface="Microsoft Uighur"/>
-        <a:font script="Geor" typeface="Sylfaen"/>
-      </a:minorFont>
-    </a:fontScheme>
-    <a:fmtScheme name="Office">
-      <a:fillStyleLst>
-        <a:solidFill>
-          <a:schemeClr val="phClr"/>
-        </a:solidFill>
-        <a:gradFill rotWithShape="1">
-          <a:gsLst>
-            <a:gs pos="0">
-              <a:schemeClr val="phClr">
-                <a:tint val="50000"/>
-                <a:satMod val="300000"/>
-              </a:schemeClr>
-            </a:gs>
-            <a:gs pos="35000">
-              <a:schemeClr val="phClr">
-                <a:tint val="37000"/>
-                <a:satMod val="300000"/>
-              </a:schemeClr>
-            </a:gs>
-            <a:gs pos="100000">
-              <a:schemeClr val="phClr">
-                <a:tint val="15000"/>
-                <a:satMod val="350000"/>
-              </a:schemeClr>
-            </a:gs>
-          </a:gsLst>
-          <a:lin ang="16200000" scaled="1"/>
-        </a:gradFill>
-        <a:gradFill rotWithShape="1">
-          <a:gsLst>
-            <a:gs pos="0">
-              <a:schemeClr val="phClr">
-                <a:tint val="100000"/>
-                <a:shade val="100000"/>
-                <a:satMod val="130000"/>
-              </a:schemeClr>
-            </a:gs>
-            <a:gs pos="100000">
-              <a:schemeClr val="phClr">
-                <a:tint val="50000"/>
-                <a:shade val="100000"/>
-                <a:satMod val="350000"/>
-              </a:schemeClr>
-            </a:gs>
-          </a:gsLst>
-          <a:lin ang="16200000" scaled="0"/>
-        </a:gradFill>
-      </a:fillStyleLst>
-      <a:lnStyleLst>
-        <a:ln w="9525" cap="flat" cmpd="sng" algn="ctr">
-          <a:solidFill>
-            <a:schemeClr val="phClr">
-              <a:shade val="95000"/>
-              <a:satMod val="105000"/>
-            </a:schemeClr>
-          </a:solidFill>
-          <a:prstDash val="solid"/>
-        </a:ln>
-        <a:ln w="25400" cap="flat" cmpd="sng" algn="ctr">
-          <a:solidFill>
-            <a:schemeClr val="phClr"/>
-          </a:solidFill>
-          <a:prstDash val="solid"/>
-        </a:ln>
-        <a:ln w="38100" cap="flat" cmpd="sng" algn="ctr">
-          <a:solidFill>
-            <a:schemeClr val="phClr"/>
-          </a:solidFill>
-          <a:prstDash val="solid"/>
-        </a:ln>
-      </a:lnStyleLst>
-      <a:effectStyleLst>
-        <a:effectStyle>
-          <a:effectLst>
-            <a:outerShdw blurRad="40000" dist="20000" dir="5400000" rotWithShape="0">
-              <a:srgbClr val="000000">
-                <a:alpha val="38000"/>
-              </a:srgbClr>
-            </a:outerShdw>
-          </a:effectLst>
-        </a:effectStyle>
-        <a:effectStyle>
-          <a:effectLst>
-            <a:outerShdw blurRad="40000" dist="23000" dir="5400000" rotWithShape="0">
-              <a:srgbClr val="000000">
-                <a:alpha val="35000"/>
-              </a:srgbClr>
-            </a:outerShdw>
-          </a:effectLst>
-        </a:effectStyle>
-        <a:effectStyle>
-          <a:effectLst>
-            <a:outerShdw blurRad="40000" dist="23000" dir="5400000" rotWithShape="0">
-              <a:srgbClr val="000000">
-                <a:alpha val="35000"/>
-              </a:srgbClr>
-            </a:outerShdw>
-          </a:effectLst>
-          <a:scene3d>
-            <a:camera prst="orthographicFront">
-              <a:rot lat="0" lon="0" rev="0"/>
-            </a:camera>
-            <a:lightRig rig="threePt" dir="t">
-              <a:rot lat="0" lon="0" rev="1200000"/>
-            </a:lightRig>
-          </a:scene3d>
-          <a:sp3d>
-            <a:bevelT w="63500" h="25400"/>
-          </a:sp3d>
-        </a:effectStyle>
-      </a:effectStyleLst>
-      <a:bgFillStyleLst>
-        <a:solidFill>
-          <a:schemeClr val="phClr"/>
-        </a:solidFill>
-        <a:gradFill rotWithShape="1">
-          <a:gsLst>
-            <a:gs pos="0">
-              <a:schemeClr val="phClr">
-                <a:tint val="40000"/>
-                <a:satMod val="350000"/>
-              </a:schemeClr>
-            </a:gs>
-            <a:gs pos="40000">
-              <a:schemeClr val="phClr">
-                <a:tint val="45000"/>
-                <a:shade val="99000"/>
-                <a:satMod val="350000"/>
-              </a:schemeClr>
-            </a:gs>
-            <a:gs pos="100000">
-              <a:schemeClr val="phClr">
-                <a:shade val="20000"/>
-                <a:satMod val="255000"/>
-              </a:schemeClr>
-            </a:gs>
-          </a:gsLst>
-          <a:path path="circle">
-            <a:fillToRect l="50000" t="-80000" r="50000" b="180000"/>
-          </a:path>
-        </a:gradFill>
-        <a:gradFill rotWithShape="1">
-          <a:gsLst>
-            <a:gs pos="0">
-              <a:schemeClr val="phClr">
-                <a:tint val="80000"/>
-                <a:satMod val="300000"/>
-              </a:schemeClr>
-            </a:gs>
-            <a:gs pos="100000">
-              <a:schemeClr val="phClr">
-                <a:shade val="30000"/>
-                <a:satMod val="200000"/>
-              </a:schemeClr>
-            </a:gs>
-          </a:gsLst>
-          <a:path path="circle">
-            <a:fillToRect l="50000" t="50000" r="50000" b="50000"/>
-          </a:path>
-        </a:gradFill>
-      </a:bgFillStyleLst>
-    </a:fmtScheme>
-  </a:themeElements>
+  <a:objectDefaults/>
+  <a:extraClrSchemeLst/>
 </a:theme>
 </file>